--- a/images/completion_times.pptx
+++ b/images/completion_times.pptx
@@ -2,12 +2,12 @@
 <file path=ppt/presentation.xml><?xml version="1.0" encoding="utf-8"?>
 <p:presentation xmlns:a="http://schemas.openxmlformats.org/drawingml/2006/main" xmlns:r="http://schemas.openxmlformats.org/officeDocument/2006/relationships" xmlns:p="http://schemas.openxmlformats.org/presentationml/2006/main" saveSubsetFonts="1">
   <p:sldMasterIdLst>
-    <p:sldMasterId id="2147483672" r:id="rId1"/>
+    <p:sldMasterId id="2147483696" r:id="rId1"/>
   </p:sldMasterIdLst>
   <p:sldIdLst>
     <p:sldId id="256" r:id="rId2"/>
   </p:sldIdLst>
-  <p:sldSz cx="9144000" cy="2514600"/>
+  <p:sldSz cx="11430000" cy="3200400"/>
   <p:notesSz cx="6858000" cy="9144000"/>
   <p:defaultTextStyle>
     <a:defPPr>
@@ -104,6 +104,11 @@
       </a:defRPr>
     </a:lvl9pPr>
   </p:defaultTextStyle>
+  <p:extLst>
+    <p:ext uri="{EFAFB233-063F-42B5-8137-9DF3F51BA10A}">
+      <p15:sldGuideLst xmlns:p15="http://schemas.microsoft.com/office/powerpoint/2012/main"/>
+    </p:ext>
+  </p:extLst>
 </p:presentation>
 </file>
 
@@ -128,10 +133,10 @@
           <c:layoutTarget val="inner"/>
           <c:xMode val="edge"/>
           <c:yMode val="edge"/>
-          <c:x val="9.2865813648293966E-2"/>
-          <c:y val="0.16900978286805057"/>
-          <c:w val="0.89185640857392823"/>
-          <c:h val="0.53519923645907885"/>
+          <c:x val="0.11842134733158355"/>
+          <c:y val="0.19281933508311461"/>
+          <c:w val="0.86630087489063867"/>
+          <c:h val="0.51138982627171592"/>
         </c:manualLayout>
       </c:layout>
       <c:barChart>
@@ -264,7 +269,7 @@
               <c:strCache>
                 <c:ptCount val="1"/>
                 <c:pt idx="0">
-                  <c:v>RSOY</c:v>
+                  <c:v>ROY</c:v>
                 </c:pt>
               </c:strCache>
             </c:strRef>
@@ -398,7 +403,7 @@
               <a:lstStyle/>
               <a:p>
                 <a:pPr>
-                  <a:defRPr sz="1400" b="0" i="0" u="none" strike="noStrike" kern="1200" baseline="0">
+                  <a:defRPr sz="2800" b="0" i="0" u="none" strike="noStrike" kern="1200" baseline="0">
                     <a:solidFill>
                       <a:schemeClr val="tx1"/>
                     </a:solidFill>
@@ -427,7 +432,7 @@
             <a:lstStyle/>
             <a:p>
               <a:pPr>
-                <a:defRPr sz="1400" b="0" i="0" u="none" strike="noStrike" kern="1200" baseline="0">
+                <a:defRPr sz="2800" b="0" i="0" u="none" strike="noStrike" kern="1200" baseline="0">
                   <a:solidFill>
                     <a:schemeClr val="tx1"/>
                   </a:solidFill>
@@ -462,7 +467,7 @@
           <a:lstStyle/>
           <a:p>
             <a:pPr>
-              <a:defRPr sz="1400" b="0" i="0" u="none" strike="noStrike" kern="1200" baseline="0">
+              <a:defRPr sz="2400" b="0" i="0" u="none" strike="noStrike" kern="1200" baseline="0">
                 <a:solidFill>
                   <a:schemeClr val="tx1"/>
                 </a:solidFill>
@@ -478,7 +483,7 @@
         <c:crosses val="autoZero"/>
         <c:auto val="1"/>
         <c:lblAlgn val="ctr"/>
-        <c:lblOffset val="100"/>
+        <c:lblOffset val="0"/>
         <c:noMultiLvlLbl val="0"/>
       </c:catAx>
       <c:valAx>
@@ -490,20 +495,6 @@
         </c:scaling>
         <c:delete val="0"/>
         <c:axPos val="l"/>
-        <c:majorGridlines>
-          <c:spPr>
-            <a:ln w="9525" cap="flat" cmpd="sng" algn="ctr">
-              <a:solidFill>
-                <a:schemeClr val="tx1">
-                  <a:lumMod val="15000"/>
-                  <a:lumOff val="85000"/>
-                </a:schemeClr>
-              </a:solidFill>
-              <a:round/>
-            </a:ln>
-            <a:effectLst/>
-          </c:spPr>
-        </c:majorGridlines>
         <c:title>
           <c:tx>
             <c:rich>
@@ -511,7 +502,7 @@
               <a:lstStyle/>
               <a:p>
                 <a:pPr>
-                  <a:defRPr sz="1400" b="0" i="0" u="none" strike="noStrike" kern="1200" baseline="0">
+                  <a:defRPr sz="2800" b="0" i="0" u="none" strike="noStrike" kern="1200" baseline="0">
                     <a:solidFill>
                       <a:schemeClr val="tx1"/>
                     </a:solidFill>
@@ -540,7 +531,7 @@
             <a:lstStyle/>
             <a:p>
               <a:pPr>
-                <a:defRPr sz="1400" b="0" i="0" u="none" strike="noStrike" kern="1200" baseline="0">
+                <a:defRPr sz="2800" b="0" i="0" u="none" strike="noStrike" kern="1200" baseline="0">
                   <a:solidFill>
                     <a:schemeClr val="tx1"/>
                   </a:solidFill>
@@ -569,7 +560,7 @@
           <a:lstStyle/>
           <a:p>
             <a:pPr>
-              <a:defRPr sz="1400" b="0" i="0" u="none" strike="noStrike" kern="1200" baseline="0">
+              <a:defRPr sz="2800" b="0" i="0" u="none" strike="noStrike" kern="1200" baseline="0">
                 <a:solidFill>
                   <a:schemeClr val="tx1"/>
                 </a:solidFill>
@@ -584,7 +575,7 @@
         <c:crossAx val="840044448"/>
         <c:crosses val="autoZero"/>
         <c:crossBetween val="between"/>
-        <c:majorUnit val="15"/>
+        <c:majorUnit val="35"/>
         <c:minorUnit val="5"/>
       </c:valAx>
       <c:spPr>
@@ -614,7 +605,7 @@
         <a:lstStyle/>
         <a:p>
           <a:pPr>
-            <a:defRPr sz="1400" b="0" i="0" u="none" strike="noStrike" kern="1200" baseline="0">
+            <a:defRPr sz="2800" b="0" i="0" u="none" strike="noStrike" kern="1200" baseline="0">
               <a:solidFill>
                 <a:schemeClr val="tx1"/>
               </a:solidFill>
@@ -643,7 +634,7 @@
     <a:lstStyle/>
     <a:p>
       <a:pPr>
-        <a:defRPr sz="1400">
+        <a:defRPr sz="2800">
           <a:solidFill>
             <a:schemeClr val="tx1"/>
           </a:solidFill>
@@ -1230,15 +1221,15 @@
         </p:nvSpPr>
         <p:spPr>
           <a:xfrm>
-            <a:off x="1143000" y="411533"/>
-            <a:ext cx="6858000" cy="875453"/>
+            <a:off x="1428750" y="523770"/>
+            <a:ext cx="8572500" cy="1114213"/>
           </a:xfrm>
         </p:spPr>
         <p:txBody>
           <a:bodyPr anchor="b"/>
           <a:lstStyle>
             <a:lvl1pPr algn="ctr">
-              <a:defRPr sz="2200"/>
+              <a:defRPr sz="2800"/>
             </a:lvl1pPr>
           </a:lstStyle>
           <a:p>
@@ -1262,8 +1253,8 @@
         </p:nvSpPr>
         <p:spPr>
           <a:xfrm>
-            <a:off x="1143000" y="1320747"/>
-            <a:ext cx="6858000" cy="607113"/>
+            <a:off x="1428750" y="1680951"/>
+            <a:ext cx="8572500" cy="772689"/>
           </a:xfrm>
         </p:spPr>
         <p:txBody>
@@ -1271,39 +1262,39 @@
           <a:lstStyle>
             <a:lvl1pPr marL="0" indent="0" algn="ctr">
               <a:buNone/>
-              <a:defRPr sz="880"/>
+              <a:defRPr sz="1120"/>
             </a:lvl1pPr>
-            <a:lvl2pPr marL="167655" indent="0" algn="ctr">
-              <a:buNone/>
-              <a:defRPr sz="733"/>
+            <a:lvl2pPr marL="213375" indent="0" algn="ctr">
+              <a:buNone/>
+              <a:defRPr sz="933"/>
             </a:lvl2pPr>
-            <a:lvl3pPr marL="335310" indent="0" algn="ctr">
-              <a:buNone/>
-              <a:defRPr sz="660"/>
+            <a:lvl3pPr marL="426750" indent="0" algn="ctr">
+              <a:buNone/>
+              <a:defRPr sz="840"/>
             </a:lvl3pPr>
-            <a:lvl4pPr marL="502966" indent="0" algn="ctr">
-              <a:buNone/>
-              <a:defRPr sz="587"/>
+            <a:lvl4pPr marL="640126" indent="0" algn="ctr">
+              <a:buNone/>
+              <a:defRPr sz="747"/>
             </a:lvl4pPr>
-            <a:lvl5pPr marL="670621" indent="0" algn="ctr">
-              <a:buNone/>
-              <a:defRPr sz="587"/>
+            <a:lvl5pPr marL="853501" indent="0" algn="ctr">
+              <a:buNone/>
+              <a:defRPr sz="747"/>
             </a:lvl5pPr>
-            <a:lvl6pPr marL="838276" indent="0" algn="ctr">
-              <a:buNone/>
-              <a:defRPr sz="587"/>
+            <a:lvl6pPr marL="1066876" indent="0" algn="ctr">
+              <a:buNone/>
+              <a:defRPr sz="747"/>
             </a:lvl6pPr>
-            <a:lvl7pPr marL="1005931" indent="0" algn="ctr">
-              <a:buNone/>
-              <a:defRPr sz="587"/>
+            <a:lvl7pPr marL="1280251" indent="0" algn="ctr">
+              <a:buNone/>
+              <a:defRPr sz="747"/>
             </a:lvl7pPr>
-            <a:lvl8pPr marL="1173587" indent="0" algn="ctr">
-              <a:buNone/>
-              <a:defRPr sz="587"/>
+            <a:lvl8pPr marL="1493627" indent="0" algn="ctr">
+              <a:buNone/>
+              <a:defRPr sz="747"/>
             </a:lvl8pPr>
-            <a:lvl9pPr marL="1341242" indent="0" algn="ctr">
-              <a:buNone/>
-              <a:defRPr sz="587"/>
+            <a:lvl9pPr marL="1707002" indent="0" algn="ctr">
+              <a:buNone/>
+              <a:defRPr sz="747"/>
             </a:lvl9pPr>
           </a:lstStyle>
           <a:p>
@@ -1332,7 +1323,7 @@
           <a:p>
             <a:fld id="{6BC25386-7753-4509-9C73-70CC03C1D4EB}" type="datetimeFigureOut">
               <a:rPr lang="en-US" smtClean="0"/>
-              <a:t>2/8/2023</a:t>
+              <a:t>2/15/2023</a:t>
             </a:fld>
             <a:endParaRPr lang="en-US"/>
           </a:p>
@@ -1383,7 +1374,7 @@
     </p:spTree>
     <p:extLst>
       <p:ext uri="{BB962C8B-B14F-4D97-AF65-F5344CB8AC3E}">
-        <p14:creationId xmlns:p14="http://schemas.microsoft.com/office/powerpoint/2010/main" val="4248852794"/>
+        <p14:creationId xmlns:p14="http://schemas.microsoft.com/office/powerpoint/2010/main" val="3610240929"/>
       </p:ext>
     </p:extLst>
   </p:cSld>
@@ -1502,7 +1493,7 @@
           <a:p>
             <a:fld id="{6BC25386-7753-4509-9C73-70CC03C1D4EB}" type="datetimeFigureOut">
               <a:rPr lang="en-US" smtClean="0"/>
-              <a:t>2/8/2023</a:t>
+              <a:t>2/15/2023</a:t>
             </a:fld>
             <a:endParaRPr lang="en-US"/>
           </a:p>
@@ -1553,7 +1544,7 @@
     </p:spTree>
     <p:extLst>
       <p:ext uri="{BB962C8B-B14F-4D97-AF65-F5344CB8AC3E}">
-        <p14:creationId xmlns:p14="http://schemas.microsoft.com/office/powerpoint/2010/main" val="691073315"/>
+        <p14:creationId xmlns:p14="http://schemas.microsoft.com/office/powerpoint/2010/main" val="1280893568"/>
       </p:ext>
     </p:extLst>
   </p:cSld>
@@ -1592,8 +1583,8 @@
         </p:nvSpPr>
         <p:spPr>
           <a:xfrm>
-            <a:off x="6543675" y="133879"/>
-            <a:ext cx="1971675" cy="2131007"/>
+            <a:off x="8179594" y="170392"/>
+            <a:ext cx="2464594" cy="2712191"/>
           </a:xfrm>
         </p:spPr>
         <p:txBody>
@@ -1620,8 +1611,8 @@
         </p:nvSpPr>
         <p:spPr>
           <a:xfrm>
-            <a:off x="628650" y="133879"/>
-            <a:ext cx="5800725" cy="2131007"/>
+            <a:off x="785813" y="170392"/>
+            <a:ext cx="7250906" cy="2712191"/>
           </a:xfrm>
         </p:spPr>
         <p:txBody>
@@ -1682,7 +1673,7 @@
           <a:p>
             <a:fld id="{6BC25386-7753-4509-9C73-70CC03C1D4EB}" type="datetimeFigureOut">
               <a:rPr lang="en-US" smtClean="0"/>
-              <a:t>2/8/2023</a:t>
+              <a:t>2/15/2023</a:t>
             </a:fld>
             <a:endParaRPr lang="en-US"/>
           </a:p>
@@ -1733,7 +1724,7 @@
     </p:spTree>
     <p:extLst>
       <p:ext uri="{BB962C8B-B14F-4D97-AF65-F5344CB8AC3E}">
-        <p14:creationId xmlns:p14="http://schemas.microsoft.com/office/powerpoint/2010/main" val="3694153828"/>
+        <p14:creationId xmlns:p14="http://schemas.microsoft.com/office/powerpoint/2010/main" val="933684812"/>
       </p:ext>
     </p:extLst>
   </p:cSld>
@@ -1852,7 +1843,7 @@
           <a:p>
             <a:fld id="{6BC25386-7753-4509-9C73-70CC03C1D4EB}" type="datetimeFigureOut">
               <a:rPr lang="en-US" smtClean="0"/>
-              <a:t>2/8/2023</a:t>
+              <a:t>2/15/2023</a:t>
             </a:fld>
             <a:endParaRPr lang="en-US"/>
           </a:p>
@@ -1903,7 +1894,7 @@
     </p:spTree>
     <p:extLst>
       <p:ext uri="{BB962C8B-B14F-4D97-AF65-F5344CB8AC3E}">
-        <p14:creationId xmlns:p14="http://schemas.microsoft.com/office/powerpoint/2010/main" val="1324284883"/>
+        <p14:creationId xmlns:p14="http://schemas.microsoft.com/office/powerpoint/2010/main" val="1660552503"/>
       </p:ext>
     </p:extLst>
   </p:cSld>
@@ -1942,15 +1933,15 @@
         </p:nvSpPr>
         <p:spPr>
           <a:xfrm>
-            <a:off x="623888" y="626904"/>
-            <a:ext cx="7886700" cy="1046004"/>
+            <a:off x="779859" y="797878"/>
+            <a:ext cx="9858375" cy="1331277"/>
           </a:xfrm>
         </p:spPr>
         <p:txBody>
           <a:bodyPr anchor="b"/>
           <a:lstStyle>
             <a:lvl1pPr>
-              <a:defRPr sz="2200"/>
+              <a:defRPr sz="2800"/>
             </a:lvl1pPr>
           </a:lstStyle>
           <a:p>
@@ -1974,8 +1965,8 @@
         </p:nvSpPr>
         <p:spPr>
           <a:xfrm>
-            <a:off x="623888" y="1682803"/>
-            <a:ext cx="7886700" cy="550069"/>
+            <a:off x="779859" y="2141750"/>
+            <a:ext cx="9858375" cy="700087"/>
           </a:xfrm>
         </p:spPr>
         <p:txBody>
@@ -1983,7 +1974,7 @@
           <a:lstStyle>
             <a:lvl1pPr marL="0" indent="0">
               <a:buNone/>
-              <a:defRPr sz="880">
+              <a:defRPr sz="1120">
                 <a:solidFill>
                   <a:schemeClr val="tx1">
                     <a:tint val="75000"/>
@@ -1991,9 +1982,9 @@
                 </a:solidFill>
               </a:defRPr>
             </a:lvl1pPr>
-            <a:lvl2pPr marL="167655" indent="0">
-              <a:buNone/>
-              <a:defRPr sz="733">
+            <a:lvl2pPr marL="213375" indent="0">
+              <a:buNone/>
+              <a:defRPr sz="933">
                 <a:solidFill>
                   <a:schemeClr val="tx1">
                     <a:tint val="75000"/>
@@ -2001,9 +1992,9 @@
                 </a:solidFill>
               </a:defRPr>
             </a:lvl2pPr>
-            <a:lvl3pPr marL="335310" indent="0">
-              <a:buNone/>
-              <a:defRPr sz="660">
+            <a:lvl3pPr marL="426750" indent="0">
+              <a:buNone/>
+              <a:defRPr sz="840">
                 <a:solidFill>
                   <a:schemeClr val="tx1">
                     <a:tint val="75000"/>
@@ -2011,9 +2002,9 @@
                 </a:solidFill>
               </a:defRPr>
             </a:lvl3pPr>
-            <a:lvl4pPr marL="502966" indent="0">
-              <a:buNone/>
-              <a:defRPr sz="587">
+            <a:lvl4pPr marL="640126" indent="0">
+              <a:buNone/>
+              <a:defRPr sz="747">
                 <a:solidFill>
                   <a:schemeClr val="tx1">
                     <a:tint val="75000"/>
@@ -2021,9 +2012,9 @@
                 </a:solidFill>
               </a:defRPr>
             </a:lvl4pPr>
-            <a:lvl5pPr marL="670621" indent="0">
-              <a:buNone/>
-              <a:defRPr sz="587">
+            <a:lvl5pPr marL="853501" indent="0">
+              <a:buNone/>
+              <a:defRPr sz="747">
                 <a:solidFill>
                   <a:schemeClr val="tx1">
                     <a:tint val="75000"/>
@@ -2031,9 +2022,9 @@
                 </a:solidFill>
               </a:defRPr>
             </a:lvl5pPr>
-            <a:lvl6pPr marL="838276" indent="0">
-              <a:buNone/>
-              <a:defRPr sz="587">
+            <a:lvl6pPr marL="1066876" indent="0">
+              <a:buNone/>
+              <a:defRPr sz="747">
                 <a:solidFill>
                   <a:schemeClr val="tx1">
                     <a:tint val="75000"/>
@@ -2041,9 +2032,9 @@
                 </a:solidFill>
               </a:defRPr>
             </a:lvl6pPr>
-            <a:lvl7pPr marL="1005931" indent="0">
-              <a:buNone/>
-              <a:defRPr sz="587">
+            <a:lvl7pPr marL="1280251" indent="0">
+              <a:buNone/>
+              <a:defRPr sz="747">
                 <a:solidFill>
                   <a:schemeClr val="tx1">
                     <a:tint val="75000"/>
@@ -2051,9 +2042,9 @@
                 </a:solidFill>
               </a:defRPr>
             </a:lvl7pPr>
-            <a:lvl8pPr marL="1173587" indent="0">
-              <a:buNone/>
-              <a:defRPr sz="587">
+            <a:lvl8pPr marL="1493627" indent="0">
+              <a:buNone/>
+              <a:defRPr sz="747">
                 <a:solidFill>
                   <a:schemeClr val="tx1">
                     <a:tint val="75000"/>
@@ -2061,9 +2052,9 @@
                 </a:solidFill>
               </a:defRPr>
             </a:lvl8pPr>
-            <a:lvl9pPr marL="1341242" indent="0">
-              <a:buNone/>
-              <a:defRPr sz="587">
+            <a:lvl9pPr marL="1707002" indent="0">
+              <a:buNone/>
+              <a:defRPr sz="747">
                 <a:solidFill>
                   <a:schemeClr val="tx1">
                     <a:tint val="75000"/>
@@ -2098,7 +2089,7 @@
           <a:p>
             <a:fld id="{6BC25386-7753-4509-9C73-70CC03C1D4EB}" type="datetimeFigureOut">
               <a:rPr lang="en-US" smtClean="0"/>
-              <a:t>2/8/2023</a:t>
+              <a:t>2/15/2023</a:t>
             </a:fld>
             <a:endParaRPr lang="en-US"/>
           </a:p>
@@ -2149,7 +2140,7 @@
     </p:spTree>
     <p:extLst>
       <p:ext uri="{BB962C8B-B14F-4D97-AF65-F5344CB8AC3E}">
-        <p14:creationId xmlns:p14="http://schemas.microsoft.com/office/powerpoint/2010/main" val="2717655284"/>
+        <p14:creationId xmlns:p14="http://schemas.microsoft.com/office/powerpoint/2010/main" val="2656880857"/>
       </p:ext>
     </p:extLst>
   </p:cSld>
@@ -2211,8 +2202,8 @@
         </p:nvSpPr>
         <p:spPr>
           <a:xfrm>
-            <a:off x="628650" y="669396"/>
-            <a:ext cx="3886200" cy="1595491"/>
+            <a:off x="785813" y="851959"/>
+            <a:ext cx="4857750" cy="2030624"/>
           </a:xfrm>
         </p:spPr>
         <p:txBody>
@@ -2268,8 +2259,8 @@
         </p:nvSpPr>
         <p:spPr>
           <a:xfrm>
-            <a:off x="4629150" y="669396"/>
-            <a:ext cx="3886200" cy="1595491"/>
+            <a:off x="5786438" y="851959"/>
+            <a:ext cx="4857750" cy="2030624"/>
           </a:xfrm>
         </p:spPr>
         <p:txBody>
@@ -2330,7 +2321,7 @@
           <a:p>
             <a:fld id="{6BC25386-7753-4509-9C73-70CC03C1D4EB}" type="datetimeFigureOut">
               <a:rPr lang="en-US" smtClean="0"/>
-              <a:t>2/8/2023</a:t>
+              <a:t>2/15/2023</a:t>
             </a:fld>
             <a:endParaRPr lang="en-US"/>
           </a:p>
@@ -2381,7 +2372,7 @@
     </p:spTree>
     <p:extLst>
       <p:ext uri="{BB962C8B-B14F-4D97-AF65-F5344CB8AC3E}">
-        <p14:creationId xmlns:p14="http://schemas.microsoft.com/office/powerpoint/2010/main" val="91826723"/>
+        <p14:creationId xmlns:p14="http://schemas.microsoft.com/office/powerpoint/2010/main" val="1712180308"/>
       </p:ext>
     </p:extLst>
   </p:cSld>
@@ -2420,8 +2411,8 @@
         </p:nvSpPr>
         <p:spPr>
           <a:xfrm>
-            <a:off x="629841" y="133879"/>
-            <a:ext cx="7886700" cy="486040"/>
+            <a:off x="787301" y="170392"/>
+            <a:ext cx="9858375" cy="618596"/>
           </a:xfrm>
         </p:spPr>
         <p:txBody>
@@ -2448,8 +2439,8 @@
         </p:nvSpPr>
         <p:spPr>
           <a:xfrm>
-            <a:off x="629842" y="616426"/>
-            <a:ext cx="3868340" cy="302101"/>
+            <a:off x="787302" y="784543"/>
+            <a:ext cx="4835425" cy="384492"/>
           </a:xfrm>
         </p:spPr>
         <p:txBody>
@@ -2457,39 +2448,39 @@
           <a:lstStyle>
             <a:lvl1pPr marL="0" indent="0">
               <a:buNone/>
-              <a:defRPr sz="880" b="1"/>
+              <a:defRPr sz="1120" b="1"/>
             </a:lvl1pPr>
-            <a:lvl2pPr marL="167655" indent="0">
-              <a:buNone/>
-              <a:defRPr sz="733" b="1"/>
+            <a:lvl2pPr marL="213375" indent="0">
+              <a:buNone/>
+              <a:defRPr sz="933" b="1"/>
             </a:lvl2pPr>
-            <a:lvl3pPr marL="335310" indent="0">
-              <a:buNone/>
-              <a:defRPr sz="660" b="1"/>
+            <a:lvl3pPr marL="426750" indent="0">
+              <a:buNone/>
+              <a:defRPr sz="840" b="1"/>
             </a:lvl3pPr>
-            <a:lvl4pPr marL="502966" indent="0">
-              <a:buNone/>
-              <a:defRPr sz="587" b="1"/>
+            <a:lvl4pPr marL="640126" indent="0">
+              <a:buNone/>
+              <a:defRPr sz="747" b="1"/>
             </a:lvl4pPr>
-            <a:lvl5pPr marL="670621" indent="0">
-              <a:buNone/>
-              <a:defRPr sz="587" b="1"/>
+            <a:lvl5pPr marL="853501" indent="0">
+              <a:buNone/>
+              <a:defRPr sz="747" b="1"/>
             </a:lvl5pPr>
-            <a:lvl6pPr marL="838276" indent="0">
-              <a:buNone/>
-              <a:defRPr sz="587" b="1"/>
+            <a:lvl6pPr marL="1066876" indent="0">
+              <a:buNone/>
+              <a:defRPr sz="747" b="1"/>
             </a:lvl6pPr>
-            <a:lvl7pPr marL="1005931" indent="0">
-              <a:buNone/>
-              <a:defRPr sz="587" b="1"/>
+            <a:lvl7pPr marL="1280251" indent="0">
+              <a:buNone/>
+              <a:defRPr sz="747" b="1"/>
             </a:lvl7pPr>
-            <a:lvl8pPr marL="1173587" indent="0">
-              <a:buNone/>
-              <a:defRPr sz="587" b="1"/>
+            <a:lvl8pPr marL="1493627" indent="0">
+              <a:buNone/>
+              <a:defRPr sz="747" b="1"/>
             </a:lvl8pPr>
-            <a:lvl9pPr marL="1341242" indent="0">
-              <a:buNone/>
-              <a:defRPr sz="587" b="1"/>
+            <a:lvl9pPr marL="1707002" indent="0">
+              <a:buNone/>
+              <a:defRPr sz="747" b="1"/>
             </a:lvl9pPr>
           </a:lstStyle>
           <a:p>
@@ -2513,8 +2504,8 @@
         </p:nvSpPr>
         <p:spPr>
           <a:xfrm>
-            <a:off x="629842" y="918527"/>
-            <a:ext cx="3868340" cy="1351016"/>
+            <a:off x="787302" y="1169035"/>
+            <a:ext cx="4835425" cy="1719474"/>
           </a:xfrm>
         </p:spPr>
         <p:txBody>
@@ -2570,8 +2561,8 @@
         </p:nvSpPr>
         <p:spPr>
           <a:xfrm>
-            <a:off x="4629150" y="616426"/>
-            <a:ext cx="3887391" cy="302101"/>
+            <a:off x="5786437" y="784543"/>
+            <a:ext cx="4859239" cy="384492"/>
           </a:xfrm>
         </p:spPr>
         <p:txBody>
@@ -2579,39 +2570,39 @@
           <a:lstStyle>
             <a:lvl1pPr marL="0" indent="0">
               <a:buNone/>
-              <a:defRPr sz="880" b="1"/>
+              <a:defRPr sz="1120" b="1"/>
             </a:lvl1pPr>
-            <a:lvl2pPr marL="167655" indent="0">
-              <a:buNone/>
-              <a:defRPr sz="733" b="1"/>
+            <a:lvl2pPr marL="213375" indent="0">
+              <a:buNone/>
+              <a:defRPr sz="933" b="1"/>
             </a:lvl2pPr>
-            <a:lvl3pPr marL="335310" indent="0">
-              <a:buNone/>
-              <a:defRPr sz="660" b="1"/>
+            <a:lvl3pPr marL="426750" indent="0">
+              <a:buNone/>
+              <a:defRPr sz="840" b="1"/>
             </a:lvl3pPr>
-            <a:lvl4pPr marL="502966" indent="0">
-              <a:buNone/>
-              <a:defRPr sz="587" b="1"/>
+            <a:lvl4pPr marL="640126" indent="0">
+              <a:buNone/>
+              <a:defRPr sz="747" b="1"/>
             </a:lvl4pPr>
-            <a:lvl5pPr marL="670621" indent="0">
-              <a:buNone/>
-              <a:defRPr sz="587" b="1"/>
+            <a:lvl5pPr marL="853501" indent="0">
+              <a:buNone/>
+              <a:defRPr sz="747" b="1"/>
             </a:lvl5pPr>
-            <a:lvl6pPr marL="838276" indent="0">
-              <a:buNone/>
-              <a:defRPr sz="587" b="1"/>
+            <a:lvl6pPr marL="1066876" indent="0">
+              <a:buNone/>
+              <a:defRPr sz="747" b="1"/>
             </a:lvl6pPr>
-            <a:lvl7pPr marL="1005931" indent="0">
-              <a:buNone/>
-              <a:defRPr sz="587" b="1"/>
+            <a:lvl7pPr marL="1280251" indent="0">
+              <a:buNone/>
+              <a:defRPr sz="747" b="1"/>
             </a:lvl7pPr>
-            <a:lvl8pPr marL="1173587" indent="0">
-              <a:buNone/>
-              <a:defRPr sz="587" b="1"/>
+            <a:lvl8pPr marL="1493627" indent="0">
+              <a:buNone/>
+              <a:defRPr sz="747" b="1"/>
             </a:lvl8pPr>
-            <a:lvl9pPr marL="1341242" indent="0">
-              <a:buNone/>
-              <a:defRPr sz="587" b="1"/>
+            <a:lvl9pPr marL="1707002" indent="0">
+              <a:buNone/>
+              <a:defRPr sz="747" b="1"/>
             </a:lvl9pPr>
           </a:lstStyle>
           <a:p>
@@ -2635,8 +2626,8 @@
         </p:nvSpPr>
         <p:spPr>
           <a:xfrm>
-            <a:off x="4629150" y="918527"/>
-            <a:ext cx="3887391" cy="1351016"/>
+            <a:off x="5786437" y="1169035"/>
+            <a:ext cx="4859239" cy="1719474"/>
           </a:xfrm>
         </p:spPr>
         <p:txBody>
@@ -2697,7 +2688,7 @@
           <a:p>
             <a:fld id="{6BC25386-7753-4509-9C73-70CC03C1D4EB}" type="datetimeFigureOut">
               <a:rPr lang="en-US" smtClean="0"/>
-              <a:t>2/8/2023</a:t>
+              <a:t>2/15/2023</a:t>
             </a:fld>
             <a:endParaRPr lang="en-US"/>
           </a:p>
@@ -2748,7 +2739,7 @@
     </p:spTree>
     <p:extLst>
       <p:ext uri="{BB962C8B-B14F-4D97-AF65-F5344CB8AC3E}">
-        <p14:creationId xmlns:p14="http://schemas.microsoft.com/office/powerpoint/2010/main" val="1609482444"/>
+        <p14:creationId xmlns:p14="http://schemas.microsoft.com/office/powerpoint/2010/main" val="3802340228"/>
       </p:ext>
     </p:extLst>
   </p:cSld>
@@ -2815,7 +2806,7 @@
           <a:p>
             <a:fld id="{6BC25386-7753-4509-9C73-70CC03C1D4EB}" type="datetimeFigureOut">
               <a:rPr lang="en-US" smtClean="0"/>
-              <a:t>2/8/2023</a:t>
+              <a:t>2/15/2023</a:t>
             </a:fld>
             <a:endParaRPr lang="en-US"/>
           </a:p>
@@ -2866,7 +2857,7 @@
     </p:spTree>
     <p:extLst>
       <p:ext uri="{BB962C8B-B14F-4D97-AF65-F5344CB8AC3E}">
-        <p14:creationId xmlns:p14="http://schemas.microsoft.com/office/powerpoint/2010/main" val="3858781118"/>
+        <p14:creationId xmlns:p14="http://schemas.microsoft.com/office/powerpoint/2010/main" val="3002746786"/>
       </p:ext>
     </p:extLst>
   </p:cSld>
@@ -2910,7 +2901,7 @@
           <a:p>
             <a:fld id="{6BC25386-7753-4509-9C73-70CC03C1D4EB}" type="datetimeFigureOut">
               <a:rPr lang="en-US" smtClean="0"/>
-              <a:t>2/8/2023</a:t>
+              <a:t>2/15/2023</a:t>
             </a:fld>
             <a:endParaRPr lang="en-US"/>
           </a:p>
@@ -2961,7 +2952,7 @@
     </p:spTree>
     <p:extLst>
       <p:ext uri="{BB962C8B-B14F-4D97-AF65-F5344CB8AC3E}">
-        <p14:creationId xmlns:p14="http://schemas.microsoft.com/office/powerpoint/2010/main" val="2358061874"/>
+        <p14:creationId xmlns:p14="http://schemas.microsoft.com/office/powerpoint/2010/main" val="541531007"/>
       </p:ext>
     </p:extLst>
   </p:cSld>
@@ -3000,15 +2991,15 @@
         </p:nvSpPr>
         <p:spPr>
           <a:xfrm>
-            <a:off x="629841" y="167640"/>
-            <a:ext cx="2949178" cy="586740"/>
+            <a:off x="787302" y="213360"/>
+            <a:ext cx="3686472" cy="746760"/>
           </a:xfrm>
         </p:spPr>
         <p:txBody>
           <a:bodyPr anchor="b"/>
           <a:lstStyle>
             <a:lvl1pPr>
-              <a:defRPr sz="1173"/>
+              <a:defRPr sz="1493"/>
             </a:lvl1pPr>
           </a:lstStyle>
           <a:p>
@@ -3032,39 +3023,39 @@
         </p:nvSpPr>
         <p:spPr>
           <a:xfrm>
-            <a:off x="3887391" y="362056"/>
-            <a:ext cx="4629150" cy="1786996"/>
+            <a:off x="4859238" y="460799"/>
+            <a:ext cx="5786438" cy="2274358"/>
           </a:xfrm>
         </p:spPr>
         <p:txBody>
           <a:bodyPr/>
           <a:lstStyle>
             <a:lvl1pPr>
-              <a:defRPr sz="1173"/>
+              <a:defRPr sz="1493"/>
             </a:lvl1pPr>
             <a:lvl2pPr>
-              <a:defRPr sz="1027"/>
+              <a:defRPr sz="1307"/>
             </a:lvl2pPr>
             <a:lvl3pPr>
-              <a:defRPr sz="880"/>
+              <a:defRPr sz="1120"/>
             </a:lvl3pPr>
             <a:lvl4pPr>
-              <a:defRPr sz="733"/>
+              <a:defRPr sz="933"/>
             </a:lvl4pPr>
             <a:lvl5pPr>
-              <a:defRPr sz="733"/>
+              <a:defRPr sz="933"/>
             </a:lvl5pPr>
             <a:lvl6pPr>
-              <a:defRPr sz="733"/>
+              <a:defRPr sz="933"/>
             </a:lvl6pPr>
             <a:lvl7pPr>
-              <a:defRPr sz="733"/>
+              <a:defRPr sz="933"/>
             </a:lvl7pPr>
             <a:lvl8pPr>
-              <a:defRPr sz="733"/>
+              <a:defRPr sz="933"/>
             </a:lvl8pPr>
             <a:lvl9pPr>
-              <a:defRPr sz="733"/>
+              <a:defRPr sz="933"/>
             </a:lvl9pPr>
           </a:lstStyle>
           <a:p>
@@ -3117,8 +3108,8 @@
         </p:nvSpPr>
         <p:spPr>
           <a:xfrm>
-            <a:off x="629841" y="754380"/>
-            <a:ext cx="2949178" cy="1397582"/>
+            <a:off x="787302" y="960120"/>
+            <a:ext cx="3686472" cy="1778741"/>
           </a:xfrm>
         </p:spPr>
         <p:txBody>
@@ -3126,39 +3117,39 @@
           <a:lstStyle>
             <a:lvl1pPr marL="0" indent="0">
               <a:buNone/>
-              <a:defRPr sz="587"/>
+              <a:defRPr sz="747"/>
             </a:lvl1pPr>
-            <a:lvl2pPr marL="167655" indent="0">
-              <a:buNone/>
-              <a:defRPr sz="513"/>
+            <a:lvl2pPr marL="213375" indent="0">
+              <a:buNone/>
+              <a:defRPr sz="653"/>
             </a:lvl2pPr>
-            <a:lvl3pPr marL="335310" indent="0">
-              <a:buNone/>
-              <a:defRPr sz="440"/>
+            <a:lvl3pPr marL="426750" indent="0">
+              <a:buNone/>
+              <a:defRPr sz="560"/>
             </a:lvl3pPr>
-            <a:lvl4pPr marL="502966" indent="0">
-              <a:buNone/>
-              <a:defRPr sz="367"/>
+            <a:lvl4pPr marL="640126" indent="0">
+              <a:buNone/>
+              <a:defRPr sz="467"/>
             </a:lvl4pPr>
-            <a:lvl5pPr marL="670621" indent="0">
-              <a:buNone/>
-              <a:defRPr sz="367"/>
+            <a:lvl5pPr marL="853501" indent="0">
+              <a:buNone/>
+              <a:defRPr sz="467"/>
             </a:lvl5pPr>
-            <a:lvl6pPr marL="838276" indent="0">
-              <a:buNone/>
-              <a:defRPr sz="367"/>
+            <a:lvl6pPr marL="1066876" indent="0">
+              <a:buNone/>
+              <a:defRPr sz="467"/>
             </a:lvl6pPr>
-            <a:lvl7pPr marL="1005931" indent="0">
-              <a:buNone/>
-              <a:defRPr sz="367"/>
+            <a:lvl7pPr marL="1280251" indent="0">
+              <a:buNone/>
+              <a:defRPr sz="467"/>
             </a:lvl7pPr>
-            <a:lvl8pPr marL="1173587" indent="0">
-              <a:buNone/>
-              <a:defRPr sz="367"/>
+            <a:lvl8pPr marL="1493627" indent="0">
+              <a:buNone/>
+              <a:defRPr sz="467"/>
             </a:lvl8pPr>
-            <a:lvl9pPr marL="1341242" indent="0">
-              <a:buNone/>
-              <a:defRPr sz="367"/>
+            <a:lvl9pPr marL="1707002" indent="0">
+              <a:buNone/>
+              <a:defRPr sz="467"/>
             </a:lvl9pPr>
           </a:lstStyle>
           <a:p>
@@ -3187,7 +3178,7 @@
           <a:p>
             <a:fld id="{6BC25386-7753-4509-9C73-70CC03C1D4EB}" type="datetimeFigureOut">
               <a:rPr lang="en-US" smtClean="0"/>
-              <a:t>2/8/2023</a:t>
+              <a:t>2/15/2023</a:t>
             </a:fld>
             <a:endParaRPr lang="en-US"/>
           </a:p>
@@ -3238,7 +3229,7 @@
     </p:spTree>
     <p:extLst>
       <p:ext uri="{BB962C8B-B14F-4D97-AF65-F5344CB8AC3E}">
-        <p14:creationId xmlns:p14="http://schemas.microsoft.com/office/powerpoint/2010/main" val="1897323773"/>
+        <p14:creationId xmlns:p14="http://schemas.microsoft.com/office/powerpoint/2010/main" val="830596018"/>
       </p:ext>
     </p:extLst>
   </p:cSld>
@@ -3277,15 +3268,15 @@
         </p:nvSpPr>
         <p:spPr>
           <a:xfrm>
-            <a:off x="629841" y="167640"/>
-            <a:ext cx="2949178" cy="586740"/>
+            <a:off x="787302" y="213360"/>
+            <a:ext cx="3686472" cy="746760"/>
           </a:xfrm>
         </p:spPr>
         <p:txBody>
           <a:bodyPr anchor="b"/>
           <a:lstStyle>
             <a:lvl1pPr>
-              <a:defRPr sz="1173"/>
+              <a:defRPr sz="1493"/>
             </a:lvl1pPr>
           </a:lstStyle>
           <a:p>
@@ -3309,8 +3300,8 @@
         </p:nvSpPr>
         <p:spPr>
           <a:xfrm>
-            <a:off x="3887391" y="362056"/>
-            <a:ext cx="4629150" cy="1786996"/>
+            <a:off x="4859238" y="460799"/>
+            <a:ext cx="5786438" cy="2274358"/>
           </a:xfrm>
         </p:spPr>
         <p:txBody>
@@ -3318,39 +3309,39 @@
           <a:lstStyle>
             <a:lvl1pPr marL="0" indent="0">
               <a:buNone/>
-              <a:defRPr sz="1173"/>
+              <a:defRPr sz="1493"/>
             </a:lvl1pPr>
-            <a:lvl2pPr marL="167655" indent="0">
-              <a:buNone/>
-              <a:defRPr sz="1027"/>
+            <a:lvl2pPr marL="213375" indent="0">
+              <a:buNone/>
+              <a:defRPr sz="1307"/>
             </a:lvl2pPr>
-            <a:lvl3pPr marL="335310" indent="0">
-              <a:buNone/>
-              <a:defRPr sz="880"/>
+            <a:lvl3pPr marL="426750" indent="0">
+              <a:buNone/>
+              <a:defRPr sz="1120"/>
             </a:lvl3pPr>
-            <a:lvl4pPr marL="502966" indent="0">
-              <a:buNone/>
-              <a:defRPr sz="733"/>
+            <a:lvl4pPr marL="640126" indent="0">
+              <a:buNone/>
+              <a:defRPr sz="933"/>
             </a:lvl4pPr>
-            <a:lvl5pPr marL="670621" indent="0">
-              <a:buNone/>
-              <a:defRPr sz="733"/>
+            <a:lvl5pPr marL="853501" indent="0">
+              <a:buNone/>
+              <a:defRPr sz="933"/>
             </a:lvl5pPr>
-            <a:lvl6pPr marL="838276" indent="0">
-              <a:buNone/>
-              <a:defRPr sz="733"/>
+            <a:lvl6pPr marL="1066876" indent="0">
+              <a:buNone/>
+              <a:defRPr sz="933"/>
             </a:lvl6pPr>
-            <a:lvl7pPr marL="1005931" indent="0">
-              <a:buNone/>
-              <a:defRPr sz="733"/>
+            <a:lvl7pPr marL="1280251" indent="0">
+              <a:buNone/>
+              <a:defRPr sz="933"/>
             </a:lvl7pPr>
-            <a:lvl8pPr marL="1173587" indent="0">
-              <a:buNone/>
-              <a:defRPr sz="733"/>
+            <a:lvl8pPr marL="1493627" indent="0">
+              <a:buNone/>
+              <a:defRPr sz="933"/>
             </a:lvl8pPr>
-            <a:lvl9pPr marL="1341242" indent="0">
-              <a:buNone/>
-              <a:defRPr sz="733"/>
+            <a:lvl9pPr marL="1707002" indent="0">
+              <a:buNone/>
+              <a:defRPr sz="933"/>
             </a:lvl9pPr>
           </a:lstStyle>
           <a:p>
@@ -3374,8 +3365,8 @@
         </p:nvSpPr>
         <p:spPr>
           <a:xfrm>
-            <a:off x="629841" y="754380"/>
-            <a:ext cx="2949178" cy="1397582"/>
+            <a:off x="787302" y="960120"/>
+            <a:ext cx="3686472" cy="1778741"/>
           </a:xfrm>
         </p:spPr>
         <p:txBody>
@@ -3383,39 +3374,39 @@
           <a:lstStyle>
             <a:lvl1pPr marL="0" indent="0">
               <a:buNone/>
-              <a:defRPr sz="587"/>
+              <a:defRPr sz="747"/>
             </a:lvl1pPr>
-            <a:lvl2pPr marL="167655" indent="0">
-              <a:buNone/>
-              <a:defRPr sz="513"/>
+            <a:lvl2pPr marL="213375" indent="0">
+              <a:buNone/>
+              <a:defRPr sz="653"/>
             </a:lvl2pPr>
-            <a:lvl3pPr marL="335310" indent="0">
-              <a:buNone/>
-              <a:defRPr sz="440"/>
+            <a:lvl3pPr marL="426750" indent="0">
+              <a:buNone/>
+              <a:defRPr sz="560"/>
             </a:lvl3pPr>
-            <a:lvl4pPr marL="502966" indent="0">
-              <a:buNone/>
-              <a:defRPr sz="367"/>
+            <a:lvl4pPr marL="640126" indent="0">
+              <a:buNone/>
+              <a:defRPr sz="467"/>
             </a:lvl4pPr>
-            <a:lvl5pPr marL="670621" indent="0">
-              <a:buNone/>
-              <a:defRPr sz="367"/>
+            <a:lvl5pPr marL="853501" indent="0">
+              <a:buNone/>
+              <a:defRPr sz="467"/>
             </a:lvl5pPr>
-            <a:lvl6pPr marL="838276" indent="0">
-              <a:buNone/>
-              <a:defRPr sz="367"/>
+            <a:lvl6pPr marL="1066876" indent="0">
+              <a:buNone/>
+              <a:defRPr sz="467"/>
             </a:lvl6pPr>
-            <a:lvl7pPr marL="1005931" indent="0">
-              <a:buNone/>
-              <a:defRPr sz="367"/>
+            <a:lvl7pPr marL="1280251" indent="0">
+              <a:buNone/>
+              <a:defRPr sz="467"/>
             </a:lvl7pPr>
-            <a:lvl8pPr marL="1173587" indent="0">
-              <a:buNone/>
-              <a:defRPr sz="367"/>
+            <a:lvl8pPr marL="1493627" indent="0">
+              <a:buNone/>
+              <a:defRPr sz="467"/>
             </a:lvl8pPr>
-            <a:lvl9pPr marL="1341242" indent="0">
-              <a:buNone/>
-              <a:defRPr sz="367"/>
+            <a:lvl9pPr marL="1707002" indent="0">
+              <a:buNone/>
+              <a:defRPr sz="467"/>
             </a:lvl9pPr>
           </a:lstStyle>
           <a:p>
@@ -3444,7 +3435,7 @@
           <a:p>
             <a:fld id="{6BC25386-7753-4509-9C73-70CC03C1D4EB}" type="datetimeFigureOut">
               <a:rPr lang="en-US" smtClean="0"/>
-              <a:t>2/8/2023</a:t>
+              <a:t>2/15/2023</a:t>
             </a:fld>
             <a:endParaRPr lang="en-US"/>
           </a:p>
@@ -3495,7 +3486,7 @@
     </p:spTree>
     <p:extLst>
       <p:ext uri="{BB962C8B-B14F-4D97-AF65-F5344CB8AC3E}">
-        <p14:creationId xmlns:p14="http://schemas.microsoft.com/office/powerpoint/2010/main" val="1748793815"/>
+        <p14:creationId xmlns:p14="http://schemas.microsoft.com/office/powerpoint/2010/main" val="2291244455"/>
       </p:ext>
     </p:extLst>
   </p:cSld>
@@ -3539,8 +3530,8 @@
         </p:nvSpPr>
         <p:spPr>
           <a:xfrm>
-            <a:off x="628650" y="133879"/>
-            <a:ext cx="7886700" cy="486040"/>
+            <a:off x="785813" y="170392"/>
+            <a:ext cx="9858375" cy="618596"/>
           </a:xfrm>
           <a:prstGeom prst="rect">
             <a:avLst/>
@@ -3572,8 +3563,8 @@
         </p:nvSpPr>
         <p:spPr>
           <a:xfrm>
-            <a:off x="628650" y="669396"/>
-            <a:ext cx="7886700" cy="1595491"/>
+            <a:off x="785813" y="851959"/>
+            <a:ext cx="9858375" cy="2030624"/>
           </a:xfrm>
           <a:prstGeom prst="rect">
             <a:avLst/>
@@ -3634,8 +3625,8 @@
         </p:nvSpPr>
         <p:spPr>
           <a:xfrm>
-            <a:off x="628650" y="2330662"/>
-            <a:ext cx="2057400" cy="133879"/>
+            <a:off x="785813" y="2966297"/>
+            <a:ext cx="2571750" cy="170392"/>
           </a:xfrm>
           <a:prstGeom prst="rect">
             <a:avLst/>
@@ -3645,7 +3636,7 @@
           <a:bodyPr vert="horz" lIns="91440" tIns="45720" rIns="91440" bIns="45720" rtlCol="0" anchor="ctr"/>
           <a:lstStyle>
             <a:lvl1pPr algn="l">
-              <a:defRPr sz="440">
+              <a:defRPr sz="560">
                 <a:solidFill>
                   <a:schemeClr val="tx1">
                     <a:tint val="75000"/>
@@ -3657,7 +3648,7 @@
           <a:p>
             <a:fld id="{6BC25386-7753-4509-9C73-70CC03C1D4EB}" type="datetimeFigureOut">
               <a:rPr lang="en-US" smtClean="0"/>
-              <a:t>2/8/2023</a:t>
+              <a:t>2/15/2023</a:t>
             </a:fld>
             <a:endParaRPr lang="en-US"/>
           </a:p>
@@ -3675,8 +3666,8 @@
         </p:nvSpPr>
         <p:spPr>
           <a:xfrm>
-            <a:off x="3028950" y="2330662"/>
-            <a:ext cx="3086100" cy="133879"/>
+            <a:off x="3786188" y="2966297"/>
+            <a:ext cx="3857625" cy="170392"/>
           </a:xfrm>
           <a:prstGeom prst="rect">
             <a:avLst/>
@@ -3686,7 +3677,7 @@
           <a:bodyPr vert="horz" lIns="91440" tIns="45720" rIns="91440" bIns="45720" rtlCol="0" anchor="ctr"/>
           <a:lstStyle>
             <a:lvl1pPr algn="ctr">
-              <a:defRPr sz="440">
+              <a:defRPr sz="560">
                 <a:solidFill>
                   <a:schemeClr val="tx1">
                     <a:tint val="75000"/>
@@ -3712,8 +3703,8 @@
         </p:nvSpPr>
         <p:spPr>
           <a:xfrm>
-            <a:off x="6457950" y="2330662"/>
-            <a:ext cx="2057400" cy="133879"/>
+            <a:off x="8072438" y="2966297"/>
+            <a:ext cx="2571750" cy="170392"/>
           </a:xfrm>
           <a:prstGeom prst="rect">
             <a:avLst/>
@@ -3723,7 +3714,7 @@
           <a:bodyPr vert="horz" lIns="91440" tIns="45720" rIns="91440" bIns="45720" rtlCol="0" anchor="ctr"/>
           <a:lstStyle>
             <a:lvl1pPr algn="r">
-              <a:defRPr sz="440">
+              <a:defRPr sz="560">
                 <a:solidFill>
                   <a:schemeClr val="tx1">
                     <a:tint val="75000"/>
@@ -3744,27 +3735,27 @@
     </p:spTree>
     <p:extLst>
       <p:ext uri="{BB962C8B-B14F-4D97-AF65-F5344CB8AC3E}">
-        <p14:creationId xmlns:p14="http://schemas.microsoft.com/office/powerpoint/2010/main" val="276076634"/>
+        <p14:creationId xmlns:p14="http://schemas.microsoft.com/office/powerpoint/2010/main" val="4034281375"/>
       </p:ext>
     </p:extLst>
   </p:cSld>
   <p:clrMap bg1="lt1" tx1="dk1" bg2="lt2" tx2="dk2" accent1="accent1" accent2="accent2" accent3="accent3" accent4="accent4" accent5="accent5" accent6="accent6" hlink="hlink" folHlink="folHlink"/>
   <p:sldLayoutIdLst>
-    <p:sldLayoutId id="2147483673" r:id="rId1"/>
-    <p:sldLayoutId id="2147483674" r:id="rId2"/>
-    <p:sldLayoutId id="2147483675" r:id="rId3"/>
-    <p:sldLayoutId id="2147483676" r:id="rId4"/>
-    <p:sldLayoutId id="2147483677" r:id="rId5"/>
-    <p:sldLayoutId id="2147483678" r:id="rId6"/>
-    <p:sldLayoutId id="2147483679" r:id="rId7"/>
-    <p:sldLayoutId id="2147483680" r:id="rId8"/>
-    <p:sldLayoutId id="2147483681" r:id="rId9"/>
-    <p:sldLayoutId id="2147483682" r:id="rId10"/>
-    <p:sldLayoutId id="2147483683" r:id="rId11"/>
+    <p:sldLayoutId id="2147483697" r:id="rId1"/>
+    <p:sldLayoutId id="2147483698" r:id="rId2"/>
+    <p:sldLayoutId id="2147483699" r:id="rId3"/>
+    <p:sldLayoutId id="2147483700" r:id="rId4"/>
+    <p:sldLayoutId id="2147483701" r:id="rId5"/>
+    <p:sldLayoutId id="2147483702" r:id="rId6"/>
+    <p:sldLayoutId id="2147483703" r:id="rId7"/>
+    <p:sldLayoutId id="2147483704" r:id="rId8"/>
+    <p:sldLayoutId id="2147483705" r:id="rId9"/>
+    <p:sldLayoutId id="2147483706" r:id="rId10"/>
+    <p:sldLayoutId id="2147483707" r:id="rId11"/>
   </p:sldLayoutIdLst>
   <p:txStyles>
     <p:titleStyle>
-      <a:lvl1pPr algn="l" defTabSz="335310" rtl="0" eaLnBrk="1" latinLnBrk="0" hangingPunct="1">
+      <a:lvl1pPr algn="l" defTabSz="426750" rtl="0" eaLnBrk="1" latinLnBrk="0" hangingPunct="1">
         <a:lnSpc>
           <a:spcPct val="90000"/>
         </a:lnSpc>
@@ -3772,7 +3763,7 @@
           <a:spcPct val="0"/>
         </a:spcBef>
         <a:buNone/>
-        <a:defRPr sz="1613" kern="1200">
+        <a:defRPr sz="2053" kern="1200">
           <a:solidFill>
             <a:schemeClr val="tx1"/>
           </a:solidFill>
@@ -3783,16 +3774,16 @@
       </a:lvl1pPr>
     </p:titleStyle>
     <p:bodyStyle>
-      <a:lvl1pPr marL="83828" indent="-83828" algn="l" defTabSz="335310" rtl="0" eaLnBrk="1" latinLnBrk="0" hangingPunct="1">
+      <a:lvl1pPr marL="106688" indent="-106688" algn="l" defTabSz="426750" rtl="0" eaLnBrk="1" latinLnBrk="0" hangingPunct="1">
         <a:lnSpc>
           <a:spcPct val="90000"/>
         </a:lnSpc>
         <a:spcBef>
-          <a:spcPts val="367"/>
+          <a:spcPts val="467"/>
         </a:spcBef>
         <a:buFont typeface="Arial" panose="020B0604020202020204" pitchFamily="34" charset="0"/>
         <a:buChar char="•"/>
-        <a:defRPr sz="1027" kern="1200">
+        <a:defRPr sz="1307" kern="1200">
           <a:solidFill>
             <a:schemeClr val="tx1"/>
           </a:solidFill>
@@ -3801,16 +3792,16 @@
           <a:cs typeface="+mn-cs"/>
         </a:defRPr>
       </a:lvl1pPr>
-      <a:lvl2pPr marL="251483" indent="-83828" algn="l" defTabSz="335310" rtl="0" eaLnBrk="1" latinLnBrk="0" hangingPunct="1">
+      <a:lvl2pPr marL="320063" indent="-106688" algn="l" defTabSz="426750" rtl="0" eaLnBrk="1" latinLnBrk="0" hangingPunct="1">
         <a:lnSpc>
           <a:spcPct val="90000"/>
         </a:lnSpc>
         <a:spcBef>
-          <a:spcPts val="183"/>
+          <a:spcPts val="233"/>
         </a:spcBef>
         <a:buFont typeface="Arial" panose="020B0604020202020204" pitchFamily="34" charset="0"/>
         <a:buChar char="•"/>
-        <a:defRPr sz="880" kern="1200">
+        <a:defRPr sz="1120" kern="1200">
           <a:solidFill>
             <a:schemeClr val="tx1"/>
           </a:solidFill>
@@ -3819,16 +3810,16 @@
           <a:cs typeface="+mn-cs"/>
         </a:defRPr>
       </a:lvl2pPr>
-      <a:lvl3pPr marL="419138" indent="-83828" algn="l" defTabSz="335310" rtl="0" eaLnBrk="1" latinLnBrk="0" hangingPunct="1">
+      <a:lvl3pPr marL="533438" indent="-106688" algn="l" defTabSz="426750" rtl="0" eaLnBrk="1" latinLnBrk="0" hangingPunct="1">
         <a:lnSpc>
           <a:spcPct val="90000"/>
         </a:lnSpc>
         <a:spcBef>
-          <a:spcPts val="183"/>
+          <a:spcPts val="233"/>
         </a:spcBef>
         <a:buFont typeface="Arial" panose="020B0604020202020204" pitchFamily="34" charset="0"/>
         <a:buChar char="•"/>
-        <a:defRPr sz="733" kern="1200">
+        <a:defRPr sz="933" kern="1200">
           <a:solidFill>
             <a:schemeClr val="tx1"/>
           </a:solidFill>
@@ -3837,16 +3828,16 @@
           <a:cs typeface="+mn-cs"/>
         </a:defRPr>
       </a:lvl3pPr>
-      <a:lvl4pPr marL="586793" indent="-83828" algn="l" defTabSz="335310" rtl="0" eaLnBrk="1" latinLnBrk="0" hangingPunct="1">
+      <a:lvl4pPr marL="746813" indent="-106688" algn="l" defTabSz="426750" rtl="0" eaLnBrk="1" latinLnBrk="0" hangingPunct="1">
         <a:lnSpc>
           <a:spcPct val="90000"/>
         </a:lnSpc>
         <a:spcBef>
-          <a:spcPts val="183"/>
+          <a:spcPts val="233"/>
         </a:spcBef>
         <a:buFont typeface="Arial" panose="020B0604020202020204" pitchFamily="34" charset="0"/>
         <a:buChar char="•"/>
-        <a:defRPr sz="660" kern="1200">
+        <a:defRPr sz="840" kern="1200">
           <a:solidFill>
             <a:schemeClr val="tx1"/>
           </a:solidFill>
@@ -3855,16 +3846,16 @@
           <a:cs typeface="+mn-cs"/>
         </a:defRPr>
       </a:lvl4pPr>
-      <a:lvl5pPr marL="754449" indent="-83828" algn="l" defTabSz="335310" rtl="0" eaLnBrk="1" latinLnBrk="0" hangingPunct="1">
+      <a:lvl5pPr marL="960189" indent="-106688" algn="l" defTabSz="426750" rtl="0" eaLnBrk="1" latinLnBrk="0" hangingPunct="1">
         <a:lnSpc>
           <a:spcPct val="90000"/>
         </a:lnSpc>
         <a:spcBef>
-          <a:spcPts val="183"/>
+          <a:spcPts val="233"/>
         </a:spcBef>
         <a:buFont typeface="Arial" panose="020B0604020202020204" pitchFamily="34" charset="0"/>
         <a:buChar char="•"/>
-        <a:defRPr sz="660" kern="1200">
+        <a:defRPr sz="840" kern="1200">
           <a:solidFill>
             <a:schemeClr val="tx1"/>
           </a:solidFill>
@@ -3873,16 +3864,16 @@
           <a:cs typeface="+mn-cs"/>
         </a:defRPr>
       </a:lvl5pPr>
-      <a:lvl6pPr marL="922104" indent="-83828" algn="l" defTabSz="335310" rtl="0" eaLnBrk="1" latinLnBrk="0" hangingPunct="1">
+      <a:lvl6pPr marL="1173564" indent="-106688" algn="l" defTabSz="426750" rtl="0" eaLnBrk="1" latinLnBrk="0" hangingPunct="1">
         <a:lnSpc>
           <a:spcPct val="90000"/>
         </a:lnSpc>
         <a:spcBef>
-          <a:spcPts val="183"/>
+          <a:spcPts val="233"/>
         </a:spcBef>
         <a:buFont typeface="Arial" panose="020B0604020202020204" pitchFamily="34" charset="0"/>
         <a:buChar char="•"/>
-        <a:defRPr sz="660" kern="1200">
+        <a:defRPr sz="840" kern="1200">
           <a:solidFill>
             <a:schemeClr val="tx1"/>
           </a:solidFill>
@@ -3891,16 +3882,16 @@
           <a:cs typeface="+mn-cs"/>
         </a:defRPr>
       </a:lvl6pPr>
-      <a:lvl7pPr marL="1089759" indent="-83828" algn="l" defTabSz="335310" rtl="0" eaLnBrk="1" latinLnBrk="0" hangingPunct="1">
+      <a:lvl7pPr marL="1386939" indent="-106688" algn="l" defTabSz="426750" rtl="0" eaLnBrk="1" latinLnBrk="0" hangingPunct="1">
         <a:lnSpc>
           <a:spcPct val="90000"/>
         </a:lnSpc>
         <a:spcBef>
-          <a:spcPts val="183"/>
+          <a:spcPts val="233"/>
         </a:spcBef>
         <a:buFont typeface="Arial" panose="020B0604020202020204" pitchFamily="34" charset="0"/>
         <a:buChar char="•"/>
-        <a:defRPr sz="660" kern="1200">
+        <a:defRPr sz="840" kern="1200">
           <a:solidFill>
             <a:schemeClr val="tx1"/>
           </a:solidFill>
@@ -3909,16 +3900,16 @@
           <a:cs typeface="+mn-cs"/>
         </a:defRPr>
       </a:lvl7pPr>
-      <a:lvl8pPr marL="1257414" indent="-83828" algn="l" defTabSz="335310" rtl="0" eaLnBrk="1" latinLnBrk="0" hangingPunct="1">
+      <a:lvl8pPr marL="1600314" indent="-106688" algn="l" defTabSz="426750" rtl="0" eaLnBrk="1" latinLnBrk="0" hangingPunct="1">
         <a:lnSpc>
           <a:spcPct val="90000"/>
         </a:lnSpc>
         <a:spcBef>
-          <a:spcPts val="183"/>
+          <a:spcPts val="233"/>
         </a:spcBef>
         <a:buFont typeface="Arial" panose="020B0604020202020204" pitchFamily="34" charset="0"/>
         <a:buChar char="•"/>
-        <a:defRPr sz="660" kern="1200">
+        <a:defRPr sz="840" kern="1200">
           <a:solidFill>
             <a:schemeClr val="tx1"/>
           </a:solidFill>
@@ -3927,16 +3918,16 @@
           <a:cs typeface="+mn-cs"/>
         </a:defRPr>
       </a:lvl8pPr>
-      <a:lvl9pPr marL="1425070" indent="-83828" algn="l" defTabSz="335310" rtl="0" eaLnBrk="1" latinLnBrk="0" hangingPunct="1">
+      <a:lvl9pPr marL="1813690" indent="-106688" algn="l" defTabSz="426750" rtl="0" eaLnBrk="1" latinLnBrk="0" hangingPunct="1">
         <a:lnSpc>
           <a:spcPct val="90000"/>
         </a:lnSpc>
         <a:spcBef>
-          <a:spcPts val="183"/>
+          <a:spcPts val="233"/>
         </a:spcBef>
         <a:buFont typeface="Arial" panose="020B0604020202020204" pitchFamily="34" charset="0"/>
         <a:buChar char="•"/>
-        <a:defRPr sz="660" kern="1200">
+        <a:defRPr sz="840" kern="1200">
           <a:solidFill>
             <a:schemeClr val="tx1"/>
           </a:solidFill>
@@ -3950,8 +3941,8 @@
       <a:defPPr>
         <a:defRPr lang="en-US"/>
       </a:defPPr>
-      <a:lvl1pPr marL="0" algn="l" defTabSz="335310" rtl="0" eaLnBrk="1" latinLnBrk="0" hangingPunct="1">
-        <a:defRPr sz="660" kern="1200">
+      <a:lvl1pPr marL="0" algn="l" defTabSz="426750" rtl="0" eaLnBrk="1" latinLnBrk="0" hangingPunct="1">
+        <a:defRPr sz="840" kern="1200">
           <a:solidFill>
             <a:schemeClr val="tx1"/>
           </a:solidFill>
@@ -3960,8 +3951,8 @@
           <a:cs typeface="+mn-cs"/>
         </a:defRPr>
       </a:lvl1pPr>
-      <a:lvl2pPr marL="167655" algn="l" defTabSz="335310" rtl="0" eaLnBrk="1" latinLnBrk="0" hangingPunct="1">
-        <a:defRPr sz="660" kern="1200">
+      <a:lvl2pPr marL="213375" algn="l" defTabSz="426750" rtl="0" eaLnBrk="1" latinLnBrk="0" hangingPunct="1">
+        <a:defRPr sz="840" kern="1200">
           <a:solidFill>
             <a:schemeClr val="tx1"/>
           </a:solidFill>
@@ -3970,8 +3961,8 @@
           <a:cs typeface="+mn-cs"/>
         </a:defRPr>
       </a:lvl2pPr>
-      <a:lvl3pPr marL="335310" algn="l" defTabSz="335310" rtl="0" eaLnBrk="1" latinLnBrk="0" hangingPunct="1">
-        <a:defRPr sz="660" kern="1200">
+      <a:lvl3pPr marL="426750" algn="l" defTabSz="426750" rtl="0" eaLnBrk="1" latinLnBrk="0" hangingPunct="1">
+        <a:defRPr sz="840" kern="1200">
           <a:solidFill>
             <a:schemeClr val="tx1"/>
           </a:solidFill>
@@ -3980,8 +3971,8 @@
           <a:cs typeface="+mn-cs"/>
         </a:defRPr>
       </a:lvl3pPr>
-      <a:lvl4pPr marL="502966" algn="l" defTabSz="335310" rtl="0" eaLnBrk="1" latinLnBrk="0" hangingPunct="1">
-        <a:defRPr sz="660" kern="1200">
+      <a:lvl4pPr marL="640126" algn="l" defTabSz="426750" rtl="0" eaLnBrk="1" latinLnBrk="0" hangingPunct="1">
+        <a:defRPr sz="840" kern="1200">
           <a:solidFill>
             <a:schemeClr val="tx1"/>
           </a:solidFill>
@@ -3990,8 +3981,8 @@
           <a:cs typeface="+mn-cs"/>
         </a:defRPr>
       </a:lvl4pPr>
-      <a:lvl5pPr marL="670621" algn="l" defTabSz="335310" rtl="0" eaLnBrk="1" latinLnBrk="0" hangingPunct="1">
-        <a:defRPr sz="660" kern="1200">
+      <a:lvl5pPr marL="853501" algn="l" defTabSz="426750" rtl="0" eaLnBrk="1" latinLnBrk="0" hangingPunct="1">
+        <a:defRPr sz="840" kern="1200">
           <a:solidFill>
             <a:schemeClr val="tx1"/>
           </a:solidFill>
@@ -4000,8 +3991,8 @@
           <a:cs typeface="+mn-cs"/>
         </a:defRPr>
       </a:lvl5pPr>
-      <a:lvl6pPr marL="838276" algn="l" defTabSz="335310" rtl="0" eaLnBrk="1" latinLnBrk="0" hangingPunct="1">
-        <a:defRPr sz="660" kern="1200">
+      <a:lvl6pPr marL="1066876" algn="l" defTabSz="426750" rtl="0" eaLnBrk="1" latinLnBrk="0" hangingPunct="1">
+        <a:defRPr sz="840" kern="1200">
           <a:solidFill>
             <a:schemeClr val="tx1"/>
           </a:solidFill>
@@ -4010,8 +4001,8 @@
           <a:cs typeface="+mn-cs"/>
         </a:defRPr>
       </a:lvl6pPr>
-      <a:lvl7pPr marL="1005931" algn="l" defTabSz="335310" rtl="0" eaLnBrk="1" latinLnBrk="0" hangingPunct="1">
-        <a:defRPr sz="660" kern="1200">
+      <a:lvl7pPr marL="1280251" algn="l" defTabSz="426750" rtl="0" eaLnBrk="1" latinLnBrk="0" hangingPunct="1">
+        <a:defRPr sz="840" kern="1200">
           <a:solidFill>
             <a:schemeClr val="tx1"/>
           </a:solidFill>
@@ -4020,8 +4011,8 @@
           <a:cs typeface="+mn-cs"/>
         </a:defRPr>
       </a:lvl7pPr>
-      <a:lvl8pPr marL="1173587" algn="l" defTabSz="335310" rtl="0" eaLnBrk="1" latinLnBrk="0" hangingPunct="1">
-        <a:defRPr sz="660" kern="1200">
+      <a:lvl8pPr marL="1493627" algn="l" defTabSz="426750" rtl="0" eaLnBrk="1" latinLnBrk="0" hangingPunct="1">
+        <a:defRPr sz="840" kern="1200">
           <a:solidFill>
             <a:schemeClr val="tx1"/>
           </a:solidFill>
@@ -4030,8 +4021,8 @@
           <a:cs typeface="+mn-cs"/>
         </a:defRPr>
       </a:lvl8pPr>
-      <a:lvl9pPr marL="1341242" algn="l" defTabSz="335310" rtl="0" eaLnBrk="1" latinLnBrk="0" hangingPunct="1">
-        <a:defRPr sz="660" kern="1200">
+      <a:lvl9pPr marL="1707002" algn="l" defTabSz="426750" rtl="0" eaLnBrk="1" latinLnBrk="0" hangingPunct="1">
+        <a:defRPr sz="840" kern="1200">
           <a:solidFill>
             <a:schemeClr val="tx1"/>
           </a:solidFill>
@@ -4077,14 +4068,14 @@
           <p:nvPr>
             <p:extLst>
               <p:ext uri="{D42A27DB-BD31-4B8C-83A1-F6EECF244321}">
-                <p14:modId xmlns:p14="http://schemas.microsoft.com/office/powerpoint/2010/main" val="2688019756"/>
+                <p14:modId xmlns:p14="http://schemas.microsoft.com/office/powerpoint/2010/main" val="1519746065"/>
               </p:ext>
             </p:extLst>
           </p:nvPr>
         </p:nvGraphicFramePr>
         <p:xfrm>
-          <a:off x="0" y="0"/>
-          <a:ext cx="9144000" cy="2514600"/>
+          <a:off x="1" y="0"/>
+          <a:ext cx="11430000" cy="3200400"/>
         </p:xfrm>
         <a:graphic>
           <a:graphicData uri="http://schemas.openxmlformats.org/drawingml/2006/chart">

--- a/images/completion_times.pptx
+++ b/images/completion_times.pptx
@@ -2,12 +2,12 @@
 <file path=ppt/presentation.xml><?xml version="1.0" encoding="utf-8"?>
 <p:presentation xmlns:a="http://schemas.openxmlformats.org/drawingml/2006/main" xmlns:r="http://schemas.openxmlformats.org/officeDocument/2006/relationships" xmlns:p="http://schemas.openxmlformats.org/presentationml/2006/main" saveSubsetFonts="1">
   <p:sldMasterIdLst>
-    <p:sldMasterId id="2147483696" r:id="rId1"/>
+    <p:sldMasterId id="2147483720" r:id="rId1"/>
   </p:sldMasterIdLst>
   <p:sldIdLst>
     <p:sldId id="256" r:id="rId2"/>
   </p:sldIdLst>
-  <p:sldSz cx="11430000" cy="3200400"/>
+  <p:sldSz cx="11430000" cy="2743200"/>
   <p:notesSz cx="6858000" cy="9144000"/>
   <p:defaultTextStyle>
     <a:defPPr>
@@ -133,10 +133,10 @@
           <c:layoutTarget val="inner"/>
           <c:xMode val="edge"/>
           <c:yMode val="edge"/>
-          <c:x val="0.11842134733158355"/>
-          <c:y val="0.19281933508311461"/>
-          <c:w val="0.86630087489063867"/>
-          <c:h val="0.51138982627171592"/>
+          <c:x val="0.13136290463692038"/>
+          <c:y val="0.20050008770782493"/>
+          <c:w val="0.8564148731408574"/>
+          <c:h val="0.67677763638566768"/>
         </c:manualLayout>
       </c:layout>
       <c:barChart>
@@ -148,262 +148,2868 @@
           <c:order val="0"/>
           <c:tx>
             <c:strRef>
-              <c:f>Performance!$B$23</c:f>
+              <c:f>Performance!$C$51</c:f>
               <c:strCache>
                 <c:ptCount val="1"/>
                 <c:pt idx="0">
-                  <c:v>Duplo</c:v>
+                  <c:v>Time (Minutes)</c:v>
                 </c:pt>
               </c:strCache>
             </c:strRef>
           </c:tx>
           <c:spPr>
             <a:solidFill>
-              <a:schemeClr val="accent1"/>
+              <a:schemeClr val="accent6"/>
             </a:solidFill>
-            <a:ln>
-              <a:noFill/>
+            <a:ln w="28575">
+              <a:solidFill>
+                <a:schemeClr val="tx1"/>
+              </a:solidFill>
             </a:ln>
             <a:effectLst/>
           </c:spPr>
           <c:invertIfNegative val="0"/>
-          <c:val>
-            <c:numRef>
-              <c:f>Performance!$B$24:$B$49</c:f>
-              <c:numCache>
-                <c:formatCode>0</c:formatCode>
-                <c:ptCount val="26"/>
-                <c:pt idx="0">
-                  <c:v>28.00000000000006</c:v>
-                </c:pt>
-                <c:pt idx="1">
-                  <c:v>31.00000000000005</c:v>
-                </c:pt>
-                <c:pt idx="2">
-                  <c:v>32.000000000000043</c:v>
-                </c:pt>
-                <c:pt idx="3">
-                  <c:v>34.000000000000043</c:v>
-                </c:pt>
-                <c:pt idx="4">
-                  <c:v>36.000000000000028</c:v>
-                </c:pt>
-                <c:pt idx="5">
-                  <c:v>42.000000000000014</c:v>
-                </c:pt>
-                <c:pt idx="6">
-                  <c:v>43.000000000000007</c:v>
-                </c:pt>
-                <c:pt idx="7">
-                  <c:v>47.999999999999986</c:v>
-                </c:pt>
-                <c:pt idx="8">
-                  <c:v>47.999999999999986</c:v>
-                </c:pt>
-                <c:pt idx="9">
-                  <c:v>48.999999999999986</c:v>
-                </c:pt>
-                <c:pt idx="10">
-                  <c:v>52.999999999999972</c:v>
-                </c:pt>
-                <c:pt idx="11">
-                  <c:v>54.999999999999964</c:v>
-                </c:pt>
-                <c:pt idx="12">
-                  <c:v>61.000000000000099</c:v>
-                </c:pt>
-                <c:pt idx="13">
-                  <c:v>66</c:v>
-                </c:pt>
-                <c:pt idx="14">
-                  <c:v>69.999999999999986</c:v>
-                </c:pt>
-                <c:pt idx="15">
-                  <c:v>74.000000000000057</c:v>
-                </c:pt>
-                <c:pt idx="16">
-                  <c:v>78.000000000000043</c:v>
-                </c:pt>
-                <c:pt idx="17">
-                  <c:v>84.999999999999943</c:v>
-                </c:pt>
-                <c:pt idx="18">
-                  <c:v>92</c:v>
-                </c:pt>
-                <c:pt idx="19">
-                  <c:v>93.999999999999986</c:v>
-                </c:pt>
-                <c:pt idx="20">
-                  <c:v>96.999999999999972</c:v>
-                </c:pt>
-                <c:pt idx="21">
-                  <c:v>104.99999999999994</c:v>
-                </c:pt>
-                <c:pt idx="22">
-                  <c:v>104.99999999999994</c:v>
-                </c:pt>
-                <c:pt idx="23">
-                  <c:v>104.99999999999994</c:v>
-                </c:pt>
-                <c:pt idx="24">
-                  <c:v>105.00000000000011</c:v>
-                </c:pt>
-                <c:pt idx="25">
-                  <c:v>105.00000000000011</c:v>
-                </c:pt>
-              </c:numCache>
-            </c:numRef>
-          </c:val>
-          <c:extLst>
-            <c:ext xmlns:c16="http://schemas.microsoft.com/office/drawing/2014/chart" uri="{C3380CC4-5D6E-409C-BE32-E72D297353CC}">
-              <c16:uniqueId val="{00000000-2097-46D2-901E-6CA46845BABB}"/>
-            </c:ext>
-          </c:extLst>
-        </c:ser>
-        <c:ser>
-          <c:idx val="1"/>
-          <c:order val="1"/>
-          <c:tx>
-            <c:strRef>
-              <c:f>Performance!$C$23</c:f>
-              <c:strCache>
-                <c:ptCount val="1"/>
-                <c:pt idx="0">
-                  <c:v>ROY</c:v>
-                </c:pt>
-              </c:strCache>
-            </c:strRef>
-          </c:tx>
-          <c:spPr>
-            <a:solidFill>
-              <a:schemeClr val="accent2"/>
-            </a:solidFill>
-            <a:ln>
+          <c:dPt>
+            <c:idx val="0"/>
+            <c:invertIfNegative val="0"/>
+            <c:bubble3D val="0"/>
+            <c:spPr>
+              <a:solidFill>
+                <a:schemeClr val="accent5"/>
+              </a:solidFill>
+              <a:ln w="28575">
+                <a:solidFill>
+                  <a:schemeClr val="tx1"/>
+                </a:solidFill>
+              </a:ln>
+              <a:effectLst/>
+            </c:spPr>
+            <c:extLst>
+              <c:ext xmlns:c16="http://schemas.microsoft.com/office/drawing/2014/chart" uri="{C3380CC4-5D6E-409C-BE32-E72D297353CC}">
+                <c16:uniqueId val="{00000036-8D67-4BF9-9F00-7C369C0065BF}"/>
+              </c:ext>
+            </c:extLst>
+          </c:dPt>
+          <c:dPt>
+            <c:idx val="1"/>
+            <c:invertIfNegative val="0"/>
+            <c:bubble3D val="0"/>
+            <c:spPr>
+              <a:solidFill>
+                <a:schemeClr val="accent5"/>
+              </a:solidFill>
+              <a:ln w="28575">
+                <a:solidFill>
+                  <a:schemeClr val="tx1"/>
+                </a:solidFill>
+              </a:ln>
+              <a:effectLst/>
+            </c:spPr>
+            <c:extLst>
+              <c:ext xmlns:c16="http://schemas.microsoft.com/office/drawing/2014/chart" uri="{C3380CC4-5D6E-409C-BE32-E72D297353CC}">
+                <c16:uniqueId val="{00000037-8D67-4BF9-9F00-7C369C0065BF}"/>
+              </c:ext>
+            </c:extLst>
+          </c:dPt>
+          <c:dPt>
+            <c:idx val="2"/>
+            <c:invertIfNegative val="0"/>
+            <c:bubble3D val="0"/>
+            <c:spPr>
+              <a:solidFill>
+                <a:schemeClr val="accent5"/>
+              </a:solidFill>
+              <a:ln w="28575">
+                <a:solidFill>
+                  <a:schemeClr val="tx1"/>
+                </a:solidFill>
+              </a:ln>
+              <a:effectLst/>
+            </c:spPr>
+            <c:extLst>
+              <c:ext xmlns:c16="http://schemas.microsoft.com/office/drawing/2014/chart" uri="{C3380CC4-5D6E-409C-BE32-E72D297353CC}">
+                <c16:uniqueId val="{00000038-8D67-4BF9-9F00-7C369C0065BF}"/>
+              </c:ext>
+            </c:extLst>
+          </c:dPt>
+          <c:dPt>
+            <c:idx val="3"/>
+            <c:invertIfNegative val="0"/>
+            <c:bubble3D val="0"/>
+            <c:spPr>
+              <a:solidFill>
+                <a:schemeClr val="accent5"/>
+              </a:solidFill>
+              <a:ln w="28575">
+                <a:solidFill>
+                  <a:schemeClr val="tx1"/>
+                </a:solidFill>
+              </a:ln>
+              <a:effectLst/>
+            </c:spPr>
+            <c:extLst>
+              <c:ext xmlns:c16="http://schemas.microsoft.com/office/drawing/2014/chart" uri="{C3380CC4-5D6E-409C-BE32-E72D297353CC}">
+                <c16:uniqueId val="{00000039-8D67-4BF9-9F00-7C369C0065BF}"/>
+              </c:ext>
+            </c:extLst>
+          </c:dPt>
+          <c:dPt>
+            <c:idx val="4"/>
+            <c:invertIfNegative val="0"/>
+            <c:bubble3D val="0"/>
+            <c:spPr>
+              <a:solidFill>
+                <a:schemeClr val="accent4"/>
+              </a:solidFill>
+              <a:ln w="28575">
+                <a:solidFill>
+                  <a:schemeClr val="tx1"/>
+                </a:solidFill>
+              </a:ln>
+              <a:effectLst/>
+            </c:spPr>
+            <c:extLst>
+              <c:ext xmlns:c16="http://schemas.microsoft.com/office/drawing/2014/chart" uri="{C3380CC4-5D6E-409C-BE32-E72D297353CC}">
+                <c16:uniqueId val="{00000001-8D67-4BF9-9F00-7C369C0065BF}"/>
+              </c:ext>
+            </c:extLst>
+          </c:dPt>
+          <c:dPt>
+            <c:idx val="5"/>
+            <c:invertIfNegative val="0"/>
+            <c:bubble3D val="0"/>
+            <c:spPr>
+              <a:solidFill>
+                <a:schemeClr val="accent5"/>
+              </a:solidFill>
+              <a:ln w="28575">
+                <a:solidFill>
+                  <a:schemeClr val="tx1"/>
+                </a:solidFill>
+              </a:ln>
+              <a:effectLst/>
+            </c:spPr>
+            <c:extLst>
+              <c:ext xmlns:c16="http://schemas.microsoft.com/office/drawing/2014/chart" uri="{C3380CC4-5D6E-409C-BE32-E72D297353CC}">
+                <c16:uniqueId val="{0000003A-8D67-4BF9-9F00-7C369C0065BF}"/>
+              </c:ext>
+            </c:extLst>
+          </c:dPt>
+          <c:dPt>
+            <c:idx val="6"/>
+            <c:invertIfNegative val="0"/>
+            <c:bubble3D val="0"/>
+            <c:spPr>
+              <a:solidFill>
+                <a:schemeClr val="accent5"/>
+              </a:solidFill>
+              <a:ln w="28575">
+                <a:solidFill>
+                  <a:schemeClr val="tx1"/>
+                </a:solidFill>
+              </a:ln>
+              <a:effectLst/>
+            </c:spPr>
+            <c:extLst>
+              <c:ext xmlns:c16="http://schemas.microsoft.com/office/drawing/2014/chart" uri="{C3380CC4-5D6E-409C-BE32-E72D297353CC}">
+                <c16:uniqueId val="{0000003B-8D67-4BF9-9F00-7C369C0065BF}"/>
+              </c:ext>
+            </c:extLst>
+          </c:dPt>
+          <c:dPt>
+            <c:idx val="7"/>
+            <c:invertIfNegative val="0"/>
+            <c:bubble3D val="0"/>
+            <c:spPr>
+              <a:solidFill>
+                <a:schemeClr val="accent5"/>
+              </a:solidFill>
+              <a:ln w="28575">
+                <a:solidFill>
+                  <a:schemeClr val="tx1"/>
+                </a:solidFill>
+              </a:ln>
+              <a:effectLst/>
+            </c:spPr>
+            <c:extLst>
+              <c:ext xmlns:c16="http://schemas.microsoft.com/office/drawing/2014/chart" uri="{C3380CC4-5D6E-409C-BE32-E72D297353CC}">
+                <c16:uniqueId val="{0000003C-8D67-4BF9-9F00-7C369C0065BF}"/>
+              </c:ext>
+            </c:extLst>
+          </c:dPt>
+          <c:dPt>
+            <c:idx val="8"/>
+            <c:invertIfNegative val="0"/>
+            <c:bubble3D val="0"/>
+            <c:spPr>
+              <a:solidFill>
+                <a:schemeClr val="accent5"/>
+              </a:solidFill>
+              <a:ln w="28575">
+                <a:solidFill>
+                  <a:schemeClr val="tx1"/>
+                </a:solidFill>
+              </a:ln>
+              <a:effectLst/>
+            </c:spPr>
+            <c:extLst>
+              <c:ext xmlns:c16="http://schemas.microsoft.com/office/drawing/2014/chart" uri="{C3380CC4-5D6E-409C-BE32-E72D297353CC}">
+                <c16:uniqueId val="{0000003D-8D67-4BF9-9F00-7C369C0065BF}"/>
+              </c:ext>
+            </c:extLst>
+          </c:dPt>
+          <c:dPt>
+            <c:idx val="9"/>
+            <c:invertIfNegative val="0"/>
+            <c:bubble3D val="0"/>
+            <c:spPr>
+              <a:solidFill>
+                <a:schemeClr val="accent5"/>
+              </a:solidFill>
+              <a:ln w="28575">
+                <a:solidFill>
+                  <a:schemeClr val="tx1"/>
+                </a:solidFill>
+              </a:ln>
+              <a:effectLst/>
+            </c:spPr>
+            <c:extLst>
+              <c:ext xmlns:c16="http://schemas.microsoft.com/office/drawing/2014/chart" uri="{C3380CC4-5D6E-409C-BE32-E72D297353CC}">
+                <c16:uniqueId val="{0000003E-8D67-4BF9-9F00-7C369C0065BF}"/>
+              </c:ext>
+            </c:extLst>
+          </c:dPt>
+          <c:dPt>
+            <c:idx val="10"/>
+            <c:invertIfNegative val="0"/>
+            <c:bubble3D val="0"/>
+            <c:spPr>
+              <a:solidFill>
+                <a:schemeClr val="accent5"/>
+              </a:solidFill>
+              <a:ln w="28575">
+                <a:solidFill>
+                  <a:schemeClr val="tx1"/>
+                </a:solidFill>
+              </a:ln>
+              <a:effectLst/>
+            </c:spPr>
+            <c:extLst>
+              <c:ext xmlns:c16="http://schemas.microsoft.com/office/drawing/2014/chart" uri="{C3380CC4-5D6E-409C-BE32-E72D297353CC}">
+                <c16:uniqueId val="{0000003F-8D67-4BF9-9F00-7C369C0065BF}"/>
+              </c:ext>
+            </c:extLst>
+          </c:dPt>
+          <c:dPt>
+            <c:idx val="11"/>
+            <c:invertIfNegative val="0"/>
+            <c:bubble3D val="0"/>
+            <c:spPr>
+              <a:solidFill>
+                <a:schemeClr val="accent5"/>
+              </a:solidFill>
+              <a:ln w="28575">
+                <a:solidFill>
+                  <a:schemeClr val="tx1"/>
+                </a:solidFill>
+              </a:ln>
+              <a:effectLst/>
+            </c:spPr>
+            <c:extLst>
+              <c:ext xmlns:c16="http://schemas.microsoft.com/office/drawing/2014/chart" uri="{C3380CC4-5D6E-409C-BE32-E72D297353CC}">
+                <c16:uniqueId val="{00000040-8D67-4BF9-9F00-7C369C0065BF}"/>
+              </c:ext>
+            </c:extLst>
+          </c:dPt>
+          <c:dPt>
+            <c:idx val="12"/>
+            <c:invertIfNegative val="0"/>
+            <c:bubble3D val="0"/>
+            <c:spPr>
+              <a:solidFill>
+                <a:schemeClr val="accent5"/>
+              </a:solidFill>
+              <a:ln w="28575">
+                <a:solidFill>
+                  <a:schemeClr val="tx1"/>
+                </a:solidFill>
+              </a:ln>
+              <a:effectLst/>
+            </c:spPr>
+            <c:extLst>
+              <c:ext xmlns:c16="http://schemas.microsoft.com/office/drawing/2014/chart" uri="{C3380CC4-5D6E-409C-BE32-E72D297353CC}">
+                <c16:uniqueId val="{00000041-8D67-4BF9-9F00-7C369C0065BF}"/>
+              </c:ext>
+            </c:extLst>
+          </c:dPt>
+          <c:dPt>
+            <c:idx val="13"/>
+            <c:invertIfNegative val="0"/>
+            <c:bubble3D val="0"/>
+            <c:spPr>
+              <a:solidFill>
+                <a:schemeClr val="accent4"/>
+              </a:solidFill>
+              <a:ln w="28575">
+                <a:solidFill>
+                  <a:schemeClr val="tx1"/>
+                </a:solidFill>
+              </a:ln>
+              <a:effectLst/>
+            </c:spPr>
+            <c:extLst>
+              <c:ext xmlns:c16="http://schemas.microsoft.com/office/drawing/2014/chart" uri="{C3380CC4-5D6E-409C-BE32-E72D297353CC}">
+                <c16:uniqueId val="{00000003-8D67-4BF9-9F00-7C369C0065BF}"/>
+              </c:ext>
+            </c:extLst>
+          </c:dPt>
+          <c:dPt>
+            <c:idx val="14"/>
+            <c:invertIfNegative val="0"/>
+            <c:bubble3D val="0"/>
+            <c:spPr>
+              <a:solidFill>
+                <a:schemeClr val="accent5"/>
+              </a:solidFill>
+              <a:ln w="28575">
+                <a:solidFill>
+                  <a:schemeClr val="tx1"/>
+                </a:solidFill>
+              </a:ln>
+              <a:effectLst/>
+            </c:spPr>
+            <c:extLst>
+              <c:ext xmlns:c16="http://schemas.microsoft.com/office/drawing/2014/chart" uri="{C3380CC4-5D6E-409C-BE32-E72D297353CC}">
+                <c16:uniqueId val="{00000042-8D67-4BF9-9F00-7C369C0065BF}"/>
+              </c:ext>
+            </c:extLst>
+          </c:dPt>
+          <c:dPt>
+            <c:idx val="15"/>
+            <c:invertIfNegative val="0"/>
+            <c:bubble3D val="0"/>
+            <c:spPr>
+              <a:solidFill>
+                <a:schemeClr val="accent5"/>
+              </a:solidFill>
+              <a:ln w="28575">
+                <a:solidFill>
+                  <a:schemeClr val="tx1"/>
+                </a:solidFill>
+              </a:ln>
+              <a:effectLst/>
+            </c:spPr>
+            <c:extLst>
+              <c:ext xmlns:c16="http://schemas.microsoft.com/office/drawing/2014/chart" uri="{C3380CC4-5D6E-409C-BE32-E72D297353CC}">
+                <c16:uniqueId val="{00000043-8D67-4BF9-9F00-7C369C0065BF}"/>
+              </c:ext>
+            </c:extLst>
+          </c:dPt>
+          <c:dPt>
+            <c:idx val="16"/>
+            <c:invertIfNegative val="0"/>
+            <c:bubble3D val="0"/>
+            <c:spPr>
+              <a:solidFill>
+                <a:schemeClr val="accent5"/>
+              </a:solidFill>
+              <a:ln w="28575">
+                <a:solidFill>
+                  <a:schemeClr val="tx1"/>
+                </a:solidFill>
+              </a:ln>
+              <a:effectLst/>
+            </c:spPr>
+            <c:extLst>
+              <c:ext xmlns:c16="http://schemas.microsoft.com/office/drawing/2014/chart" uri="{C3380CC4-5D6E-409C-BE32-E72D297353CC}">
+                <c16:uniqueId val="{00000044-8D67-4BF9-9F00-7C369C0065BF}"/>
+              </c:ext>
+            </c:extLst>
+          </c:dPt>
+          <c:dPt>
+            <c:idx val="17"/>
+            <c:invertIfNegative val="0"/>
+            <c:bubble3D val="0"/>
+            <c:spPr>
+              <a:solidFill>
+                <a:schemeClr val="accent4"/>
+              </a:solidFill>
+              <a:ln w="28575">
+                <a:solidFill>
+                  <a:schemeClr val="tx1"/>
+                </a:solidFill>
+              </a:ln>
+              <a:effectLst/>
+            </c:spPr>
+            <c:extLst>
+              <c:ext xmlns:c16="http://schemas.microsoft.com/office/drawing/2014/chart" uri="{C3380CC4-5D6E-409C-BE32-E72D297353CC}">
+                <c16:uniqueId val="{00000005-8D67-4BF9-9F00-7C369C0065BF}"/>
+              </c:ext>
+            </c:extLst>
+          </c:dPt>
+          <c:dPt>
+            <c:idx val="18"/>
+            <c:invertIfNegative val="0"/>
+            <c:bubble3D val="0"/>
+            <c:spPr>
+              <a:solidFill>
+                <a:schemeClr val="accent5"/>
+              </a:solidFill>
+              <a:ln w="28575">
+                <a:solidFill>
+                  <a:schemeClr val="tx1"/>
+                </a:solidFill>
+              </a:ln>
+              <a:effectLst/>
+            </c:spPr>
+            <c:extLst>
+              <c:ext xmlns:c16="http://schemas.microsoft.com/office/drawing/2014/chart" uri="{C3380CC4-5D6E-409C-BE32-E72D297353CC}">
+                <c16:uniqueId val="{00000045-8D67-4BF9-9F00-7C369C0065BF}"/>
+              </c:ext>
+            </c:extLst>
+          </c:dPt>
+          <c:dPt>
+            <c:idx val="19"/>
+            <c:invertIfNegative val="0"/>
+            <c:bubble3D val="0"/>
+            <c:spPr>
+              <a:solidFill>
+                <a:schemeClr val="accent4"/>
+              </a:solidFill>
+              <a:ln w="28575">
+                <a:solidFill>
+                  <a:schemeClr val="tx1"/>
+                </a:solidFill>
+              </a:ln>
+              <a:effectLst/>
+            </c:spPr>
+            <c:extLst>
+              <c:ext xmlns:c16="http://schemas.microsoft.com/office/drawing/2014/chart" uri="{C3380CC4-5D6E-409C-BE32-E72D297353CC}">
+                <c16:uniqueId val="{00000007-8D67-4BF9-9F00-7C369C0065BF}"/>
+              </c:ext>
+            </c:extLst>
+          </c:dPt>
+          <c:dPt>
+            <c:idx val="20"/>
+            <c:invertIfNegative val="0"/>
+            <c:bubble3D val="0"/>
+            <c:spPr>
+              <a:solidFill>
+                <a:schemeClr val="accent4"/>
+              </a:solidFill>
+              <a:ln w="28575">
+                <a:solidFill>
+                  <a:schemeClr val="tx1"/>
+                </a:solidFill>
+              </a:ln>
+              <a:effectLst/>
+            </c:spPr>
+            <c:extLst>
+              <c:ext xmlns:c16="http://schemas.microsoft.com/office/drawing/2014/chart" uri="{C3380CC4-5D6E-409C-BE32-E72D297353CC}">
+                <c16:uniqueId val="{00000009-8D67-4BF9-9F00-7C369C0065BF}"/>
+              </c:ext>
+            </c:extLst>
+          </c:dPt>
+          <c:dPt>
+            <c:idx val="21"/>
+            <c:invertIfNegative val="0"/>
+            <c:bubble3D val="0"/>
+            <c:spPr>
+              <a:solidFill>
+                <a:schemeClr val="accent5"/>
+              </a:solidFill>
+              <a:ln w="28575">
+                <a:solidFill>
+                  <a:schemeClr val="tx1"/>
+                </a:solidFill>
+              </a:ln>
+              <a:effectLst/>
+            </c:spPr>
+            <c:extLst>
+              <c:ext xmlns:c16="http://schemas.microsoft.com/office/drawing/2014/chart" uri="{C3380CC4-5D6E-409C-BE32-E72D297353CC}">
+                <c16:uniqueId val="{00000046-8D67-4BF9-9F00-7C369C0065BF}"/>
+              </c:ext>
+            </c:extLst>
+          </c:dPt>
+          <c:dPt>
+            <c:idx val="22"/>
+            <c:invertIfNegative val="0"/>
+            <c:bubble3D val="0"/>
+            <c:spPr>
+              <a:solidFill>
+                <a:schemeClr val="accent4"/>
+              </a:solidFill>
+              <a:ln w="28575">
+                <a:solidFill>
+                  <a:schemeClr val="tx1"/>
+                </a:solidFill>
+              </a:ln>
+              <a:effectLst/>
+            </c:spPr>
+            <c:extLst>
+              <c:ext xmlns:c16="http://schemas.microsoft.com/office/drawing/2014/chart" uri="{C3380CC4-5D6E-409C-BE32-E72D297353CC}">
+                <c16:uniqueId val="{0000000B-8D67-4BF9-9F00-7C369C0065BF}"/>
+              </c:ext>
+            </c:extLst>
+          </c:dPt>
+          <c:dPt>
+            <c:idx val="23"/>
+            <c:invertIfNegative val="0"/>
+            <c:bubble3D val="0"/>
+            <c:spPr>
+              <a:solidFill>
+                <a:schemeClr val="accent5"/>
+              </a:solidFill>
+              <a:ln w="28575">
+                <a:solidFill>
+                  <a:schemeClr val="tx1"/>
+                </a:solidFill>
+              </a:ln>
+              <a:effectLst/>
+            </c:spPr>
+            <c:extLst>
+              <c:ext xmlns:c16="http://schemas.microsoft.com/office/drawing/2014/chart" uri="{C3380CC4-5D6E-409C-BE32-E72D297353CC}">
+                <c16:uniqueId val="{00000047-8D67-4BF9-9F00-7C369C0065BF}"/>
+              </c:ext>
+            </c:extLst>
+          </c:dPt>
+          <c:dPt>
+            <c:idx val="24"/>
+            <c:invertIfNegative val="0"/>
+            <c:bubble3D val="0"/>
+            <c:spPr>
+              <a:solidFill>
+                <a:schemeClr val="accent4"/>
+              </a:solidFill>
+              <a:ln w="28575">
+                <a:solidFill>
+                  <a:schemeClr val="tx1"/>
+                </a:solidFill>
+              </a:ln>
+              <a:effectLst/>
+            </c:spPr>
+            <c:extLst>
+              <c:ext xmlns:c16="http://schemas.microsoft.com/office/drawing/2014/chart" uri="{C3380CC4-5D6E-409C-BE32-E72D297353CC}">
+                <c16:uniqueId val="{0000000D-8D67-4BF9-9F00-7C369C0065BF}"/>
+              </c:ext>
+            </c:extLst>
+          </c:dPt>
+          <c:dPt>
+            <c:idx val="25"/>
+            <c:invertIfNegative val="0"/>
+            <c:bubble3D val="0"/>
+            <c:spPr>
+              <a:solidFill>
+                <a:schemeClr val="accent4"/>
+              </a:solidFill>
+              <a:ln w="28575">
+                <a:solidFill>
+                  <a:schemeClr val="tx1"/>
+                </a:solidFill>
+              </a:ln>
+              <a:effectLst/>
+            </c:spPr>
+            <c:extLst>
+              <c:ext xmlns:c16="http://schemas.microsoft.com/office/drawing/2014/chart" uri="{C3380CC4-5D6E-409C-BE32-E72D297353CC}">
+                <c16:uniqueId val="{0000000F-8D67-4BF9-9F00-7C369C0065BF}"/>
+              </c:ext>
+            </c:extLst>
+          </c:dPt>
+          <c:dPt>
+            <c:idx val="26"/>
+            <c:invertIfNegative val="0"/>
+            <c:bubble3D val="0"/>
+            <c:spPr>
+              <a:solidFill>
+                <a:schemeClr val="accent4"/>
+              </a:solidFill>
+              <a:ln w="28575">
+                <a:solidFill>
+                  <a:schemeClr val="tx1"/>
+                </a:solidFill>
+              </a:ln>
+              <a:effectLst/>
+            </c:spPr>
+            <c:extLst>
+              <c:ext xmlns:c16="http://schemas.microsoft.com/office/drawing/2014/chart" uri="{C3380CC4-5D6E-409C-BE32-E72D297353CC}">
+                <c16:uniqueId val="{00000011-8D67-4BF9-9F00-7C369C0065BF}"/>
+              </c:ext>
+            </c:extLst>
+          </c:dPt>
+          <c:dPt>
+            <c:idx val="27"/>
+            <c:invertIfNegative val="0"/>
+            <c:bubble3D val="0"/>
+            <c:spPr>
+              <a:solidFill>
+                <a:schemeClr val="accent4"/>
+              </a:solidFill>
+              <a:ln w="28575">
+                <a:solidFill>
+                  <a:schemeClr val="tx1"/>
+                </a:solidFill>
+              </a:ln>
+              <a:effectLst/>
+            </c:spPr>
+            <c:extLst>
+              <c:ext xmlns:c16="http://schemas.microsoft.com/office/drawing/2014/chart" uri="{C3380CC4-5D6E-409C-BE32-E72D297353CC}">
+                <c16:uniqueId val="{00000013-8D67-4BF9-9F00-7C369C0065BF}"/>
+              </c:ext>
+            </c:extLst>
+          </c:dPt>
+          <c:dPt>
+            <c:idx val="28"/>
+            <c:invertIfNegative val="0"/>
+            <c:bubble3D val="0"/>
+            <c:spPr>
+              <a:solidFill>
+                <a:schemeClr val="accent5"/>
+              </a:solidFill>
+              <a:ln w="28575">
+                <a:solidFill>
+                  <a:schemeClr val="tx1"/>
+                </a:solidFill>
+              </a:ln>
+              <a:effectLst/>
+            </c:spPr>
+            <c:extLst>
+              <c:ext xmlns:c16="http://schemas.microsoft.com/office/drawing/2014/chart" uri="{C3380CC4-5D6E-409C-BE32-E72D297353CC}">
+                <c16:uniqueId val="{00000048-8D67-4BF9-9F00-7C369C0065BF}"/>
+              </c:ext>
+            </c:extLst>
+          </c:dPt>
+          <c:dPt>
+            <c:idx val="29"/>
+            <c:invertIfNegative val="0"/>
+            <c:bubble3D val="0"/>
+            <c:spPr>
+              <a:solidFill>
+                <a:schemeClr val="accent4"/>
+              </a:solidFill>
+              <a:ln w="28575">
+                <a:solidFill>
+                  <a:schemeClr val="tx1"/>
+                </a:solidFill>
+              </a:ln>
+              <a:effectLst/>
+            </c:spPr>
+            <c:extLst>
+              <c:ext xmlns:c16="http://schemas.microsoft.com/office/drawing/2014/chart" uri="{C3380CC4-5D6E-409C-BE32-E72D297353CC}">
+                <c16:uniqueId val="{00000015-8D67-4BF9-9F00-7C369C0065BF}"/>
+              </c:ext>
+            </c:extLst>
+          </c:dPt>
+          <c:dPt>
+            <c:idx val="30"/>
+            <c:invertIfNegative val="0"/>
+            <c:bubble3D val="0"/>
+            <c:spPr>
+              <a:solidFill>
+                <a:schemeClr val="accent5"/>
+              </a:solidFill>
+              <a:ln w="28575">
+                <a:solidFill>
+                  <a:schemeClr val="tx1"/>
+                </a:solidFill>
+              </a:ln>
+              <a:effectLst/>
+            </c:spPr>
+            <c:extLst>
+              <c:ext xmlns:c16="http://schemas.microsoft.com/office/drawing/2014/chart" uri="{C3380CC4-5D6E-409C-BE32-E72D297353CC}">
+                <c16:uniqueId val="{00000049-8D67-4BF9-9F00-7C369C0065BF}"/>
+              </c:ext>
+            </c:extLst>
+          </c:dPt>
+          <c:dPt>
+            <c:idx val="31"/>
+            <c:invertIfNegative val="0"/>
+            <c:bubble3D val="0"/>
+            <c:spPr>
+              <a:solidFill>
+                <a:schemeClr val="accent5"/>
+              </a:solidFill>
+              <a:ln w="28575">
+                <a:solidFill>
+                  <a:schemeClr val="tx1"/>
+                </a:solidFill>
+              </a:ln>
+              <a:effectLst/>
+            </c:spPr>
+            <c:extLst>
+              <c:ext xmlns:c16="http://schemas.microsoft.com/office/drawing/2014/chart" uri="{C3380CC4-5D6E-409C-BE32-E72D297353CC}">
+                <c16:uniqueId val="{0000004A-8D67-4BF9-9F00-7C369C0065BF}"/>
+              </c:ext>
+            </c:extLst>
+          </c:dPt>
+          <c:dPt>
+            <c:idx val="32"/>
+            <c:invertIfNegative val="0"/>
+            <c:bubble3D val="0"/>
+            <c:spPr>
+              <a:solidFill>
+                <a:schemeClr val="accent4"/>
+              </a:solidFill>
+              <a:ln w="28575">
+                <a:solidFill>
+                  <a:schemeClr val="tx1"/>
+                </a:solidFill>
+              </a:ln>
+              <a:effectLst/>
+            </c:spPr>
+            <c:extLst>
+              <c:ext xmlns:c16="http://schemas.microsoft.com/office/drawing/2014/chart" uri="{C3380CC4-5D6E-409C-BE32-E72D297353CC}">
+                <c16:uniqueId val="{00000017-8D67-4BF9-9F00-7C369C0065BF}"/>
+              </c:ext>
+            </c:extLst>
+          </c:dPt>
+          <c:dPt>
+            <c:idx val="33"/>
+            <c:invertIfNegative val="0"/>
+            <c:bubble3D val="0"/>
+            <c:spPr>
+              <a:solidFill>
+                <a:schemeClr val="accent5"/>
+              </a:solidFill>
+              <a:ln w="28575">
+                <a:solidFill>
+                  <a:schemeClr val="tx1"/>
+                </a:solidFill>
+              </a:ln>
+              <a:effectLst/>
+            </c:spPr>
+            <c:extLst>
+              <c:ext xmlns:c16="http://schemas.microsoft.com/office/drawing/2014/chart" uri="{C3380CC4-5D6E-409C-BE32-E72D297353CC}">
+                <c16:uniqueId val="{0000004B-8D67-4BF9-9F00-7C369C0065BF}"/>
+              </c:ext>
+            </c:extLst>
+          </c:dPt>
+          <c:dPt>
+            <c:idx val="34"/>
+            <c:invertIfNegative val="0"/>
+            <c:bubble3D val="0"/>
+            <c:spPr>
+              <a:solidFill>
+                <a:schemeClr val="accent5"/>
+              </a:solidFill>
+              <a:ln w="28575">
+                <a:solidFill>
+                  <a:schemeClr val="tx1"/>
+                </a:solidFill>
+              </a:ln>
+              <a:effectLst/>
+            </c:spPr>
+            <c:extLst>
+              <c:ext xmlns:c16="http://schemas.microsoft.com/office/drawing/2014/chart" uri="{C3380CC4-5D6E-409C-BE32-E72D297353CC}">
+                <c16:uniqueId val="{0000004C-8D67-4BF9-9F00-7C369C0065BF}"/>
+              </c:ext>
+            </c:extLst>
+          </c:dPt>
+          <c:dPt>
+            <c:idx val="35"/>
+            <c:invertIfNegative val="0"/>
+            <c:bubble3D val="0"/>
+            <c:spPr>
+              <a:solidFill>
+                <a:schemeClr val="accent5"/>
+              </a:solidFill>
+              <a:ln w="28575">
+                <a:solidFill>
+                  <a:schemeClr val="tx1"/>
+                </a:solidFill>
+              </a:ln>
+              <a:effectLst/>
+            </c:spPr>
+            <c:extLst>
+              <c:ext xmlns:c16="http://schemas.microsoft.com/office/drawing/2014/chart" uri="{C3380CC4-5D6E-409C-BE32-E72D297353CC}">
+                <c16:uniqueId val="{0000004D-8D67-4BF9-9F00-7C369C0065BF}"/>
+              </c:ext>
+            </c:extLst>
+          </c:dPt>
+          <c:dPt>
+            <c:idx val="36"/>
+            <c:invertIfNegative val="0"/>
+            <c:bubble3D val="0"/>
+            <c:spPr>
+              <a:solidFill>
+                <a:schemeClr val="accent5"/>
+              </a:solidFill>
+              <a:ln w="28575">
+                <a:solidFill>
+                  <a:schemeClr val="tx1"/>
+                </a:solidFill>
+              </a:ln>
+              <a:effectLst/>
+            </c:spPr>
+            <c:extLst>
+              <c:ext xmlns:c16="http://schemas.microsoft.com/office/drawing/2014/chart" uri="{C3380CC4-5D6E-409C-BE32-E72D297353CC}">
+                <c16:uniqueId val="{0000004E-8D67-4BF9-9F00-7C369C0065BF}"/>
+              </c:ext>
+            </c:extLst>
+          </c:dPt>
+          <c:dPt>
+            <c:idx val="37"/>
+            <c:invertIfNegative val="0"/>
+            <c:bubble3D val="0"/>
+            <c:spPr>
+              <a:solidFill>
+                <a:schemeClr val="accent5"/>
+              </a:solidFill>
+              <a:ln w="28575">
+                <a:solidFill>
+                  <a:schemeClr val="tx1"/>
+                </a:solidFill>
+              </a:ln>
+              <a:effectLst/>
+            </c:spPr>
+            <c:extLst>
+              <c:ext xmlns:c16="http://schemas.microsoft.com/office/drawing/2014/chart" uri="{C3380CC4-5D6E-409C-BE32-E72D297353CC}">
+                <c16:uniqueId val="{00000019-8D67-4BF9-9F00-7C369C0065BF}"/>
+              </c:ext>
+            </c:extLst>
+          </c:dPt>
+          <c:dPt>
+            <c:idx val="38"/>
+            <c:invertIfNegative val="0"/>
+            <c:bubble3D val="0"/>
+            <c:spPr>
+              <a:solidFill>
+                <a:schemeClr val="accent4"/>
+              </a:solidFill>
+              <a:ln w="28575">
+                <a:solidFill>
+                  <a:schemeClr val="tx1"/>
+                </a:solidFill>
+              </a:ln>
+              <a:effectLst/>
+            </c:spPr>
+            <c:extLst>
+              <c:ext xmlns:c16="http://schemas.microsoft.com/office/drawing/2014/chart" uri="{C3380CC4-5D6E-409C-BE32-E72D297353CC}">
+                <c16:uniqueId val="{0000001B-8D67-4BF9-9F00-7C369C0065BF}"/>
+              </c:ext>
+            </c:extLst>
+          </c:dPt>
+          <c:dPt>
+            <c:idx val="39"/>
+            <c:invertIfNegative val="0"/>
+            <c:bubble3D val="0"/>
+            <c:spPr>
+              <a:solidFill>
+                <a:schemeClr val="accent4"/>
+              </a:solidFill>
+              <a:ln w="28575">
+                <a:solidFill>
+                  <a:schemeClr val="tx1"/>
+                </a:solidFill>
+              </a:ln>
+              <a:effectLst/>
+            </c:spPr>
+            <c:extLst>
+              <c:ext xmlns:c16="http://schemas.microsoft.com/office/drawing/2014/chart" uri="{C3380CC4-5D6E-409C-BE32-E72D297353CC}">
+                <c16:uniqueId val="{0000001D-8D67-4BF9-9F00-7C369C0065BF}"/>
+              </c:ext>
+            </c:extLst>
+          </c:dPt>
+          <c:dPt>
+            <c:idx val="40"/>
+            <c:invertIfNegative val="0"/>
+            <c:bubble3D val="0"/>
+            <c:spPr>
+              <a:solidFill>
+                <a:schemeClr val="accent4"/>
+              </a:solidFill>
+              <a:ln w="28575">
+                <a:solidFill>
+                  <a:schemeClr val="tx1"/>
+                </a:solidFill>
+              </a:ln>
+              <a:effectLst/>
+            </c:spPr>
+            <c:extLst>
+              <c:ext xmlns:c16="http://schemas.microsoft.com/office/drawing/2014/chart" uri="{C3380CC4-5D6E-409C-BE32-E72D297353CC}">
+                <c16:uniqueId val="{0000001F-8D67-4BF9-9F00-7C369C0065BF}"/>
+              </c:ext>
+            </c:extLst>
+          </c:dPt>
+          <c:dPt>
+            <c:idx val="41"/>
+            <c:invertIfNegative val="0"/>
+            <c:bubble3D val="0"/>
+            <c:spPr>
+              <a:solidFill>
+                <a:schemeClr val="accent4"/>
+              </a:solidFill>
+              <a:ln w="28575">
+                <a:solidFill>
+                  <a:schemeClr val="tx1"/>
+                </a:solidFill>
+              </a:ln>
+              <a:effectLst/>
+            </c:spPr>
+            <c:extLst>
+              <c:ext xmlns:c16="http://schemas.microsoft.com/office/drawing/2014/chart" uri="{C3380CC4-5D6E-409C-BE32-E72D297353CC}">
+                <c16:uniqueId val="{00000021-8D67-4BF9-9F00-7C369C0065BF}"/>
+              </c:ext>
+            </c:extLst>
+          </c:dPt>
+          <c:dPt>
+            <c:idx val="42"/>
+            <c:invertIfNegative val="0"/>
+            <c:bubble3D val="0"/>
+            <c:spPr>
+              <a:solidFill>
+                <a:schemeClr val="accent4"/>
+              </a:solidFill>
+              <a:ln w="28575">
+                <a:solidFill>
+                  <a:schemeClr val="tx1"/>
+                </a:solidFill>
+              </a:ln>
+              <a:effectLst/>
+            </c:spPr>
+            <c:extLst>
+              <c:ext xmlns:c16="http://schemas.microsoft.com/office/drawing/2014/chart" uri="{C3380CC4-5D6E-409C-BE32-E72D297353CC}">
+                <c16:uniqueId val="{00000023-8D67-4BF9-9F00-7C369C0065BF}"/>
+              </c:ext>
+            </c:extLst>
+          </c:dPt>
+          <c:dPt>
+            <c:idx val="43"/>
+            <c:invertIfNegative val="0"/>
+            <c:bubble3D val="0"/>
+            <c:spPr>
+              <a:solidFill>
+                <a:schemeClr val="accent4"/>
+              </a:solidFill>
+              <a:ln w="28575">
+                <a:solidFill>
+                  <a:schemeClr val="tx1"/>
+                </a:solidFill>
+              </a:ln>
+              <a:effectLst/>
+            </c:spPr>
+            <c:extLst>
+              <c:ext xmlns:c16="http://schemas.microsoft.com/office/drawing/2014/chart" uri="{C3380CC4-5D6E-409C-BE32-E72D297353CC}">
+                <c16:uniqueId val="{00000025-8D67-4BF9-9F00-7C369C0065BF}"/>
+              </c:ext>
+            </c:extLst>
+          </c:dPt>
+          <c:dPt>
+            <c:idx val="44"/>
+            <c:invertIfNegative val="0"/>
+            <c:bubble3D val="0"/>
+            <c:spPr>
+              <a:solidFill>
+                <a:schemeClr val="accent4"/>
+              </a:solidFill>
+              <a:ln w="28575">
+                <a:solidFill>
+                  <a:schemeClr val="tx1"/>
+                </a:solidFill>
+              </a:ln>
+              <a:effectLst/>
+            </c:spPr>
+            <c:extLst>
+              <c:ext xmlns:c16="http://schemas.microsoft.com/office/drawing/2014/chart" uri="{C3380CC4-5D6E-409C-BE32-E72D297353CC}">
+                <c16:uniqueId val="{00000027-8D67-4BF9-9F00-7C369C0065BF}"/>
+              </c:ext>
+            </c:extLst>
+          </c:dPt>
+          <c:dPt>
+            <c:idx val="45"/>
+            <c:invertIfNegative val="0"/>
+            <c:bubble3D val="0"/>
+            <c:spPr>
+              <a:solidFill>
+                <a:schemeClr val="accent4"/>
+              </a:solidFill>
+              <a:ln w="28575">
+                <a:solidFill>
+                  <a:schemeClr val="tx1"/>
+                </a:solidFill>
+              </a:ln>
+              <a:effectLst/>
+            </c:spPr>
+            <c:extLst>
+              <c:ext xmlns:c16="http://schemas.microsoft.com/office/drawing/2014/chart" uri="{C3380CC4-5D6E-409C-BE32-E72D297353CC}">
+                <c16:uniqueId val="{00000029-8D67-4BF9-9F00-7C369C0065BF}"/>
+              </c:ext>
+            </c:extLst>
+          </c:dPt>
+          <c:dPt>
+            <c:idx val="46"/>
+            <c:invertIfNegative val="0"/>
+            <c:bubble3D val="0"/>
+            <c:spPr>
+              <a:solidFill>
+                <a:schemeClr val="accent4"/>
+              </a:solidFill>
+              <a:ln w="28575">
+                <a:solidFill>
+                  <a:schemeClr val="tx1"/>
+                </a:solidFill>
+              </a:ln>
+              <a:effectLst/>
+            </c:spPr>
+            <c:extLst>
+              <c:ext xmlns:c16="http://schemas.microsoft.com/office/drawing/2014/chart" uri="{C3380CC4-5D6E-409C-BE32-E72D297353CC}">
+                <c16:uniqueId val="{0000002B-8D67-4BF9-9F00-7C369C0065BF}"/>
+              </c:ext>
+            </c:extLst>
+          </c:dPt>
+          <c:dPt>
+            <c:idx val="47"/>
+            <c:invertIfNegative val="0"/>
+            <c:bubble3D val="0"/>
+            <c:spPr>
+              <a:solidFill>
+                <a:schemeClr val="accent4"/>
+              </a:solidFill>
+              <a:ln w="28575">
+                <a:solidFill>
+                  <a:schemeClr val="tx1"/>
+                </a:solidFill>
+              </a:ln>
+              <a:effectLst/>
+            </c:spPr>
+            <c:extLst>
+              <c:ext xmlns:c16="http://schemas.microsoft.com/office/drawing/2014/chart" uri="{C3380CC4-5D6E-409C-BE32-E72D297353CC}">
+                <c16:uniqueId val="{0000002D-8D67-4BF9-9F00-7C369C0065BF}"/>
+              </c:ext>
+            </c:extLst>
+          </c:dPt>
+          <c:dPt>
+            <c:idx val="48"/>
+            <c:invertIfNegative val="0"/>
+            <c:bubble3D val="0"/>
+            <c:spPr>
+              <a:solidFill>
+                <a:schemeClr val="accent4"/>
+              </a:solidFill>
+              <a:ln w="28575">
+                <a:solidFill>
+                  <a:schemeClr val="tx1"/>
+                </a:solidFill>
+              </a:ln>
+              <a:effectLst/>
+            </c:spPr>
+            <c:extLst>
+              <c:ext xmlns:c16="http://schemas.microsoft.com/office/drawing/2014/chart" uri="{C3380CC4-5D6E-409C-BE32-E72D297353CC}">
+                <c16:uniqueId val="{0000002F-8D67-4BF9-9F00-7C369C0065BF}"/>
+              </c:ext>
+            </c:extLst>
+          </c:dPt>
+          <c:dPt>
+            <c:idx val="49"/>
+            <c:invertIfNegative val="0"/>
+            <c:bubble3D val="0"/>
+            <c:spPr>
+              <a:solidFill>
+                <a:schemeClr val="accent4"/>
+              </a:solidFill>
+              <a:ln w="28575">
+                <a:solidFill>
+                  <a:schemeClr val="tx1"/>
+                </a:solidFill>
+              </a:ln>
+              <a:effectLst/>
+            </c:spPr>
+            <c:extLst>
+              <c:ext xmlns:c16="http://schemas.microsoft.com/office/drawing/2014/chart" uri="{C3380CC4-5D6E-409C-BE32-E72D297353CC}">
+                <c16:uniqueId val="{00000031-8D67-4BF9-9F00-7C369C0065BF}"/>
+              </c:ext>
+            </c:extLst>
+          </c:dPt>
+          <c:dPt>
+            <c:idx val="50"/>
+            <c:invertIfNegative val="0"/>
+            <c:bubble3D val="0"/>
+            <c:spPr>
+              <a:solidFill>
+                <a:schemeClr val="accent4"/>
+              </a:solidFill>
+              <a:ln w="28575">
+                <a:solidFill>
+                  <a:schemeClr val="tx1"/>
+                </a:solidFill>
+              </a:ln>
+              <a:effectLst/>
+            </c:spPr>
+            <c:extLst>
+              <c:ext xmlns:c16="http://schemas.microsoft.com/office/drawing/2014/chart" uri="{C3380CC4-5D6E-409C-BE32-E72D297353CC}">
+                <c16:uniqueId val="{00000033-8D67-4BF9-9F00-7C369C0065BF}"/>
+              </c:ext>
+            </c:extLst>
+          </c:dPt>
+          <c:dPt>
+            <c:idx val="51"/>
+            <c:invertIfNegative val="0"/>
+            <c:bubble3D val="0"/>
+            <c:spPr>
+              <a:solidFill>
+                <a:schemeClr val="accent4"/>
+              </a:solidFill>
+              <a:ln w="28575">
+                <a:solidFill>
+                  <a:schemeClr val="tx1"/>
+                </a:solidFill>
+              </a:ln>
+              <a:effectLst/>
+            </c:spPr>
+            <c:extLst>
+              <c:ext xmlns:c16="http://schemas.microsoft.com/office/drawing/2014/chart" uri="{C3380CC4-5D6E-409C-BE32-E72D297353CC}">
+                <c16:uniqueId val="{00000035-8D67-4BF9-9F00-7C369C0065BF}"/>
+              </c:ext>
+            </c:extLst>
+          </c:dPt>
+          <c:dLbls>
+            <c:dLbl>
+              <c:idx val="0"/>
+              <c:tx>
+                <c:rich>
+                  <a:bodyPr/>
+                  <a:lstStyle/>
+                  <a:p>
+                    <a:fld id="{E67878E5-B8A1-47C7-91F7-1899097A2947}" type="CELLRANGE">
+                      <a:rPr lang="en-US"/>
+                      <a:pPr/>
+                      <a:t>[CELLRANGE]</a:t>
+                    </a:fld>
+                    <a:endParaRPr lang="en-US"/>
+                  </a:p>
+                </c:rich>
+              </c:tx>
+              <c:dLblPos val="outEnd"/>
+              <c:showLegendKey val="0"/>
+              <c:showVal val="0"/>
+              <c:showCatName val="0"/>
+              <c:showSerName val="0"/>
+              <c:showPercent val="0"/>
+              <c:showBubbleSize val="0"/>
+              <c:extLst>
+                <c:ext xmlns:c15="http://schemas.microsoft.com/office/drawing/2012/chart" uri="{CE6537A1-D6FC-4f65-9D91-7224C49458BB}">
+                  <c15:dlblFieldTable/>
+                  <c15:showDataLabelsRange val="1"/>
+                </c:ext>
+                <c:ext xmlns:c16="http://schemas.microsoft.com/office/drawing/2014/chart" uri="{C3380CC4-5D6E-409C-BE32-E72D297353CC}">
+                  <c16:uniqueId val="{00000036-8D67-4BF9-9F00-7C369C0065BF}"/>
+                </c:ext>
+              </c:extLst>
+            </c:dLbl>
+            <c:dLbl>
+              <c:idx val="1"/>
+              <c:tx>
+                <c:rich>
+                  <a:bodyPr/>
+                  <a:lstStyle/>
+                  <a:p>
+                    <a:fld id="{D655D15B-0D65-4D99-9AC0-916C4107A392}" type="CELLRANGE">
+                      <a:rPr lang="en-US"/>
+                      <a:pPr/>
+                      <a:t>[CELLRANGE]</a:t>
+                    </a:fld>
+                    <a:endParaRPr lang="en-US"/>
+                  </a:p>
+                </c:rich>
+              </c:tx>
+              <c:dLblPos val="outEnd"/>
+              <c:showLegendKey val="0"/>
+              <c:showVal val="0"/>
+              <c:showCatName val="0"/>
+              <c:showSerName val="0"/>
+              <c:showPercent val="0"/>
+              <c:showBubbleSize val="0"/>
+              <c:extLst>
+                <c:ext xmlns:c15="http://schemas.microsoft.com/office/drawing/2012/chart" uri="{CE6537A1-D6FC-4f65-9D91-7224C49458BB}">
+                  <c15:dlblFieldTable/>
+                  <c15:showDataLabelsRange val="1"/>
+                </c:ext>
+                <c:ext xmlns:c16="http://schemas.microsoft.com/office/drawing/2014/chart" uri="{C3380CC4-5D6E-409C-BE32-E72D297353CC}">
+                  <c16:uniqueId val="{00000037-8D67-4BF9-9F00-7C369C0065BF}"/>
+                </c:ext>
+              </c:extLst>
+            </c:dLbl>
+            <c:dLbl>
+              <c:idx val="2"/>
+              <c:tx>
+                <c:rich>
+                  <a:bodyPr/>
+                  <a:lstStyle/>
+                  <a:p>
+                    <a:fld id="{BD80F746-5835-495F-9D42-7645351E29A4}" type="CELLRANGE">
+                      <a:rPr lang="en-US"/>
+                      <a:pPr/>
+                      <a:t>[CELLRANGE]</a:t>
+                    </a:fld>
+                    <a:endParaRPr lang="en-US"/>
+                  </a:p>
+                </c:rich>
+              </c:tx>
+              <c:dLblPos val="outEnd"/>
+              <c:showLegendKey val="0"/>
+              <c:showVal val="0"/>
+              <c:showCatName val="0"/>
+              <c:showSerName val="0"/>
+              <c:showPercent val="0"/>
+              <c:showBubbleSize val="0"/>
+              <c:extLst>
+                <c:ext xmlns:c15="http://schemas.microsoft.com/office/drawing/2012/chart" uri="{CE6537A1-D6FC-4f65-9D91-7224C49458BB}">
+                  <c15:dlblFieldTable/>
+                  <c15:showDataLabelsRange val="1"/>
+                </c:ext>
+                <c:ext xmlns:c16="http://schemas.microsoft.com/office/drawing/2014/chart" uri="{C3380CC4-5D6E-409C-BE32-E72D297353CC}">
+                  <c16:uniqueId val="{00000038-8D67-4BF9-9F00-7C369C0065BF}"/>
+                </c:ext>
+              </c:extLst>
+            </c:dLbl>
+            <c:dLbl>
+              <c:idx val="3"/>
+              <c:tx>
+                <c:rich>
+                  <a:bodyPr/>
+                  <a:lstStyle/>
+                  <a:p>
+                    <a:fld id="{1496AC2F-FD5B-4696-9397-5DC7182F8940}" type="CELLRANGE">
+                      <a:rPr lang="en-US"/>
+                      <a:pPr/>
+                      <a:t>[CELLRANGE]</a:t>
+                    </a:fld>
+                    <a:endParaRPr lang="en-US"/>
+                  </a:p>
+                </c:rich>
+              </c:tx>
+              <c:dLblPos val="outEnd"/>
+              <c:showLegendKey val="0"/>
+              <c:showVal val="0"/>
+              <c:showCatName val="0"/>
+              <c:showSerName val="0"/>
+              <c:showPercent val="0"/>
+              <c:showBubbleSize val="0"/>
+              <c:extLst>
+                <c:ext xmlns:c15="http://schemas.microsoft.com/office/drawing/2012/chart" uri="{CE6537A1-D6FC-4f65-9D91-7224C49458BB}">
+                  <c15:dlblFieldTable/>
+                  <c15:showDataLabelsRange val="1"/>
+                </c:ext>
+                <c:ext xmlns:c16="http://schemas.microsoft.com/office/drawing/2014/chart" uri="{C3380CC4-5D6E-409C-BE32-E72D297353CC}">
+                  <c16:uniqueId val="{00000039-8D67-4BF9-9F00-7C369C0065BF}"/>
+                </c:ext>
+              </c:extLst>
+            </c:dLbl>
+            <c:dLbl>
+              <c:idx val="4"/>
+              <c:tx>
+                <c:rich>
+                  <a:bodyPr/>
+                  <a:lstStyle/>
+                  <a:p>
+                    <a:fld id="{378BAB66-2508-45AE-B4B8-78F6C7419BEE}" type="CELLRANGE">
+                      <a:rPr lang="en-US"/>
+                      <a:pPr/>
+                      <a:t>[CELLRANGE]</a:t>
+                    </a:fld>
+                    <a:endParaRPr lang="en-US"/>
+                  </a:p>
+                </c:rich>
+              </c:tx>
+              <c:dLblPos val="outEnd"/>
+              <c:showLegendKey val="0"/>
+              <c:showVal val="0"/>
+              <c:showCatName val="0"/>
+              <c:showSerName val="0"/>
+              <c:showPercent val="0"/>
+              <c:showBubbleSize val="0"/>
+              <c:extLst>
+                <c:ext xmlns:c15="http://schemas.microsoft.com/office/drawing/2012/chart" uri="{CE6537A1-D6FC-4f65-9D91-7224C49458BB}">
+                  <c15:dlblFieldTable/>
+                  <c15:showDataLabelsRange val="1"/>
+                </c:ext>
+                <c:ext xmlns:c16="http://schemas.microsoft.com/office/drawing/2014/chart" uri="{C3380CC4-5D6E-409C-BE32-E72D297353CC}">
+                  <c16:uniqueId val="{00000001-8D67-4BF9-9F00-7C369C0065BF}"/>
+                </c:ext>
+              </c:extLst>
+            </c:dLbl>
+            <c:dLbl>
+              <c:idx val="5"/>
+              <c:tx>
+                <c:rich>
+                  <a:bodyPr/>
+                  <a:lstStyle/>
+                  <a:p>
+                    <a:fld id="{401D7FA3-3FE1-4EC6-AFB1-19178CBFAE5D}" type="CELLRANGE">
+                      <a:rPr lang="en-US"/>
+                      <a:pPr/>
+                      <a:t>[CELLRANGE]</a:t>
+                    </a:fld>
+                    <a:endParaRPr lang="en-US"/>
+                  </a:p>
+                </c:rich>
+              </c:tx>
+              <c:dLblPos val="outEnd"/>
+              <c:showLegendKey val="0"/>
+              <c:showVal val="0"/>
+              <c:showCatName val="0"/>
+              <c:showSerName val="0"/>
+              <c:showPercent val="0"/>
+              <c:showBubbleSize val="0"/>
+              <c:extLst>
+                <c:ext xmlns:c15="http://schemas.microsoft.com/office/drawing/2012/chart" uri="{CE6537A1-D6FC-4f65-9D91-7224C49458BB}">
+                  <c15:dlblFieldTable/>
+                  <c15:showDataLabelsRange val="1"/>
+                </c:ext>
+                <c:ext xmlns:c16="http://schemas.microsoft.com/office/drawing/2014/chart" uri="{C3380CC4-5D6E-409C-BE32-E72D297353CC}">
+                  <c16:uniqueId val="{0000003A-8D67-4BF9-9F00-7C369C0065BF}"/>
+                </c:ext>
+              </c:extLst>
+            </c:dLbl>
+            <c:dLbl>
+              <c:idx val="6"/>
+              <c:tx>
+                <c:rich>
+                  <a:bodyPr/>
+                  <a:lstStyle/>
+                  <a:p>
+                    <a:fld id="{7D74358E-B56E-4295-95E6-B3B6C98B7202}" type="CELLRANGE">
+                      <a:rPr lang="en-US"/>
+                      <a:pPr/>
+                      <a:t>[CELLRANGE]</a:t>
+                    </a:fld>
+                    <a:endParaRPr lang="en-US"/>
+                  </a:p>
+                </c:rich>
+              </c:tx>
+              <c:dLblPos val="outEnd"/>
+              <c:showLegendKey val="0"/>
+              <c:showVal val="0"/>
+              <c:showCatName val="0"/>
+              <c:showSerName val="0"/>
+              <c:showPercent val="0"/>
+              <c:showBubbleSize val="0"/>
+              <c:extLst>
+                <c:ext xmlns:c15="http://schemas.microsoft.com/office/drawing/2012/chart" uri="{CE6537A1-D6FC-4f65-9D91-7224C49458BB}">
+                  <c15:dlblFieldTable/>
+                  <c15:showDataLabelsRange val="1"/>
+                </c:ext>
+                <c:ext xmlns:c16="http://schemas.microsoft.com/office/drawing/2014/chart" uri="{C3380CC4-5D6E-409C-BE32-E72D297353CC}">
+                  <c16:uniqueId val="{0000003B-8D67-4BF9-9F00-7C369C0065BF}"/>
+                </c:ext>
+              </c:extLst>
+            </c:dLbl>
+            <c:dLbl>
+              <c:idx val="7"/>
+              <c:tx>
+                <c:rich>
+                  <a:bodyPr/>
+                  <a:lstStyle/>
+                  <a:p>
+                    <a:fld id="{9C76771E-18F7-4964-8CAE-8E914B67ACC4}" type="CELLRANGE">
+                      <a:rPr lang="en-US"/>
+                      <a:pPr/>
+                      <a:t>[CELLRANGE]</a:t>
+                    </a:fld>
+                    <a:endParaRPr lang="en-US"/>
+                  </a:p>
+                </c:rich>
+              </c:tx>
+              <c:dLblPos val="outEnd"/>
+              <c:showLegendKey val="0"/>
+              <c:showVal val="0"/>
+              <c:showCatName val="0"/>
+              <c:showSerName val="0"/>
+              <c:showPercent val="0"/>
+              <c:showBubbleSize val="0"/>
+              <c:extLst>
+                <c:ext xmlns:c15="http://schemas.microsoft.com/office/drawing/2012/chart" uri="{CE6537A1-D6FC-4f65-9D91-7224C49458BB}">
+                  <c15:dlblFieldTable/>
+                  <c15:showDataLabelsRange val="1"/>
+                </c:ext>
+                <c:ext xmlns:c16="http://schemas.microsoft.com/office/drawing/2014/chart" uri="{C3380CC4-5D6E-409C-BE32-E72D297353CC}">
+                  <c16:uniqueId val="{0000003C-8D67-4BF9-9F00-7C369C0065BF}"/>
+                </c:ext>
+              </c:extLst>
+            </c:dLbl>
+            <c:dLbl>
+              <c:idx val="8"/>
+              <c:tx>
+                <c:rich>
+                  <a:bodyPr/>
+                  <a:lstStyle/>
+                  <a:p>
+                    <a:fld id="{FE8ECDA5-8BFD-4584-B8FE-EDEB8289BA0C}" type="CELLRANGE">
+                      <a:rPr lang="en-US"/>
+                      <a:pPr/>
+                      <a:t>[CELLRANGE]</a:t>
+                    </a:fld>
+                    <a:endParaRPr lang="en-US"/>
+                  </a:p>
+                </c:rich>
+              </c:tx>
+              <c:dLblPos val="outEnd"/>
+              <c:showLegendKey val="0"/>
+              <c:showVal val="0"/>
+              <c:showCatName val="0"/>
+              <c:showSerName val="0"/>
+              <c:showPercent val="0"/>
+              <c:showBubbleSize val="0"/>
+              <c:extLst>
+                <c:ext xmlns:c15="http://schemas.microsoft.com/office/drawing/2012/chart" uri="{CE6537A1-D6FC-4f65-9D91-7224C49458BB}">
+                  <c15:dlblFieldTable/>
+                  <c15:showDataLabelsRange val="1"/>
+                </c:ext>
+                <c:ext xmlns:c16="http://schemas.microsoft.com/office/drawing/2014/chart" uri="{C3380CC4-5D6E-409C-BE32-E72D297353CC}">
+                  <c16:uniqueId val="{0000003D-8D67-4BF9-9F00-7C369C0065BF}"/>
+                </c:ext>
+              </c:extLst>
+            </c:dLbl>
+            <c:dLbl>
+              <c:idx val="9"/>
+              <c:tx>
+                <c:rich>
+                  <a:bodyPr/>
+                  <a:lstStyle/>
+                  <a:p>
+                    <a:fld id="{53DF7562-A512-4E2B-B9D1-42F91D6D91D4}" type="CELLRANGE">
+                      <a:rPr lang="en-US"/>
+                      <a:pPr/>
+                      <a:t>[CELLRANGE]</a:t>
+                    </a:fld>
+                    <a:endParaRPr lang="en-US"/>
+                  </a:p>
+                </c:rich>
+              </c:tx>
+              <c:dLblPos val="outEnd"/>
+              <c:showLegendKey val="0"/>
+              <c:showVal val="0"/>
+              <c:showCatName val="0"/>
+              <c:showSerName val="0"/>
+              <c:showPercent val="0"/>
+              <c:showBubbleSize val="0"/>
+              <c:extLst>
+                <c:ext xmlns:c15="http://schemas.microsoft.com/office/drawing/2012/chart" uri="{CE6537A1-D6FC-4f65-9D91-7224C49458BB}">
+                  <c15:dlblFieldTable/>
+                  <c15:showDataLabelsRange val="1"/>
+                </c:ext>
+                <c:ext xmlns:c16="http://schemas.microsoft.com/office/drawing/2014/chart" uri="{C3380CC4-5D6E-409C-BE32-E72D297353CC}">
+                  <c16:uniqueId val="{0000003E-8D67-4BF9-9F00-7C369C0065BF}"/>
+                </c:ext>
+              </c:extLst>
+            </c:dLbl>
+            <c:dLbl>
+              <c:idx val="10"/>
+              <c:tx>
+                <c:rich>
+                  <a:bodyPr/>
+                  <a:lstStyle/>
+                  <a:p>
+                    <a:fld id="{D1271AA6-5A4A-48CE-B95A-D5C126A07384}" type="CELLRANGE">
+                      <a:rPr lang="en-US"/>
+                      <a:pPr/>
+                      <a:t>[CELLRANGE]</a:t>
+                    </a:fld>
+                    <a:endParaRPr lang="en-US"/>
+                  </a:p>
+                </c:rich>
+              </c:tx>
+              <c:dLblPos val="outEnd"/>
+              <c:showLegendKey val="0"/>
+              <c:showVal val="0"/>
+              <c:showCatName val="0"/>
+              <c:showSerName val="0"/>
+              <c:showPercent val="0"/>
+              <c:showBubbleSize val="0"/>
+              <c:extLst>
+                <c:ext xmlns:c15="http://schemas.microsoft.com/office/drawing/2012/chart" uri="{CE6537A1-D6FC-4f65-9D91-7224C49458BB}">
+                  <c15:dlblFieldTable/>
+                  <c15:showDataLabelsRange val="1"/>
+                </c:ext>
+                <c:ext xmlns:c16="http://schemas.microsoft.com/office/drawing/2014/chart" uri="{C3380CC4-5D6E-409C-BE32-E72D297353CC}">
+                  <c16:uniqueId val="{0000003F-8D67-4BF9-9F00-7C369C0065BF}"/>
+                </c:ext>
+              </c:extLst>
+            </c:dLbl>
+            <c:dLbl>
+              <c:idx val="11"/>
+              <c:tx>
+                <c:rich>
+                  <a:bodyPr/>
+                  <a:lstStyle/>
+                  <a:p>
+                    <a:fld id="{121EB808-8779-4BA6-924C-3D1D5459EDF4}" type="CELLRANGE">
+                      <a:rPr lang="en-US"/>
+                      <a:pPr/>
+                      <a:t>[CELLRANGE]</a:t>
+                    </a:fld>
+                    <a:endParaRPr lang="en-US"/>
+                  </a:p>
+                </c:rich>
+              </c:tx>
+              <c:dLblPos val="outEnd"/>
+              <c:showLegendKey val="0"/>
+              <c:showVal val="0"/>
+              <c:showCatName val="0"/>
+              <c:showSerName val="0"/>
+              <c:showPercent val="0"/>
+              <c:showBubbleSize val="0"/>
+              <c:extLst>
+                <c:ext xmlns:c15="http://schemas.microsoft.com/office/drawing/2012/chart" uri="{CE6537A1-D6FC-4f65-9D91-7224C49458BB}">
+                  <c15:dlblFieldTable/>
+                  <c15:showDataLabelsRange val="1"/>
+                </c:ext>
+                <c:ext xmlns:c16="http://schemas.microsoft.com/office/drawing/2014/chart" uri="{C3380CC4-5D6E-409C-BE32-E72D297353CC}">
+                  <c16:uniqueId val="{00000040-8D67-4BF9-9F00-7C369C0065BF}"/>
+                </c:ext>
+              </c:extLst>
+            </c:dLbl>
+            <c:dLbl>
+              <c:idx val="12"/>
+              <c:tx>
+                <c:rich>
+                  <a:bodyPr/>
+                  <a:lstStyle/>
+                  <a:p>
+                    <a:fld id="{97F59A1D-4A75-46F6-85A6-13A6CA6A3C50}" type="CELLRANGE">
+                      <a:rPr lang="en-US"/>
+                      <a:pPr/>
+                      <a:t>[CELLRANGE]</a:t>
+                    </a:fld>
+                    <a:endParaRPr lang="en-US"/>
+                  </a:p>
+                </c:rich>
+              </c:tx>
+              <c:dLblPos val="outEnd"/>
+              <c:showLegendKey val="0"/>
+              <c:showVal val="0"/>
+              <c:showCatName val="0"/>
+              <c:showSerName val="0"/>
+              <c:showPercent val="0"/>
+              <c:showBubbleSize val="0"/>
+              <c:extLst>
+                <c:ext xmlns:c15="http://schemas.microsoft.com/office/drawing/2012/chart" uri="{CE6537A1-D6FC-4f65-9D91-7224C49458BB}">
+                  <c15:dlblFieldTable/>
+                  <c15:showDataLabelsRange val="1"/>
+                </c:ext>
+                <c:ext xmlns:c16="http://schemas.microsoft.com/office/drawing/2014/chart" uri="{C3380CC4-5D6E-409C-BE32-E72D297353CC}">
+                  <c16:uniqueId val="{00000041-8D67-4BF9-9F00-7C369C0065BF}"/>
+                </c:ext>
+              </c:extLst>
+            </c:dLbl>
+            <c:dLbl>
+              <c:idx val="13"/>
+              <c:tx>
+                <c:rich>
+                  <a:bodyPr/>
+                  <a:lstStyle/>
+                  <a:p>
+                    <a:fld id="{A18B22F8-2D5A-4256-AB2D-B839F87DFD7D}" type="CELLRANGE">
+                      <a:rPr lang="en-US"/>
+                      <a:pPr/>
+                      <a:t>[CELLRANGE]</a:t>
+                    </a:fld>
+                    <a:endParaRPr lang="en-US"/>
+                  </a:p>
+                </c:rich>
+              </c:tx>
+              <c:dLblPos val="outEnd"/>
+              <c:showLegendKey val="0"/>
+              <c:showVal val="0"/>
+              <c:showCatName val="0"/>
+              <c:showSerName val="0"/>
+              <c:showPercent val="0"/>
+              <c:showBubbleSize val="0"/>
+              <c:extLst>
+                <c:ext xmlns:c15="http://schemas.microsoft.com/office/drawing/2012/chart" uri="{CE6537A1-D6FC-4f65-9D91-7224C49458BB}">
+                  <c15:dlblFieldTable/>
+                  <c15:showDataLabelsRange val="1"/>
+                </c:ext>
+                <c:ext xmlns:c16="http://schemas.microsoft.com/office/drawing/2014/chart" uri="{C3380CC4-5D6E-409C-BE32-E72D297353CC}">
+                  <c16:uniqueId val="{00000003-8D67-4BF9-9F00-7C369C0065BF}"/>
+                </c:ext>
+              </c:extLst>
+            </c:dLbl>
+            <c:dLbl>
+              <c:idx val="14"/>
+              <c:tx>
+                <c:rich>
+                  <a:bodyPr/>
+                  <a:lstStyle/>
+                  <a:p>
+                    <a:fld id="{955BCDB7-FA00-49A1-9831-C4A87DF6E5BA}" type="CELLRANGE">
+                      <a:rPr lang="en-US"/>
+                      <a:pPr/>
+                      <a:t>[CELLRANGE]</a:t>
+                    </a:fld>
+                    <a:endParaRPr lang="en-US"/>
+                  </a:p>
+                </c:rich>
+              </c:tx>
+              <c:dLblPos val="outEnd"/>
+              <c:showLegendKey val="0"/>
+              <c:showVal val="0"/>
+              <c:showCatName val="0"/>
+              <c:showSerName val="0"/>
+              <c:showPercent val="0"/>
+              <c:showBubbleSize val="0"/>
+              <c:extLst>
+                <c:ext xmlns:c15="http://schemas.microsoft.com/office/drawing/2012/chart" uri="{CE6537A1-D6FC-4f65-9D91-7224C49458BB}">
+                  <c15:dlblFieldTable/>
+                  <c15:showDataLabelsRange val="1"/>
+                </c:ext>
+                <c:ext xmlns:c16="http://schemas.microsoft.com/office/drawing/2014/chart" uri="{C3380CC4-5D6E-409C-BE32-E72D297353CC}">
+                  <c16:uniqueId val="{00000042-8D67-4BF9-9F00-7C369C0065BF}"/>
+                </c:ext>
+              </c:extLst>
+            </c:dLbl>
+            <c:dLbl>
+              <c:idx val="15"/>
+              <c:tx>
+                <c:rich>
+                  <a:bodyPr/>
+                  <a:lstStyle/>
+                  <a:p>
+                    <a:fld id="{EB28A18E-E3C6-49AA-B480-AD8213A3BEB1}" type="CELLRANGE">
+                      <a:rPr lang="en-US"/>
+                      <a:pPr/>
+                      <a:t>[CELLRANGE]</a:t>
+                    </a:fld>
+                    <a:endParaRPr lang="en-US"/>
+                  </a:p>
+                </c:rich>
+              </c:tx>
+              <c:dLblPos val="outEnd"/>
+              <c:showLegendKey val="0"/>
+              <c:showVal val="0"/>
+              <c:showCatName val="0"/>
+              <c:showSerName val="0"/>
+              <c:showPercent val="0"/>
+              <c:showBubbleSize val="0"/>
+              <c:extLst>
+                <c:ext xmlns:c15="http://schemas.microsoft.com/office/drawing/2012/chart" uri="{CE6537A1-D6FC-4f65-9D91-7224C49458BB}">
+                  <c15:dlblFieldTable/>
+                  <c15:showDataLabelsRange val="1"/>
+                </c:ext>
+                <c:ext xmlns:c16="http://schemas.microsoft.com/office/drawing/2014/chart" uri="{C3380CC4-5D6E-409C-BE32-E72D297353CC}">
+                  <c16:uniqueId val="{00000043-8D67-4BF9-9F00-7C369C0065BF}"/>
+                </c:ext>
+              </c:extLst>
+            </c:dLbl>
+            <c:dLbl>
+              <c:idx val="16"/>
+              <c:tx>
+                <c:rich>
+                  <a:bodyPr/>
+                  <a:lstStyle/>
+                  <a:p>
+                    <a:fld id="{89CF33FA-AA16-4771-8A8F-372844381B9A}" type="CELLRANGE">
+                      <a:rPr lang="en-US"/>
+                      <a:pPr/>
+                      <a:t>[CELLRANGE]</a:t>
+                    </a:fld>
+                    <a:endParaRPr lang="en-US"/>
+                  </a:p>
+                </c:rich>
+              </c:tx>
+              <c:dLblPos val="outEnd"/>
+              <c:showLegendKey val="0"/>
+              <c:showVal val="0"/>
+              <c:showCatName val="0"/>
+              <c:showSerName val="0"/>
+              <c:showPercent val="0"/>
+              <c:showBubbleSize val="0"/>
+              <c:extLst>
+                <c:ext xmlns:c15="http://schemas.microsoft.com/office/drawing/2012/chart" uri="{CE6537A1-D6FC-4f65-9D91-7224C49458BB}">
+                  <c15:dlblFieldTable/>
+                  <c15:showDataLabelsRange val="1"/>
+                </c:ext>
+                <c:ext xmlns:c16="http://schemas.microsoft.com/office/drawing/2014/chart" uri="{C3380CC4-5D6E-409C-BE32-E72D297353CC}">
+                  <c16:uniqueId val="{00000044-8D67-4BF9-9F00-7C369C0065BF}"/>
+                </c:ext>
+              </c:extLst>
+            </c:dLbl>
+            <c:dLbl>
+              <c:idx val="17"/>
+              <c:tx>
+                <c:rich>
+                  <a:bodyPr/>
+                  <a:lstStyle/>
+                  <a:p>
+                    <a:fld id="{931BDA74-03FB-4C7E-B4F9-957F6B61878B}" type="CELLRANGE">
+                      <a:rPr lang="en-US"/>
+                      <a:pPr/>
+                      <a:t>[CELLRANGE]</a:t>
+                    </a:fld>
+                    <a:endParaRPr lang="en-US"/>
+                  </a:p>
+                </c:rich>
+              </c:tx>
+              <c:dLblPos val="outEnd"/>
+              <c:showLegendKey val="0"/>
+              <c:showVal val="0"/>
+              <c:showCatName val="0"/>
+              <c:showSerName val="0"/>
+              <c:showPercent val="0"/>
+              <c:showBubbleSize val="0"/>
+              <c:extLst>
+                <c:ext xmlns:c15="http://schemas.microsoft.com/office/drawing/2012/chart" uri="{CE6537A1-D6FC-4f65-9D91-7224C49458BB}">
+                  <c15:dlblFieldTable/>
+                  <c15:showDataLabelsRange val="1"/>
+                </c:ext>
+                <c:ext xmlns:c16="http://schemas.microsoft.com/office/drawing/2014/chart" uri="{C3380CC4-5D6E-409C-BE32-E72D297353CC}">
+                  <c16:uniqueId val="{00000005-8D67-4BF9-9F00-7C369C0065BF}"/>
+                </c:ext>
+              </c:extLst>
+            </c:dLbl>
+            <c:dLbl>
+              <c:idx val="18"/>
+              <c:tx>
+                <c:rich>
+                  <a:bodyPr/>
+                  <a:lstStyle/>
+                  <a:p>
+                    <a:fld id="{5E9A7FCD-CC5C-4666-A6ED-A46A638DD749}" type="CELLRANGE">
+                      <a:rPr lang="en-US"/>
+                      <a:pPr/>
+                      <a:t>[CELLRANGE]</a:t>
+                    </a:fld>
+                    <a:endParaRPr lang="en-US"/>
+                  </a:p>
+                </c:rich>
+              </c:tx>
+              <c:dLblPos val="outEnd"/>
+              <c:showLegendKey val="0"/>
+              <c:showVal val="0"/>
+              <c:showCatName val="0"/>
+              <c:showSerName val="0"/>
+              <c:showPercent val="0"/>
+              <c:showBubbleSize val="0"/>
+              <c:extLst>
+                <c:ext xmlns:c15="http://schemas.microsoft.com/office/drawing/2012/chart" uri="{CE6537A1-D6FC-4f65-9D91-7224C49458BB}">
+                  <c15:dlblFieldTable/>
+                  <c15:showDataLabelsRange val="1"/>
+                </c:ext>
+                <c:ext xmlns:c16="http://schemas.microsoft.com/office/drawing/2014/chart" uri="{C3380CC4-5D6E-409C-BE32-E72D297353CC}">
+                  <c16:uniqueId val="{00000045-8D67-4BF9-9F00-7C369C0065BF}"/>
+                </c:ext>
+              </c:extLst>
+            </c:dLbl>
+            <c:dLbl>
+              <c:idx val="19"/>
+              <c:tx>
+                <c:rich>
+                  <a:bodyPr/>
+                  <a:lstStyle/>
+                  <a:p>
+                    <a:fld id="{562C3039-F583-4CF6-8BBE-5497EE593FAF}" type="CELLRANGE">
+                      <a:rPr lang="en-US"/>
+                      <a:pPr/>
+                      <a:t>[CELLRANGE]</a:t>
+                    </a:fld>
+                    <a:endParaRPr lang="en-US"/>
+                  </a:p>
+                </c:rich>
+              </c:tx>
+              <c:dLblPos val="outEnd"/>
+              <c:showLegendKey val="0"/>
+              <c:showVal val="0"/>
+              <c:showCatName val="0"/>
+              <c:showSerName val="0"/>
+              <c:showPercent val="0"/>
+              <c:showBubbleSize val="0"/>
+              <c:extLst>
+                <c:ext xmlns:c15="http://schemas.microsoft.com/office/drawing/2012/chart" uri="{CE6537A1-D6FC-4f65-9D91-7224C49458BB}">
+                  <c15:dlblFieldTable/>
+                  <c15:showDataLabelsRange val="1"/>
+                </c:ext>
+                <c:ext xmlns:c16="http://schemas.microsoft.com/office/drawing/2014/chart" uri="{C3380CC4-5D6E-409C-BE32-E72D297353CC}">
+                  <c16:uniqueId val="{00000007-8D67-4BF9-9F00-7C369C0065BF}"/>
+                </c:ext>
+              </c:extLst>
+            </c:dLbl>
+            <c:dLbl>
+              <c:idx val="20"/>
+              <c:tx>
+                <c:rich>
+                  <a:bodyPr/>
+                  <a:lstStyle/>
+                  <a:p>
+                    <a:fld id="{C1C0EB24-2E2A-4E8C-8B42-0C57D5BBC370}" type="CELLRANGE">
+                      <a:rPr lang="en-US"/>
+                      <a:pPr/>
+                      <a:t>[CELLRANGE]</a:t>
+                    </a:fld>
+                    <a:endParaRPr lang="en-US"/>
+                  </a:p>
+                </c:rich>
+              </c:tx>
+              <c:dLblPos val="outEnd"/>
+              <c:showLegendKey val="0"/>
+              <c:showVal val="0"/>
+              <c:showCatName val="0"/>
+              <c:showSerName val="0"/>
+              <c:showPercent val="0"/>
+              <c:showBubbleSize val="0"/>
+              <c:extLst>
+                <c:ext xmlns:c15="http://schemas.microsoft.com/office/drawing/2012/chart" uri="{CE6537A1-D6FC-4f65-9D91-7224C49458BB}">
+                  <c15:dlblFieldTable/>
+                  <c15:showDataLabelsRange val="1"/>
+                </c:ext>
+                <c:ext xmlns:c16="http://schemas.microsoft.com/office/drawing/2014/chart" uri="{C3380CC4-5D6E-409C-BE32-E72D297353CC}">
+                  <c16:uniqueId val="{00000009-8D67-4BF9-9F00-7C369C0065BF}"/>
+                </c:ext>
+              </c:extLst>
+            </c:dLbl>
+            <c:dLbl>
+              <c:idx val="21"/>
+              <c:tx>
+                <c:rich>
+                  <a:bodyPr/>
+                  <a:lstStyle/>
+                  <a:p>
+                    <a:fld id="{CC89EA52-4B8C-4F95-83F4-6FB295F62E21}" type="CELLRANGE">
+                      <a:rPr lang="en-US"/>
+                      <a:pPr/>
+                      <a:t>[CELLRANGE]</a:t>
+                    </a:fld>
+                    <a:endParaRPr lang="en-US"/>
+                  </a:p>
+                </c:rich>
+              </c:tx>
+              <c:dLblPos val="outEnd"/>
+              <c:showLegendKey val="0"/>
+              <c:showVal val="0"/>
+              <c:showCatName val="0"/>
+              <c:showSerName val="0"/>
+              <c:showPercent val="0"/>
+              <c:showBubbleSize val="0"/>
+              <c:extLst>
+                <c:ext xmlns:c15="http://schemas.microsoft.com/office/drawing/2012/chart" uri="{CE6537A1-D6FC-4f65-9D91-7224C49458BB}">
+                  <c15:dlblFieldTable/>
+                  <c15:showDataLabelsRange val="1"/>
+                </c:ext>
+                <c:ext xmlns:c16="http://schemas.microsoft.com/office/drawing/2014/chart" uri="{C3380CC4-5D6E-409C-BE32-E72D297353CC}">
+                  <c16:uniqueId val="{00000046-8D67-4BF9-9F00-7C369C0065BF}"/>
+                </c:ext>
+              </c:extLst>
+            </c:dLbl>
+            <c:dLbl>
+              <c:idx val="22"/>
+              <c:tx>
+                <c:rich>
+                  <a:bodyPr/>
+                  <a:lstStyle/>
+                  <a:p>
+                    <a:fld id="{5F98E13C-09FC-434D-B4D1-EF6EEB20C54B}" type="CELLRANGE">
+                      <a:rPr lang="en-US"/>
+                      <a:pPr/>
+                      <a:t>[CELLRANGE]</a:t>
+                    </a:fld>
+                    <a:endParaRPr lang="en-US"/>
+                  </a:p>
+                </c:rich>
+              </c:tx>
+              <c:dLblPos val="outEnd"/>
+              <c:showLegendKey val="0"/>
+              <c:showVal val="0"/>
+              <c:showCatName val="0"/>
+              <c:showSerName val="0"/>
+              <c:showPercent val="0"/>
+              <c:showBubbleSize val="0"/>
+              <c:extLst>
+                <c:ext xmlns:c15="http://schemas.microsoft.com/office/drawing/2012/chart" uri="{CE6537A1-D6FC-4f65-9D91-7224C49458BB}">
+                  <c15:dlblFieldTable/>
+                  <c15:showDataLabelsRange val="1"/>
+                </c:ext>
+                <c:ext xmlns:c16="http://schemas.microsoft.com/office/drawing/2014/chart" uri="{C3380CC4-5D6E-409C-BE32-E72D297353CC}">
+                  <c16:uniqueId val="{0000000B-8D67-4BF9-9F00-7C369C0065BF}"/>
+                </c:ext>
+              </c:extLst>
+            </c:dLbl>
+            <c:dLbl>
+              <c:idx val="23"/>
+              <c:tx>
+                <c:rich>
+                  <a:bodyPr/>
+                  <a:lstStyle/>
+                  <a:p>
+                    <a:fld id="{78753340-E4D3-4052-9734-E56EBF67726E}" type="CELLRANGE">
+                      <a:rPr lang="en-US"/>
+                      <a:pPr/>
+                      <a:t>[CELLRANGE]</a:t>
+                    </a:fld>
+                    <a:endParaRPr lang="en-US"/>
+                  </a:p>
+                </c:rich>
+              </c:tx>
+              <c:dLblPos val="outEnd"/>
+              <c:showLegendKey val="0"/>
+              <c:showVal val="0"/>
+              <c:showCatName val="0"/>
+              <c:showSerName val="0"/>
+              <c:showPercent val="0"/>
+              <c:showBubbleSize val="0"/>
+              <c:extLst>
+                <c:ext xmlns:c15="http://schemas.microsoft.com/office/drawing/2012/chart" uri="{CE6537A1-D6FC-4f65-9D91-7224C49458BB}">
+                  <c15:dlblFieldTable/>
+                  <c15:showDataLabelsRange val="1"/>
+                </c:ext>
+                <c:ext xmlns:c16="http://schemas.microsoft.com/office/drawing/2014/chart" uri="{C3380CC4-5D6E-409C-BE32-E72D297353CC}">
+                  <c16:uniqueId val="{00000047-8D67-4BF9-9F00-7C369C0065BF}"/>
+                </c:ext>
+              </c:extLst>
+            </c:dLbl>
+            <c:dLbl>
+              <c:idx val="24"/>
+              <c:tx>
+                <c:rich>
+                  <a:bodyPr/>
+                  <a:lstStyle/>
+                  <a:p>
+                    <a:fld id="{AC1DB66B-6DD7-48AA-89F8-D4E77C881BF7}" type="CELLRANGE">
+                      <a:rPr lang="en-US"/>
+                      <a:pPr/>
+                      <a:t>[CELLRANGE]</a:t>
+                    </a:fld>
+                    <a:endParaRPr lang="en-US"/>
+                  </a:p>
+                </c:rich>
+              </c:tx>
+              <c:dLblPos val="outEnd"/>
+              <c:showLegendKey val="0"/>
+              <c:showVal val="0"/>
+              <c:showCatName val="0"/>
+              <c:showSerName val="0"/>
+              <c:showPercent val="0"/>
+              <c:showBubbleSize val="0"/>
+              <c:extLst>
+                <c:ext xmlns:c15="http://schemas.microsoft.com/office/drawing/2012/chart" uri="{CE6537A1-D6FC-4f65-9D91-7224C49458BB}">
+                  <c15:dlblFieldTable/>
+                  <c15:showDataLabelsRange val="1"/>
+                </c:ext>
+                <c:ext xmlns:c16="http://schemas.microsoft.com/office/drawing/2014/chart" uri="{C3380CC4-5D6E-409C-BE32-E72D297353CC}">
+                  <c16:uniqueId val="{0000000D-8D67-4BF9-9F00-7C369C0065BF}"/>
+                </c:ext>
+              </c:extLst>
+            </c:dLbl>
+            <c:dLbl>
+              <c:idx val="25"/>
+              <c:tx>
+                <c:rich>
+                  <a:bodyPr/>
+                  <a:lstStyle/>
+                  <a:p>
+                    <a:fld id="{2FEE4F75-807A-44BE-91C8-A5D52F49F47A}" type="CELLRANGE">
+                      <a:rPr lang="en-US"/>
+                      <a:pPr/>
+                      <a:t>[CELLRANGE]</a:t>
+                    </a:fld>
+                    <a:endParaRPr lang="en-US"/>
+                  </a:p>
+                </c:rich>
+              </c:tx>
+              <c:dLblPos val="outEnd"/>
+              <c:showLegendKey val="0"/>
+              <c:showVal val="0"/>
+              <c:showCatName val="0"/>
+              <c:showSerName val="0"/>
+              <c:showPercent val="0"/>
+              <c:showBubbleSize val="0"/>
+              <c:extLst>
+                <c:ext xmlns:c15="http://schemas.microsoft.com/office/drawing/2012/chart" uri="{CE6537A1-D6FC-4f65-9D91-7224C49458BB}">
+                  <c15:dlblFieldTable/>
+                  <c15:showDataLabelsRange val="1"/>
+                </c:ext>
+                <c:ext xmlns:c16="http://schemas.microsoft.com/office/drawing/2014/chart" uri="{C3380CC4-5D6E-409C-BE32-E72D297353CC}">
+                  <c16:uniqueId val="{0000000F-8D67-4BF9-9F00-7C369C0065BF}"/>
+                </c:ext>
+              </c:extLst>
+            </c:dLbl>
+            <c:dLbl>
+              <c:idx val="26"/>
+              <c:tx>
+                <c:rich>
+                  <a:bodyPr/>
+                  <a:lstStyle/>
+                  <a:p>
+                    <a:fld id="{F9DFEF05-D9CA-4910-8382-FE8861B274B3}" type="CELLRANGE">
+                      <a:rPr lang="en-US"/>
+                      <a:pPr/>
+                      <a:t>[CELLRANGE]</a:t>
+                    </a:fld>
+                    <a:endParaRPr lang="en-US"/>
+                  </a:p>
+                </c:rich>
+              </c:tx>
+              <c:dLblPos val="outEnd"/>
+              <c:showLegendKey val="0"/>
+              <c:showVal val="0"/>
+              <c:showCatName val="0"/>
+              <c:showSerName val="0"/>
+              <c:showPercent val="0"/>
+              <c:showBubbleSize val="0"/>
+              <c:extLst>
+                <c:ext xmlns:c15="http://schemas.microsoft.com/office/drawing/2012/chart" uri="{CE6537A1-D6FC-4f65-9D91-7224C49458BB}">
+                  <c15:dlblFieldTable/>
+                  <c15:showDataLabelsRange val="1"/>
+                </c:ext>
+                <c:ext xmlns:c16="http://schemas.microsoft.com/office/drawing/2014/chart" uri="{C3380CC4-5D6E-409C-BE32-E72D297353CC}">
+                  <c16:uniqueId val="{00000011-8D67-4BF9-9F00-7C369C0065BF}"/>
+                </c:ext>
+              </c:extLst>
+            </c:dLbl>
+            <c:dLbl>
+              <c:idx val="27"/>
+              <c:tx>
+                <c:rich>
+                  <a:bodyPr/>
+                  <a:lstStyle/>
+                  <a:p>
+                    <a:fld id="{0F31F73A-DDA1-4758-84A0-70BFF6B5690F}" type="CELLRANGE">
+                      <a:rPr lang="en-US"/>
+                      <a:pPr/>
+                      <a:t>[CELLRANGE]</a:t>
+                    </a:fld>
+                    <a:endParaRPr lang="en-US"/>
+                  </a:p>
+                </c:rich>
+              </c:tx>
+              <c:dLblPos val="outEnd"/>
+              <c:showLegendKey val="0"/>
+              <c:showVal val="0"/>
+              <c:showCatName val="0"/>
+              <c:showSerName val="0"/>
+              <c:showPercent val="0"/>
+              <c:showBubbleSize val="0"/>
+              <c:extLst>
+                <c:ext xmlns:c15="http://schemas.microsoft.com/office/drawing/2012/chart" uri="{CE6537A1-D6FC-4f65-9D91-7224C49458BB}">
+                  <c15:dlblFieldTable/>
+                  <c15:showDataLabelsRange val="1"/>
+                </c:ext>
+                <c:ext xmlns:c16="http://schemas.microsoft.com/office/drawing/2014/chart" uri="{C3380CC4-5D6E-409C-BE32-E72D297353CC}">
+                  <c16:uniqueId val="{00000013-8D67-4BF9-9F00-7C369C0065BF}"/>
+                </c:ext>
+              </c:extLst>
+            </c:dLbl>
+            <c:dLbl>
+              <c:idx val="28"/>
+              <c:tx>
+                <c:rich>
+                  <a:bodyPr/>
+                  <a:lstStyle/>
+                  <a:p>
+                    <a:fld id="{67DC5DB2-0516-47BF-8246-8B490449B40E}" type="CELLRANGE">
+                      <a:rPr lang="en-US"/>
+                      <a:pPr/>
+                      <a:t>[CELLRANGE]</a:t>
+                    </a:fld>
+                    <a:endParaRPr lang="en-US"/>
+                  </a:p>
+                </c:rich>
+              </c:tx>
+              <c:dLblPos val="outEnd"/>
+              <c:showLegendKey val="0"/>
+              <c:showVal val="0"/>
+              <c:showCatName val="0"/>
+              <c:showSerName val="0"/>
+              <c:showPercent val="0"/>
+              <c:showBubbleSize val="0"/>
+              <c:extLst>
+                <c:ext xmlns:c15="http://schemas.microsoft.com/office/drawing/2012/chart" uri="{CE6537A1-D6FC-4f65-9D91-7224C49458BB}">
+                  <c15:dlblFieldTable/>
+                  <c15:showDataLabelsRange val="1"/>
+                </c:ext>
+                <c:ext xmlns:c16="http://schemas.microsoft.com/office/drawing/2014/chart" uri="{C3380CC4-5D6E-409C-BE32-E72D297353CC}">
+                  <c16:uniqueId val="{00000048-8D67-4BF9-9F00-7C369C0065BF}"/>
+                </c:ext>
+              </c:extLst>
+            </c:dLbl>
+            <c:dLbl>
+              <c:idx val="29"/>
+              <c:tx>
+                <c:rich>
+                  <a:bodyPr/>
+                  <a:lstStyle/>
+                  <a:p>
+                    <a:fld id="{ACE53E71-28FE-43DA-BBCD-8A2A8F3311DC}" type="CELLRANGE">
+                      <a:rPr lang="en-US"/>
+                      <a:pPr/>
+                      <a:t>[CELLRANGE]</a:t>
+                    </a:fld>
+                    <a:endParaRPr lang="en-US"/>
+                  </a:p>
+                </c:rich>
+              </c:tx>
+              <c:dLblPos val="outEnd"/>
+              <c:showLegendKey val="0"/>
+              <c:showVal val="0"/>
+              <c:showCatName val="0"/>
+              <c:showSerName val="0"/>
+              <c:showPercent val="0"/>
+              <c:showBubbleSize val="0"/>
+              <c:extLst>
+                <c:ext xmlns:c15="http://schemas.microsoft.com/office/drawing/2012/chart" uri="{CE6537A1-D6FC-4f65-9D91-7224C49458BB}">
+                  <c15:dlblFieldTable/>
+                  <c15:showDataLabelsRange val="1"/>
+                </c:ext>
+                <c:ext xmlns:c16="http://schemas.microsoft.com/office/drawing/2014/chart" uri="{C3380CC4-5D6E-409C-BE32-E72D297353CC}">
+                  <c16:uniqueId val="{00000015-8D67-4BF9-9F00-7C369C0065BF}"/>
+                </c:ext>
+              </c:extLst>
+            </c:dLbl>
+            <c:dLbl>
+              <c:idx val="30"/>
+              <c:tx>
+                <c:rich>
+                  <a:bodyPr/>
+                  <a:lstStyle/>
+                  <a:p>
+                    <a:fld id="{710A9B6A-27DC-45FE-888A-1338560787C3}" type="CELLRANGE">
+                      <a:rPr lang="en-US"/>
+                      <a:pPr/>
+                      <a:t>[CELLRANGE]</a:t>
+                    </a:fld>
+                    <a:endParaRPr lang="en-US"/>
+                  </a:p>
+                </c:rich>
+              </c:tx>
+              <c:dLblPos val="outEnd"/>
+              <c:showLegendKey val="0"/>
+              <c:showVal val="0"/>
+              <c:showCatName val="0"/>
+              <c:showSerName val="0"/>
+              <c:showPercent val="0"/>
+              <c:showBubbleSize val="0"/>
+              <c:extLst>
+                <c:ext xmlns:c15="http://schemas.microsoft.com/office/drawing/2012/chart" uri="{CE6537A1-D6FC-4f65-9D91-7224C49458BB}">
+                  <c15:dlblFieldTable/>
+                  <c15:showDataLabelsRange val="1"/>
+                </c:ext>
+                <c:ext xmlns:c16="http://schemas.microsoft.com/office/drawing/2014/chart" uri="{C3380CC4-5D6E-409C-BE32-E72D297353CC}">
+                  <c16:uniqueId val="{00000049-8D67-4BF9-9F00-7C369C0065BF}"/>
+                </c:ext>
+              </c:extLst>
+            </c:dLbl>
+            <c:dLbl>
+              <c:idx val="31"/>
+              <c:tx>
+                <c:rich>
+                  <a:bodyPr/>
+                  <a:lstStyle/>
+                  <a:p>
+                    <a:fld id="{A0D631ED-08F1-4488-996F-228DE00E1C31}" type="CELLRANGE">
+                      <a:rPr lang="en-US"/>
+                      <a:pPr/>
+                      <a:t>[CELLRANGE]</a:t>
+                    </a:fld>
+                    <a:endParaRPr lang="en-US"/>
+                  </a:p>
+                </c:rich>
+              </c:tx>
+              <c:dLblPos val="outEnd"/>
+              <c:showLegendKey val="0"/>
+              <c:showVal val="0"/>
+              <c:showCatName val="0"/>
+              <c:showSerName val="0"/>
+              <c:showPercent val="0"/>
+              <c:showBubbleSize val="0"/>
+              <c:extLst>
+                <c:ext xmlns:c15="http://schemas.microsoft.com/office/drawing/2012/chart" uri="{CE6537A1-D6FC-4f65-9D91-7224C49458BB}">
+                  <c15:dlblFieldTable/>
+                  <c15:showDataLabelsRange val="1"/>
+                </c:ext>
+                <c:ext xmlns:c16="http://schemas.microsoft.com/office/drawing/2014/chart" uri="{C3380CC4-5D6E-409C-BE32-E72D297353CC}">
+                  <c16:uniqueId val="{0000004A-8D67-4BF9-9F00-7C369C0065BF}"/>
+                </c:ext>
+              </c:extLst>
+            </c:dLbl>
+            <c:dLbl>
+              <c:idx val="32"/>
+              <c:tx>
+                <c:rich>
+                  <a:bodyPr/>
+                  <a:lstStyle/>
+                  <a:p>
+                    <a:fld id="{8223D647-1034-4D5A-BAB9-0D6C46993D3C}" type="CELLRANGE">
+                      <a:rPr lang="en-US"/>
+                      <a:pPr/>
+                      <a:t>[CELLRANGE]</a:t>
+                    </a:fld>
+                    <a:endParaRPr lang="en-US"/>
+                  </a:p>
+                </c:rich>
+              </c:tx>
+              <c:dLblPos val="outEnd"/>
+              <c:showLegendKey val="0"/>
+              <c:showVal val="0"/>
+              <c:showCatName val="0"/>
+              <c:showSerName val="0"/>
+              <c:showPercent val="0"/>
+              <c:showBubbleSize val="0"/>
+              <c:extLst>
+                <c:ext xmlns:c15="http://schemas.microsoft.com/office/drawing/2012/chart" uri="{CE6537A1-D6FC-4f65-9D91-7224C49458BB}">
+                  <c15:dlblFieldTable/>
+                  <c15:showDataLabelsRange val="1"/>
+                </c:ext>
+                <c:ext xmlns:c16="http://schemas.microsoft.com/office/drawing/2014/chart" uri="{C3380CC4-5D6E-409C-BE32-E72D297353CC}">
+                  <c16:uniqueId val="{00000017-8D67-4BF9-9F00-7C369C0065BF}"/>
+                </c:ext>
+              </c:extLst>
+            </c:dLbl>
+            <c:dLbl>
+              <c:idx val="33"/>
+              <c:tx>
+                <c:rich>
+                  <a:bodyPr/>
+                  <a:lstStyle/>
+                  <a:p>
+                    <a:fld id="{88576561-DF24-4291-A490-DDCBD9DCE133}" type="CELLRANGE">
+                      <a:rPr lang="en-US"/>
+                      <a:pPr/>
+                      <a:t>[CELLRANGE]</a:t>
+                    </a:fld>
+                    <a:endParaRPr lang="en-US"/>
+                  </a:p>
+                </c:rich>
+              </c:tx>
+              <c:dLblPos val="outEnd"/>
+              <c:showLegendKey val="0"/>
+              <c:showVal val="0"/>
+              <c:showCatName val="0"/>
+              <c:showSerName val="0"/>
+              <c:showPercent val="0"/>
+              <c:showBubbleSize val="0"/>
+              <c:extLst>
+                <c:ext xmlns:c15="http://schemas.microsoft.com/office/drawing/2012/chart" uri="{CE6537A1-D6FC-4f65-9D91-7224C49458BB}">
+                  <c15:dlblFieldTable/>
+                  <c15:xForSave val="1"/>
+                  <c15:showDataLabelsRange val="1"/>
+                </c:ext>
+                <c:ext xmlns:c16="http://schemas.microsoft.com/office/drawing/2014/chart" uri="{C3380CC4-5D6E-409C-BE32-E72D297353CC}">
+                  <c16:uniqueId val="{0000004B-8D67-4BF9-9F00-7C369C0065BF}"/>
+                </c:ext>
+              </c:extLst>
+            </c:dLbl>
+            <c:dLbl>
+              <c:idx val="34"/>
+              <c:tx>
+                <c:rich>
+                  <a:bodyPr/>
+                  <a:lstStyle/>
+                  <a:p>
+                    <a:fld id="{2F83C2AE-5A65-412A-8E74-7CE685FA9373}" type="CELLRANGE">
+                      <a:rPr lang="en-US"/>
+                      <a:pPr/>
+                      <a:t>[CELLRANGE]</a:t>
+                    </a:fld>
+                    <a:endParaRPr lang="en-US"/>
+                  </a:p>
+                </c:rich>
+              </c:tx>
+              <c:dLblPos val="outEnd"/>
+              <c:showLegendKey val="0"/>
+              <c:showVal val="0"/>
+              <c:showCatName val="0"/>
+              <c:showSerName val="0"/>
+              <c:showPercent val="0"/>
+              <c:showBubbleSize val="0"/>
+              <c:extLst>
+                <c:ext xmlns:c15="http://schemas.microsoft.com/office/drawing/2012/chart" uri="{CE6537A1-D6FC-4f65-9D91-7224C49458BB}">
+                  <c15:dlblFieldTable/>
+                  <c15:xForSave val="1"/>
+                  <c15:showDataLabelsRange val="1"/>
+                </c:ext>
+                <c:ext xmlns:c16="http://schemas.microsoft.com/office/drawing/2014/chart" uri="{C3380CC4-5D6E-409C-BE32-E72D297353CC}">
+                  <c16:uniqueId val="{0000004C-8D67-4BF9-9F00-7C369C0065BF}"/>
+                </c:ext>
+              </c:extLst>
+            </c:dLbl>
+            <c:dLbl>
+              <c:idx val="35"/>
+              <c:tx>
+                <c:rich>
+                  <a:bodyPr/>
+                  <a:lstStyle/>
+                  <a:p>
+                    <a:fld id="{0CAD8CB6-4333-43FF-A865-CE0FC3209E74}" type="CELLRANGE">
+                      <a:rPr lang="en-US"/>
+                      <a:pPr/>
+                      <a:t>[CELLRANGE]</a:t>
+                    </a:fld>
+                    <a:endParaRPr lang="en-US"/>
+                  </a:p>
+                </c:rich>
+              </c:tx>
+              <c:dLblPos val="outEnd"/>
+              <c:showLegendKey val="0"/>
+              <c:showVal val="0"/>
+              <c:showCatName val="0"/>
+              <c:showSerName val="0"/>
+              <c:showPercent val="0"/>
+              <c:showBubbleSize val="0"/>
+              <c:extLst>
+                <c:ext xmlns:c15="http://schemas.microsoft.com/office/drawing/2012/chart" uri="{CE6537A1-D6FC-4f65-9D91-7224C49458BB}">
+                  <c15:dlblFieldTable/>
+                  <c15:xForSave val="1"/>
+                  <c15:showDataLabelsRange val="1"/>
+                </c:ext>
+                <c:ext xmlns:c16="http://schemas.microsoft.com/office/drawing/2014/chart" uri="{C3380CC4-5D6E-409C-BE32-E72D297353CC}">
+                  <c16:uniqueId val="{0000004D-8D67-4BF9-9F00-7C369C0065BF}"/>
+                </c:ext>
+              </c:extLst>
+            </c:dLbl>
+            <c:dLbl>
+              <c:idx val="36"/>
+              <c:tx>
+                <c:rich>
+                  <a:bodyPr/>
+                  <a:lstStyle/>
+                  <a:p>
+                    <a:fld id="{96EFD564-5909-4B7D-8DCA-F5858F774E42}" type="CELLRANGE">
+                      <a:rPr lang="en-US"/>
+                      <a:pPr/>
+                      <a:t>[CELLRANGE]</a:t>
+                    </a:fld>
+                    <a:endParaRPr lang="en-US"/>
+                  </a:p>
+                </c:rich>
+              </c:tx>
+              <c:dLblPos val="outEnd"/>
+              <c:showLegendKey val="0"/>
+              <c:showVal val="0"/>
+              <c:showCatName val="0"/>
+              <c:showSerName val="0"/>
+              <c:showPercent val="0"/>
+              <c:showBubbleSize val="0"/>
+              <c:extLst>
+                <c:ext xmlns:c15="http://schemas.microsoft.com/office/drawing/2012/chart" uri="{CE6537A1-D6FC-4f65-9D91-7224C49458BB}">
+                  <c15:dlblFieldTable/>
+                  <c15:xForSave val="1"/>
+                  <c15:showDataLabelsRange val="1"/>
+                </c:ext>
+                <c:ext xmlns:c16="http://schemas.microsoft.com/office/drawing/2014/chart" uri="{C3380CC4-5D6E-409C-BE32-E72D297353CC}">
+                  <c16:uniqueId val="{0000004E-8D67-4BF9-9F00-7C369C0065BF}"/>
+                </c:ext>
+              </c:extLst>
+            </c:dLbl>
+            <c:dLbl>
+              <c:idx val="37"/>
+              <c:tx>
+                <c:rich>
+                  <a:bodyPr/>
+                  <a:lstStyle/>
+                  <a:p>
+                    <a:fld id="{0D223BB7-6CB3-4413-BCDC-0791D27A5D81}" type="CELLRANGE">
+                      <a:rPr lang="en-US"/>
+                      <a:pPr/>
+                      <a:t>[CELLRANGE]</a:t>
+                    </a:fld>
+                    <a:endParaRPr lang="en-US"/>
+                  </a:p>
+                </c:rich>
+              </c:tx>
+              <c:dLblPos val="outEnd"/>
+              <c:showLegendKey val="0"/>
+              <c:showVal val="0"/>
+              <c:showCatName val="0"/>
+              <c:showSerName val="0"/>
+              <c:showPercent val="0"/>
+              <c:showBubbleSize val="0"/>
+              <c:extLst>
+                <c:ext xmlns:c15="http://schemas.microsoft.com/office/drawing/2012/chart" uri="{CE6537A1-D6FC-4f65-9D91-7224C49458BB}">
+                  <c15:dlblFieldTable/>
+                  <c15:xForSave val="1"/>
+                  <c15:showDataLabelsRange val="1"/>
+                </c:ext>
+                <c:ext xmlns:c16="http://schemas.microsoft.com/office/drawing/2014/chart" uri="{C3380CC4-5D6E-409C-BE32-E72D297353CC}">
+                  <c16:uniqueId val="{00000019-8D67-4BF9-9F00-7C369C0065BF}"/>
+                </c:ext>
+              </c:extLst>
+            </c:dLbl>
+            <c:dLbl>
+              <c:idx val="38"/>
+              <c:tx>
+                <c:rich>
+                  <a:bodyPr/>
+                  <a:lstStyle/>
+                  <a:p>
+                    <a:fld id="{89BD8E79-2B6B-4F7F-8523-5477472B762D}" type="CELLRANGE">
+                      <a:rPr lang="en-US"/>
+                      <a:pPr/>
+                      <a:t>[CELLRANGE]</a:t>
+                    </a:fld>
+                    <a:endParaRPr lang="en-US"/>
+                  </a:p>
+                </c:rich>
+              </c:tx>
+              <c:dLblPos val="outEnd"/>
+              <c:showLegendKey val="0"/>
+              <c:showVal val="0"/>
+              <c:showCatName val="0"/>
+              <c:showSerName val="0"/>
+              <c:showPercent val="0"/>
+              <c:showBubbleSize val="0"/>
+              <c:extLst>
+                <c:ext xmlns:c15="http://schemas.microsoft.com/office/drawing/2012/chart" uri="{CE6537A1-D6FC-4f65-9D91-7224C49458BB}">
+                  <c15:dlblFieldTable/>
+                  <c15:xForSave val="1"/>
+                  <c15:showDataLabelsRange val="1"/>
+                </c:ext>
+                <c:ext xmlns:c16="http://schemas.microsoft.com/office/drawing/2014/chart" uri="{C3380CC4-5D6E-409C-BE32-E72D297353CC}">
+                  <c16:uniqueId val="{0000001B-8D67-4BF9-9F00-7C369C0065BF}"/>
+                </c:ext>
+              </c:extLst>
+            </c:dLbl>
+            <c:dLbl>
+              <c:idx val="39"/>
+              <c:tx>
+                <c:rich>
+                  <a:bodyPr/>
+                  <a:lstStyle/>
+                  <a:p>
+                    <a:fld id="{0C40FE8C-C61E-4457-8A5E-9D38B381BDDD}" type="CELLRANGE">
+                      <a:rPr lang="en-US"/>
+                      <a:pPr/>
+                      <a:t>[CELLRANGE]</a:t>
+                    </a:fld>
+                    <a:endParaRPr lang="en-US"/>
+                  </a:p>
+                </c:rich>
+              </c:tx>
+              <c:dLblPos val="outEnd"/>
+              <c:showLegendKey val="0"/>
+              <c:showVal val="0"/>
+              <c:showCatName val="0"/>
+              <c:showSerName val="0"/>
+              <c:showPercent val="0"/>
+              <c:showBubbleSize val="0"/>
+              <c:extLst>
+                <c:ext xmlns:c15="http://schemas.microsoft.com/office/drawing/2012/chart" uri="{CE6537A1-D6FC-4f65-9D91-7224C49458BB}">
+                  <c15:dlblFieldTable/>
+                  <c15:xForSave val="1"/>
+                  <c15:showDataLabelsRange val="1"/>
+                </c:ext>
+                <c:ext xmlns:c16="http://schemas.microsoft.com/office/drawing/2014/chart" uri="{C3380CC4-5D6E-409C-BE32-E72D297353CC}">
+                  <c16:uniqueId val="{0000001D-8D67-4BF9-9F00-7C369C0065BF}"/>
+                </c:ext>
+              </c:extLst>
+            </c:dLbl>
+            <c:dLbl>
+              <c:idx val="40"/>
+              <c:tx>
+                <c:rich>
+                  <a:bodyPr/>
+                  <a:lstStyle/>
+                  <a:p>
+                    <a:fld id="{0E7EC1C8-679F-4358-BA03-7B1F29A090CF}" type="CELLRANGE">
+                      <a:rPr lang="en-US"/>
+                      <a:pPr/>
+                      <a:t>[CELLRANGE]</a:t>
+                    </a:fld>
+                    <a:endParaRPr lang="en-US"/>
+                  </a:p>
+                </c:rich>
+              </c:tx>
+              <c:dLblPos val="outEnd"/>
+              <c:showLegendKey val="0"/>
+              <c:showVal val="0"/>
+              <c:showCatName val="0"/>
+              <c:showSerName val="0"/>
+              <c:showPercent val="0"/>
+              <c:showBubbleSize val="0"/>
+              <c:extLst>
+                <c:ext xmlns:c15="http://schemas.microsoft.com/office/drawing/2012/chart" uri="{CE6537A1-D6FC-4f65-9D91-7224C49458BB}">
+                  <c15:dlblFieldTable/>
+                  <c15:xForSave val="1"/>
+                  <c15:showDataLabelsRange val="1"/>
+                </c:ext>
+                <c:ext xmlns:c16="http://schemas.microsoft.com/office/drawing/2014/chart" uri="{C3380CC4-5D6E-409C-BE32-E72D297353CC}">
+                  <c16:uniqueId val="{0000001F-8D67-4BF9-9F00-7C369C0065BF}"/>
+                </c:ext>
+              </c:extLst>
+            </c:dLbl>
+            <c:dLbl>
+              <c:idx val="41"/>
+              <c:tx>
+                <c:rich>
+                  <a:bodyPr/>
+                  <a:lstStyle/>
+                  <a:p>
+                    <a:fld id="{D7F67E03-E05A-4294-B82D-EEE414A829B0}" type="CELLRANGE">
+                      <a:rPr lang="en-US"/>
+                      <a:pPr/>
+                      <a:t>[CELLRANGE]</a:t>
+                    </a:fld>
+                    <a:endParaRPr lang="en-US"/>
+                  </a:p>
+                </c:rich>
+              </c:tx>
+              <c:dLblPos val="outEnd"/>
+              <c:showLegendKey val="0"/>
+              <c:showVal val="0"/>
+              <c:showCatName val="0"/>
+              <c:showSerName val="0"/>
+              <c:showPercent val="0"/>
+              <c:showBubbleSize val="0"/>
+              <c:extLst>
+                <c:ext xmlns:c15="http://schemas.microsoft.com/office/drawing/2012/chart" uri="{CE6537A1-D6FC-4f65-9D91-7224C49458BB}">
+                  <c15:dlblFieldTable/>
+                  <c15:xForSave val="1"/>
+                  <c15:showDataLabelsRange val="1"/>
+                </c:ext>
+                <c:ext xmlns:c16="http://schemas.microsoft.com/office/drawing/2014/chart" uri="{C3380CC4-5D6E-409C-BE32-E72D297353CC}">
+                  <c16:uniqueId val="{00000021-8D67-4BF9-9F00-7C369C0065BF}"/>
+                </c:ext>
+              </c:extLst>
+            </c:dLbl>
+            <c:dLbl>
+              <c:idx val="42"/>
+              <c:tx>
+                <c:rich>
+                  <a:bodyPr/>
+                  <a:lstStyle/>
+                  <a:p>
+                    <a:fld id="{5E058BBD-29E6-448C-BA07-3FDFF7FB3147}" type="CELLRANGE">
+                      <a:rPr lang="en-US"/>
+                      <a:pPr/>
+                      <a:t>[CELLRANGE]</a:t>
+                    </a:fld>
+                    <a:endParaRPr lang="en-US"/>
+                  </a:p>
+                </c:rich>
+              </c:tx>
+              <c:dLblPos val="outEnd"/>
+              <c:showLegendKey val="0"/>
+              <c:showVal val="0"/>
+              <c:showCatName val="0"/>
+              <c:showSerName val="0"/>
+              <c:showPercent val="0"/>
+              <c:showBubbleSize val="0"/>
+              <c:extLst>
+                <c:ext xmlns:c15="http://schemas.microsoft.com/office/drawing/2012/chart" uri="{CE6537A1-D6FC-4f65-9D91-7224C49458BB}">
+                  <c15:dlblFieldTable/>
+                  <c15:xForSave val="1"/>
+                  <c15:showDataLabelsRange val="1"/>
+                </c:ext>
+                <c:ext xmlns:c16="http://schemas.microsoft.com/office/drawing/2014/chart" uri="{C3380CC4-5D6E-409C-BE32-E72D297353CC}">
+                  <c16:uniqueId val="{00000023-8D67-4BF9-9F00-7C369C0065BF}"/>
+                </c:ext>
+              </c:extLst>
+            </c:dLbl>
+            <c:dLbl>
+              <c:idx val="43"/>
+              <c:tx>
+                <c:rich>
+                  <a:bodyPr/>
+                  <a:lstStyle/>
+                  <a:p>
+                    <a:fld id="{EE7B9DE7-A10E-4156-945A-0DC7F2B352B9}" type="CELLRANGE">
+                      <a:rPr lang="en-US"/>
+                      <a:pPr/>
+                      <a:t>[CELLRANGE]</a:t>
+                    </a:fld>
+                    <a:endParaRPr lang="en-US"/>
+                  </a:p>
+                </c:rich>
+              </c:tx>
+              <c:dLblPos val="outEnd"/>
+              <c:showLegendKey val="0"/>
+              <c:showVal val="0"/>
+              <c:showCatName val="0"/>
+              <c:showSerName val="0"/>
+              <c:showPercent val="0"/>
+              <c:showBubbleSize val="0"/>
+              <c:extLst>
+                <c:ext xmlns:c15="http://schemas.microsoft.com/office/drawing/2012/chart" uri="{CE6537A1-D6FC-4f65-9D91-7224C49458BB}">
+                  <c15:dlblFieldTable/>
+                  <c15:xForSave val="1"/>
+                  <c15:showDataLabelsRange val="1"/>
+                </c:ext>
+                <c:ext xmlns:c16="http://schemas.microsoft.com/office/drawing/2014/chart" uri="{C3380CC4-5D6E-409C-BE32-E72D297353CC}">
+                  <c16:uniqueId val="{00000025-8D67-4BF9-9F00-7C369C0065BF}"/>
+                </c:ext>
+              </c:extLst>
+            </c:dLbl>
+            <c:dLbl>
+              <c:idx val="44"/>
+              <c:tx>
+                <c:rich>
+                  <a:bodyPr/>
+                  <a:lstStyle/>
+                  <a:p>
+                    <a:fld id="{0BDEE645-8E6D-4BFA-B0BC-20DBAB107462}" type="CELLRANGE">
+                      <a:rPr lang="en-US"/>
+                      <a:pPr/>
+                      <a:t>[CELLRANGE]</a:t>
+                    </a:fld>
+                    <a:endParaRPr lang="en-US"/>
+                  </a:p>
+                </c:rich>
+              </c:tx>
+              <c:dLblPos val="outEnd"/>
+              <c:showLegendKey val="0"/>
+              <c:showVal val="0"/>
+              <c:showCatName val="0"/>
+              <c:showSerName val="0"/>
+              <c:showPercent val="0"/>
+              <c:showBubbleSize val="0"/>
+              <c:extLst>
+                <c:ext xmlns:c15="http://schemas.microsoft.com/office/drawing/2012/chart" uri="{CE6537A1-D6FC-4f65-9D91-7224C49458BB}">
+                  <c15:dlblFieldTable/>
+                  <c15:xForSave val="1"/>
+                  <c15:showDataLabelsRange val="1"/>
+                </c:ext>
+                <c:ext xmlns:c16="http://schemas.microsoft.com/office/drawing/2014/chart" uri="{C3380CC4-5D6E-409C-BE32-E72D297353CC}">
+                  <c16:uniqueId val="{00000027-8D67-4BF9-9F00-7C369C0065BF}"/>
+                </c:ext>
+              </c:extLst>
+            </c:dLbl>
+            <c:dLbl>
+              <c:idx val="45"/>
+              <c:tx>
+                <c:rich>
+                  <a:bodyPr/>
+                  <a:lstStyle/>
+                  <a:p>
+                    <a:fld id="{710B8B4B-02EF-4D1C-9715-170B8B302C19}" type="CELLRANGE">
+                      <a:rPr lang="en-US"/>
+                      <a:pPr/>
+                      <a:t>[CELLRANGE]</a:t>
+                    </a:fld>
+                    <a:endParaRPr lang="en-US"/>
+                  </a:p>
+                </c:rich>
+              </c:tx>
+              <c:dLblPos val="outEnd"/>
+              <c:showLegendKey val="0"/>
+              <c:showVal val="0"/>
+              <c:showCatName val="0"/>
+              <c:showSerName val="0"/>
+              <c:showPercent val="0"/>
+              <c:showBubbleSize val="0"/>
+              <c:extLst>
+                <c:ext xmlns:c15="http://schemas.microsoft.com/office/drawing/2012/chart" uri="{CE6537A1-D6FC-4f65-9D91-7224C49458BB}">
+                  <c15:dlblFieldTable/>
+                  <c15:xForSave val="1"/>
+                  <c15:showDataLabelsRange val="1"/>
+                </c:ext>
+                <c:ext xmlns:c16="http://schemas.microsoft.com/office/drawing/2014/chart" uri="{C3380CC4-5D6E-409C-BE32-E72D297353CC}">
+                  <c16:uniqueId val="{00000029-8D67-4BF9-9F00-7C369C0065BF}"/>
+                </c:ext>
+              </c:extLst>
+            </c:dLbl>
+            <c:dLbl>
+              <c:idx val="46"/>
+              <c:tx>
+                <c:rich>
+                  <a:bodyPr/>
+                  <a:lstStyle/>
+                  <a:p>
+                    <a:fld id="{8142A55B-D29A-470B-982C-D14160FAF99F}" type="CELLRANGE">
+                      <a:rPr lang="en-US"/>
+                      <a:pPr/>
+                      <a:t>[CELLRANGE]</a:t>
+                    </a:fld>
+                    <a:endParaRPr lang="en-US"/>
+                  </a:p>
+                </c:rich>
+              </c:tx>
+              <c:dLblPos val="outEnd"/>
+              <c:showLegendKey val="0"/>
+              <c:showVal val="0"/>
+              <c:showCatName val="0"/>
+              <c:showSerName val="0"/>
+              <c:showPercent val="0"/>
+              <c:showBubbleSize val="0"/>
+              <c:extLst>
+                <c:ext xmlns:c15="http://schemas.microsoft.com/office/drawing/2012/chart" uri="{CE6537A1-D6FC-4f65-9D91-7224C49458BB}">
+                  <c15:dlblFieldTable/>
+                  <c15:xForSave val="1"/>
+                  <c15:showDataLabelsRange val="1"/>
+                </c:ext>
+                <c:ext xmlns:c16="http://schemas.microsoft.com/office/drawing/2014/chart" uri="{C3380CC4-5D6E-409C-BE32-E72D297353CC}">
+                  <c16:uniqueId val="{0000002B-8D67-4BF9-9F00-7C369C0065BF}"/>
+                </c:ext>
+              </c:extLst>
+            </c:dLbl>
+            <c:dLbl>
+              <c:idx val="47"/>
+              <c:tx>
+                <c:rich>
+                  <a:bodyPr/>
+                  <a:lstStyle/>
+                  <a:p>
+                    <a:fld id="{AF28C79A-E000-4406-AF34-CD31B565CA99}" type="CELLRANGE">
+                      <a:rPr lang="en-US"/>
+                      <a:pPr/>
+                      <a:t>[CELLRANGE]</a:t>
+                    </a:fld>
+                    <a:endParaRPr lang="en-US"/>
+                  </a:p>
+                </c:rich>
+              </c:tx>
+              <c:dLblPos val="outEnd"/>
+              <c:showLegendKey val="0"/>
+              <c:showVal val="0"/>
+              <c:showCatName val="0"/>
+              <c:showSerName val="0"/>
+              <c:showPercent val="0"/>
+              <c:showBubbleSize val="0"/>
+              <c:extLst>
+                <c:ext xmlns:c15="http://schemas.microsoft.com/office/drawing/2012/chart" uri="{CE6537A1-D6FC-4f65-9D91-7224C49458BB}">
+                  <c15:dlblFieldTable/>
+                  <c15:xForSave val="1"/>
+                  <c15:showDataLabelsRange val="1"/>
+                </c:ext>
+                <c:ext xmlns:c16="http://schemas.microsoft.com/office/drawing/2014/chart" uri="{C3380CC4-5D6E-409C-BE32-E72D297353CC}">
+                  <c16:uniqueId val="{0000002D-8D67-4BF9-9F00-7C369C0065BF}"/>
+                </c:ext>
+              </c:extLst>
+            </c:dLbl>
+            <c:dLbl>
+              <c:idx val="48"/>
+              <c:tx>
+                <c:rich>
+                  <a:bodyPr/>
+                  <a:lstStyle/>
+                  <a:p>
+                    <a:fld id="{2D62A72C-4E59-4800-8DE7-4B5DA1027398}" type="CELLRANGE">
+                      <a:rPr lang="en-US"/>
+                      <a:pPr/>
+                      <a:t>[CELLRANGE]</a:t>
+                    </a:fld>
+                    <a:endParaRPr lang="en-US"/>
+                  </a:p>
+                </c:rich>
+              </c:tx>
+              <c:dLblPos val="outEnd"/>
+              <c:showLegendKey val="0"/>
+              <c:showVal val="0"/>
+              <c:showCatName val="0"/>
+              <c:showSerName val="0"/>
+              <c:showPercent val="0"/>
+              <c:showBubbleSize val="0"/>
+              <c:extLst>
+                <c:ext xmlns:c15="http://schemas.microsoft.com/office/drawing/2012/chart" uri="{CE6537A1-D6FC-4f65-9D91-7224C49458BB}">
+                  <c15:dlblFieldTable/>
+                  <c15:xForSave val="1"/>
+                  <c15:showDataLabelsRange val="1"/>
+                </c:ext>
+                <c:ext xmlns:c16="http://schemas.microsoft.com/office/drawing/2014/chart" uri="{C3380CC4-5D6E-409C-BE32-E72D297353CC}">
+                  <c16:uniqueId val="{0000002F-8D67-4BF9-9F00-7C369C0065BF}"/>
+                </c:ext>
+              </c:extLst>
+            </c:dLbl>
+            <c:dLbl>
+              <c:idx val="49"/>
+              <c:tx>
+                <c:rich>
+                  <a:bodyPr/>
+                  <a:lstStyle/>
+                  <a:p>
+                    <a:fld id="{2B9C5385-1148-43EA-9528-1CE7A5653B62}" type="CELLRANGE">
+                      <a:rPr lang="en-US"/>
+                      <a:pPr/>
+                      <a:t>[CELLRANGE]</a:t>
+                    </a:fld>
+                    <a:endParaRPr lang="en-US"/>
+                  </a:p>
+                </c:rich>
+              </c:tx>
+              <c:dLblPos val="outEnd"/>
+              <c:showLegendKey val="0"/>
+              <c:showVal val="0"/>
+              <c:showCatName val="0"/>
+              <c:showSerName val="0"/>
+              <c:showPercent val="0"/>
+              <c:showBubbleSize val="0"/>
+              <c:extLst>
+                <c:ext xmlns:c15="http://schemas.microsoft.com/office/drawing/2012/chart" uri="{CE6537A1-D6FC-4f65-9D91-7224C49458BB}">
+                  <c15:dlblFieldTable/>
+                  <c15:xForSave val="1"/>
+                  <c15:showDataLabelsRange val="1"/>
+                </c:ext>
+                <c:ext xmlns:c16="http://schemas.microsoft.com/office/drawing/2014/chart" uri="{C3380CC4-5D6E-409C-BE32-E72D297353CC}">
+                  <c16:uniqueId val="{00000031-8D67-4BF9-9F00-7C369C0065BF}"/>
+                </c:ext>
+              </c:extLst>
+            </c:dLbl>
+            <c:dLbl>
+              <c:idx val="50"/>
+              <c:tx>
+                <c:rich>
+                  <a:bodyPr/>
+                  <a:lstStyle/>
+                  <a:p>
+                    <a:fld id="{1D371CD4-0EC3-48A3-B116-D187F4B00AA9}" type="CELLRANGE">
+                      <a:rPr lang="en-US"/>
+                      <a:pPr/>
+                      <a:t>[CELLRANGE]</a:t>
+                    </a:fld>
+                    <a:endParaRPr lang="en-US"/>
+                  </a:p>
+                </c:rich>
+              </c:tx>
+              <c:dLblPos val="outEnd"/>
+              <c:showLegendKey val="0"/>
+              <c:showVal val="0"/>
+              <c:showCatName val="0"/>
+              <c:showSerName val="0"/>
+              <c:showPercent val="0"/>
+              <c:showBubbleSize val="0"/>
+              <c:extLst>
+                <c:ext xmlns:c15="http://schemas.microsoft.com/office/drawing/2012/chart" uri="{CE6537A1-D6FC-4f65-9D91-7224C49458BB}">
+                  <c15:dlblFieldTable/>
+                  <c15:xForSave val="1"/>
+                  <c15:showDataLabelsRange val="1"/>
+                </c:ext>
+                <c:ext xmlns:c16="http://schemas.microsoft.com/office/drawing/2014/chart" uri="{C3380CC4-5D6E-409C-BE32-E72D297353CC}">
+                  <c16:uniqueId val="{00000033-8D67-4BF9-9F00-7C369C0065BF}"/>
+                </c:ext>
+              </c:extLst>
+            </c:dLbl>
+            <c:dLbl>
+              <c:idx val="51"/>
+              <c:tx>
+                <c:rich>
+                  <a:bodyPr/>
+                  <a:lstStyle/>
+                  <a:p>
+                    <a:fld id="{D9F4996C-6CD0-4536-83D7-235C76F9735A}" type="CELLRANGE">
+                      <a:rPr lang="en-US"/>
+                      <a:pPr/>
+                      <a:t>[CELLRANGE]</a:t>
+                    </a:fld>
+                    <a:endParaRPr lang="en-US"/>
+                  </a:p>
+                </c:rich>
+              </c:tx>
+              <c:dLblPos val="outEnd"/>
+              <c:showLegendKey val="0"/>
+              <c:showVal val="0"/>
+              <c:showCatName val="0"/>
+              <c:showSerName val="0"/>
+              <c:showPercent val="0"/>
+              <c:showBubbleSize val="0"/>
+              <c:extLst>
+                <c:ext xmlns:c15="http://schemas.microsoft.com/office/drawing/2012/chart" uri="{CE6537A1-D6FC-4f65-9D91-7224C49458BB}">
+                  <c15:dlblFieldTable/>
+                  <c15:xForSave val="1"/>
+                  <c15:showDataLabelsRange val="1"/>
+                </c:ext>
+                <c:ext xmlns:c16="http://schemas.microsoft.com/office/drawing/2014/chart" uri="{C3380CC4-5D6E-409C-BE32-E72D297353CC}">
+                  <c16:uniqueId val="{00000035-8D67-4BF9-9F00-7C369C0065BF}"/>
+                </c:ext>
+              </c:extLst>
+            </c:dLbl>
+            <c:spPr>
               <a:noFill/>
-            </a:ln>
-            <a:effectLst/>
-          </c:spPr>
-          <c:invertIfNegative val="0"/>
-          <c:val>
-            <c:numRef>
-              <c:f>Performance!$C$24:$C$49</c:f>
-              <c:numCache>
-                <c:formatCode>0</c:formatCode>
-                <c:ptCount val="26"/>
-                <c:pt idx="0">
-                  <c:v>34.999999999999957</c:v>
-                </c:pt>
-                <c:pt idx="1">
-                  <c:v>57.000000000000036</c:v>
-                </c:pt>
-                <c:pt idx="2">
-                  <c:v>70.000000000000071</c:v>
-                </c:pt>
-                <c:pt idx="3">
-                  <c:v>74.000000000000057</c:v>
-                </c:pt>
-                <c:pt idx="4">
-                  <c:v>74.999999999999972</c:v>
-                </c:pt>
-                <c:pt idx="5">
-                  <c:v>81.000000000000028</c:v>
-                </c:pt>
-                <c:pt idx="6">
-                  <c:v>86.000000000000014</c:v>
-                </c:pt>
-                <c:pt idx="7">
-                  <c:v>87.000000000000014</c:v>
-                </c:pt>
-                <c:pt idx="8">
-                  <c:v>89</c:v>
-                </c:pt>
-                <c:pt idx="9">
-                  <c:v>89</c:v>
-                </c:pt>
-                <c:pt idx="10">
-                  <c:v>92.000000000000071</c:v>
-                </c:pt>
-                <c:pt idx="11">
-                  <c:v>104.99999999999994</c:v>
-                </c:pt>
-                <c:pt idx="12">
-                  <c:v>104.99999999999994</c:v>
-                </c:pt>
-                <c:pt idx="13">
-                  <c:v>104.99999999999994</c:v>
-                </c:pt>
-                <c:pt idx="14">
-                  <c:v>104.99999999999994</c:v>
-                </c:pt>
-                <c:pt idx="15">
-                  <c:v>104.99999999999994</c:v>
-                </c:pt>
-                <c:pt idx="16">
-                  <c:v>104.99999999999994</c:v>
-                </c:pt>
-                <c:pt idx="17">
-                  <c:v>104.99999999999994</c:v>
-                </c:pt>
-                <c:pt idx="18">
-                  <c:v>104.99999999999994</c:v>
-                </c:pt>
-                <c:pt idx="19">
-                  <c:v>105.00000000000003</c:v>
-                </c:pt>
-                <c:pt idx="20">
-                  <c:v>105.00000000000003</c:v>
-                </c:pt>
-                <c:pt idx="21">
-                  <c:v>105.00000000000011</c:v>
-                </c:pt>
-                <c:pt idx="22">
-                  <c:v>105.00000000000011</c:v>
-                </c:pt>
-                <c:pt idx="23">
-                  <c:v>105.00000000000011</c:v>
-                </c:pt>
-                <c:pt idx="24">
-                  <c:v>105.00000000000011</c:v>
-                </c:pt>
-                <c:pt idx="25">
-                  <c:v>105.00000000000011</c:v>
-                </c:pt>
-              </c:numCache>
-            </c:numRef>
-          </c:val>
-          <c:extLst>
-            <c:ext xmlns:c16="http://schemas.microsoft.com/office/drawing/2014/chart" uri="{C3380CC4-5D6E-409C-BE32-E72D297353CC}">
-              <c16:uniqueId val="{00000001-2097-46D2-901E-6CA46845BABB}"/>
-            </c:ext>
-          </c:extLst>
-        </c:ser>
-        <c:dLbls>
-          <c:showLegendKey val="0"/>
-          <c:showVal val="0"/>
-          <c:showCatName val="0"/>
-          <c:showSerName val="0"/>
-          <c:showPercent val="0"/>
-          <c:showBubbleSize val="0"/>
-        </c:dLbls>
-        <c:gapWidth val="0"/>
-        <c:axId val="840044448"/>
-        <c:axId val="1176036400"/>
-      </c:barChart>
-      <c:catAx>
-        <c:axId val="840044448"/>
-        <c:scaling>
-          <c:orientation val="minMax"/>
-        </c:scaling>
-        <c:delete val="0"/>
-        <c:axPos val="b"/>
-        <c:title>
-          <c:tx>
-            <c:rich>
+              <a:ln>
+                <a:noFill/>
+              </a:ln>
+              <a:effectLst/>
+            </c:spPr>
+            <c:txPr>
               <a:bodyPr rot="0" spcFirstLastPara="1" vertOverflow="ellipsis" vert="horz" wrap="square" anchor="ctr" anchorCtr="1"/>
               <a:lstStyle/>
               <a:p>
                 <a:pPr>
-                  <a:defRPr sz="2800" b="0" i="0" u="none" strike="noStrike" kern="1200" baseline="0">
+                  <a:defRPr sz="2800" b="1" i="0" u="none" strike="noStrike" kern="1200" baseline="0">
                     <a:solidFill>
                       <a:schemeClr val="tx1"/>
                     </a:solidFill>
@@ -412,89 +3018,493 @@
                     <a:cs typeface="+mn-cs"/>
                   </a:defRPr>
                 </a:pPr>
-                <a:r>
-                  <a:rPr lang="en-US"/>
-                  <a:t>Participants (Ordered)</a:t>
-                </a:r>
+                <a:endParaRPr lang="en-US"/>
               </a:p>
-            </c:rich>
-          </c:tx>
-          <c:overlay val="0"/>
-          <c:spPr>
-            <a:noFill/>
-            <a:ln>
-              <a:noFill/>
-            </a:ln>
-            <a:effectLst/>
-          </c:spPr>
-          <c:txPr>
-            <a:bodyPr rot="0" spcFirstLastPara="1" vertOverflow="ellipsis" vert="horz" wrap="square" anchor="ctr" anchorCtr="1"/>
-            <a:lstStyle/>
-            <a:p>
-              <a:pPr>
-                <a:defRPr sz="2800" b="0" i="0" u="none" strike="noStrike" kern="1200" baseline="0">
-                  <a:solidFill>
-                    <a:schemeClr val="tx1"/>
-                  </a:solidFill>
-                  <a:latin typeface="+mn-lt"/>
-                  <a:ea typeface="+mn-ea"/>
-                  <a:cs typeface="+mn-cs"/>
-                </a:defRPr>
-              </a:pPr>
-              <a:endParaRPr lang="en-US"/>
-            </a:p>
-          </c:txPr>
-        </c:title>
+            </c:txPr>
+            <c:dLblPos val="outEnd"/>
+            <c:showLegendKey val="0"/>
+            <c:showVal val="0"/>
+            <c:showCatName val="0"/>
+            <c:showSerName val="0"/>
+            <c:showPercent val="0"/>
+            <c:showBubbleSize val="0"/>
+            <c:showLeaderLines val="0"/>
+            <c:extLst>
+              <c:ext xmlns:c15="http://schemas.microsoft.com/office/drawing/2012/chart" uri="{CE6537A1-D6FC-4f65-9D91-7224C49458BB}">
+                <c15:showDataLabelsRange val="1"/>
+                <c15:showLeaderLines val="1"/>
+                <c15:leaderLines>
+                  <c:spPr>
+                    <a:ln w="9525" cap="flat" cmpd="sng" algn="ctr">
+                      <a:solidFill>
+                        <a:schemeClr val="tx1">
+                          <a:lumMod val="35000"/>
+                          <a:lumOff val="65000"/>
+                        </a:schemeClr>
+                      </a:solidFill>
+                      <a:round/>
+                    </a:ln>
+                    <a:effectLst/>
+                  </c:spPr>
+                </c15:leaderLines>
+              </c:ext>
+            </c:extLst>
+          </c:dLbls>
+          <c:cat>
+            <c:strRef>
+              <c:f>Performance!$B$52:$B$103</c:f>
+              <c:strCache>
+                <c:ptCount val="52"/>
+                <c:pt idx="0">
+                  <c:v>Duplo</c:v>
+                </c:pt>
+                <c:pt idx="1">
+                  <c:v>Duplo</c:v>
+                </c:pt>
+                <c:pt idx="2">
+                  <c:v>Duplo</c:v>
+                </c:pt>
+                <c:pt idx="3">
+                  <c:v>Duplo</c:v>
+                </c:pt>
+                <c:pt idx="4">
+                  <c:v>ROY</c:v>
+                </c:pt>
+                <c:pt idx="5">
+                  <c:v>Duplo</c:v>
+                </c:pt>
+                <c:pt idx="6">
+                  <c:v>Duplo</c:v>
+                </c:pt>
+                <c:pt idx="7">
+                  <c:v>Duplo</c:v>
+                </c:pt>
+                <c:pt idx="8">
+                  <c:v>Duplo</c:v>
+                </c:pt>
+                <c:pt idx="9">
+                  <c:v>Duplo</c:v>
+                </c:pt>
+                <c:pt idx="10">
+                  <c:v>Duplo</c:v>
+                </c:pt>
+                <c:pt idx="11">
+                  <c:v>Duplo</c:v>
+                </c:pt>
+                <c:pt idx="12">
+                  <c:v>Duplo</c:v>
+                </c:pt>
+                <c:pt idx="13">
+                  <c:v>ROY</c:v>
+                </c:pt>
+                <c:pt idx="14">
+                  <c:v>Duplo</c:v>
+                </c:pt>
+                <c:pt idx="15">
+                  <c:v>Duplo</c:v>
+                </c:pt>
+                <c:pt idx="16">
+                  <c:v>Duplo</c:v>
+                </c:pt>
+                <c:pt idx="17">
+                  <c:v>ROY</c:v>
+                </c:pt>
+                <c:pt idx="18">
+                  <c:v>Duplo</c:v>
+                </c:pt>
+                <c:pt idx="19">
+                  <c:v>ROY</c:v>
+                </c:pt>
+                <c:pt idx="20">
+                  <c:v>ROY</c:v>
+                </c:pt>
+                <c:pt idx="21">
+                  <c:v>Duplo</c:v>
+                </c:pt>
+                <c:pt idx="22">
+                  <c:v>ROY</c:v>
+                </c:pt>
+                <c:pt idx="23">
+                  <c:v>Duplo</c:v>
+                </c:pt>
+                <c:pt idx="24">
+                  <c:v>ROY</c:v>
+                </c:pt>
+                <c:pt idx="25">
+                  <c:v>ROY</c:v>
+                </c:pt>
+                <c:pt idx="26">
+                  <c:v>ROY</c:v>
+                </c:pt>
+                <c:pt idx="27">
+                  <c:v>ROY</c:v>
+                </c:pt>
+                <c:pt idx="28">
+                  <c:v>Duplo</c:v>
+                </c:pt>
+                <c:pt idx="29">
+                  <c:v>ROY</c:v>
+                </c:pt>
+                <c:pt idx="30">
+                  <c:v>Duplo</c:v>
+                </c:pt>
+                <c:pt idx="31">
+                  <c:v>Duplo</c:v>
+                </c:pt>
+                <c:pt idx="32">
+                  <c:v>ROY</c:v>
+                </c:pt>
+                <c:pt idx="33">
+                  <c:v>Duplo</c:v>
+                </c:pt>
+                <c:pt idx="34">
+                  <c:v>Duplo</c:v>
+                </c:pt>
+                <c:pt idx="35">
+                  <c:v>Duplo</c:v>
+                </c:pt>
+                <c:pt idx="36">
+                  <c:v>ROY</c:v>
+                </c:pt>
+                <c:pt idx="37">
+                  <c:v>ROY</c:v>
+                </c:pt>
+                <c:pt idx="38">
+                  <c:v>ROY</c:v>
+                </c:pt>
+                <c:pt idx="39">
+                  <c:v>ROY</c:v>
+                </c:pt>
+                <c:pt idx="40">
+                  <c:v>ROY</c:v>
+                </c:pt>
+                <c:pt idx="41">
+                  <c:v>ROY</c:v>
+                </c:pt>
+                <c:pt idx="42">
+                  <c:v>ROY</c:v>
+                </c:pt>
+                <c:pt idx="43">
+                  <c:v>ROY</c:v>
+                </c:pt>
+                <c:pt idx="44">
+                  <c:v>ROY</c:v>
+                </c:pt>
+                <c:pt idx="45">
+                  <c:v>Duplo</c:v>
+                </c:pt>
+                <c:pt idx="46">
+                  <c:v>Duplo</c:v>
+                </c:pt>
+                <c:pt idx="47">
+                  <c:v>ROY</c:v>
+                </c:pt>
+                <c:pt idx="48">
+                  <c:v>ROY</c:v>
+                </c:pt>
+                <c:pt idx="49">
+                  <c:v>ROY</c:v>
+                </c:pt>
+                <c:pt idx="50">
+                  <c:v>ROY</c:v>
+                </c:pt>
+                <c:pt idx="51">
+                  <c:v>ROY</c:v>
+                </c:pt>
+              </c:strCache>
+            </c:strRef>
+          </c:cat>
+          <c:val>
+            <c:numRef>
+              <c:f>Performance!$C$52:$C$103</c:f>
+              <c:numCache>
+                <c:formatCode>General</c:formatCode>
+                <c:ptCount val="52"/>
+                <c:pt idx="0">
+                  <c:v>28.00000000000006</c:v>
+                </c:pt>
+                <c:pt idx="1">
+                  <c:v>31.00000000000005</c:v>
+                </c:pt>
+                <c:pt idx="2">
+                  <c:v>32.000000000000043</c:v>
+                </c:pt>
+                <c:pt idx="3">
+                  <c:v>34.000000000000043</c:v>
+                </c:pt>
+                <c:pt idx="4">
+                  <c:v>34.999999999999957</c:v>
+                </c:pt>
+                <c:pt idx="5">
+                  <c:v>36.000000000000028</c:v>
+                </c:pt>
+                <c:pt idx="6">
+                  <c:v>42.000000000000014</c:v>
+                </c:pt>
+                <c:pt idx="7">
+                  <c:v>43.000000000000007</c:v>
+                </c:pt>
+                <c:pt idx="8">
+                  <c:v>47.999999999999986</c:v>
+                </c:pt>
+                <c:pt idx="9">
+                  <c:v>47.999999999999986</c:v>
+                </c:pt>
+                <c:pt idx="10">
+                  <c:v>48.999999999999986</c:v>
+                </c:pt>
+                <c:pt idx="11">
+                  <c:v>52.999999999999972</c:v>
+                </c:pt>
+                <c:pt idx="12">
+                  <c:v>54.999999999999964</c:v>
+                </c:pt>
+                <c:pt idx="13">
+                  <c:v>57.000000000000036</c:v>
+                </c:pt>
+                <c:pt idx="14">
+                  <c:v>61.000000000000099</c:v>
+                </c:pt>
+                <c:pt idx="15">
+                  <c:v>66</c:v>
+                </c:pt>
+                <c:pt idx="16">
+                  <c:v>69.999999999999986</c:v>
+                </c:pt>
+                <c:pt idx="17">
+                  <c:v>70.000000000000071</c:v>
+                </c:pt>
+                <c:pt idx="18">
+                  <c:v>74.000000000000057</c:v>
+                </c:pt>
+                <c:pt idx="19">
+                  <c:v>74.000000000000057</c:v>
+                </c:pt>
+                <c:pt idx="20">
+                  <c:v>74.999999999999972</c:v>
+                </c:pt>
+                <c:pt idx="21">
+                  <c:v>78.000000000000043</c:v>
+                </c:pt>
+                <c:pt idx="22">
+                  <c:v>81.000000000000028</c:v>
+                </c:pt>
+                <c:pt idx="23">
+                  <c:v>84.999999999999943</c:v>
+                </c:pt>
+                <c:pt idx="24">
+                  <c:v>86.000000000000014</c:v>
+                </c:pt>
+                <c:pt idx="25">
+                  <c:v>87.000000000000014</c:v>
+                </c:pt>
+                <c:pt idx="26">
+                  <c:v>89</c:v>
+                </c:pt>
+                <c:pt idx="27">
+                  <c:v>89</c:v>
+                </c:pt>
+                <c:pt idx="28">
+                  <c:v>92</c:v>
+                </c:pt>
+                <c:pt idx="29">
+                  <c:v>92.000000000000071</c:v>
+                </c:pt>
+                <c:pt idx="30">
+                  <c:v>93.999999999999986</c:v>
+                </c:pt>
+                <c:pt idx="31">
+                  <c:v>96.999999999999972</c:v>
+                </c:pt>
+                <c:pt idx="32">
+                  <c:v>104.99999999999994</c:v>
+                </c:pt>
+                <c:pt idx="33">
+                  <c:v>104.99999999999994</c:v>
+                </c:pt>
+                <c:pt idx="34">
+                  <c:v>104.99999999999994</c:v>
+                </c:pt>
+                <c:pt idx="35">
+                  <c:v>104.99999999999994</c:v>
+                </c:pt>
+                <c:pt idx="36">
+                  <c:v>104.99999999999994</c:v>
+                </c:pt>
+                <c:pt idx="37">
+                  <c:v>104.99999999999994</c:v>
+                </c:pt>
+                <c:pt idx="38">
+                  <c:v>104.99999999999994</c:v>
+                </c:pt>
+                <c:pt idx="39">
+                  <c:v>104.99999999999994</c:v>
+                </c:pt>
+                <c:pt idx="40">
+                  <c:v>104.99999999999994</c:v>
+                </c:pt>
+                <c:pt idx="41">
+                  <c:v>104.99999999999994</c:v>
+                </c:pt>
+                <c:pt idx="42">
+                  <c:v>104.99999999999994</c:v>
+                </c:pt>
+                <c:pt idx="43">
+                  <c:v>105.00000000000003</c:v>
+                </c:pt>
+                <c:pt idx="44">
+                  <c:v>105.00000000000003</c:v>
+                </c:pt>
+                <c:pt idx="45">
+                  <c:v>105.00000000000011</c:v>
+                </c:pt>
+                <c:pt idx="46">
+                  <c:v>105.00000000000011</c:v>
+                </c:pt>
+                <c:pt idx="47">
+                  <c:v>105.00000000000011</c:v>
+                </c:pt>
+                <c:pt idx="48">
+                  <c:v>105.00000000000011</c:v>
+                </c:pt>
+                <c:pt idx="49">
+                  <c:v>105.00000000000011</c:v>
+                </c:pt>
+                <c:pt idx="50">
+                  <c:v>105.00000000000011</c:v>
+                </c:pt>
+                <c:pt idx="51">
+                  <c:v>105.00000000000011</c:v>
+                </c:pt>
+              </c:numCache>
+            </c:numRef>
+          </c:val>
+          <c:extLst>
+            <c:ext xmlns:c15="http://schemas.microsoft.com/office/drawing/2012/chart" uri="{02D57815-91ED-43cb-92C2-25804820EDAC}">
+              <c15:datalabelsRange>
+                <c15:f>Performance!$D$52:$D$103</c15:f>
+                <c15:dlblRangeCache>
+                  <c:ptCount val="52"/>
+                  <c:pt idx="33">
+                    <c:v>●</c:v>
+                  </c:pt>
+                  <c:pt idx="34">
+                    <c:v>●</c:v>
+                  </c:pt>
+                  <c:pt idx="35">
+                    <c:v>●</c:v>
+                  </c:pt>
+                  <c:pt idx="36">
+                    <c:v>●</c:v>
+                  </c:pt>
+                  <c:pt idx="37">
+                    <c:v>●</c:v>
+                  </c:pt>
+                  <c:pt idx="38">
+                    <c:v>●</c:v>
+                  </c:pt>
+                  <c:pt idx="39">
+                    <c:v>●</c:v>
+                  </c:pt>
+                  <c:pt idx="40">
+                    <c:v>●</c:v>
+                  </c:pt>
+                  <c:pt idx="41">
+                    <c:v>●</c:v>
+                  </c:pt>
+                  <c:pt idx="42">
+                    <c:v>●</c:v>
+                  </c:pt>
+                  <c:pt idx="43">
+                    <c:v>●</c:v>
+                  </c:pt>
+                  <c:pt idx="44">
+                    <c:v>●</c:v>
+                  </c:pt>
+                  <c:pt idx="45">
+                    <c:v>●</c:v>
+                  </c:pt>
+                  <c:pt idx="46">
+                    <c:v>●</c:v>
+                  </c:pt>
+                  <c:pt idx="47">
+                    <c:v>●</c:v>
+                  </c:pt>
+                  <c:pt idx="48">
+                    <c:v>●</c:v>
+                  </c:pt>
+                  <c:pt idx="49">
+                    <c:v>●</c:v>
+                  </c:pt>
+                  <c:pt idx="50">
+                    <c:v>●</c:v>
+                  </c:pt>
+                  <c:pt idx="51">
+                    <c:v>●</c:v>
+                  </c:pt>
+                </c15:dlblRangeCache>
+              </c15:datalabelsRange>
+            </c:ext>
+            <c:ext xmlns:c16="http://schemas.microsoft.com/office/drawing/2014/chart" uri="{C3380CC4-5D6E-409C-BE32-E72D297353CC}">
+              <c16:uniqueId val="{0000004F-8D67-4BF9-9F00-7C369C0065BF}"/>
+            </c:ext>
+          </c:extLst>
+        </c:ser>
+        <c:dLbls>
+          <c:dLblPos val="ctr"/>
+          <c:showLegendKey val="0"/>
+          <c:showVal val="1"/>
+          <c:showCatName val="0"/>
+          <c:showSerName val="0"/>
+          <c:showPercent val="0"/>
+          <c:showBubbleSize val="0"/>
+        </c:dLbls>
+        <c:gapWidth val="15"/>
+        <c:overlap val="-20"/>
+        <c:axId val="781375232"/>
+        <c:axId val="552598528"/>
+      </c:barChart>
+      <c:catAx>
+        <c:axId val="781375232"/>
+        <c:scaling>
+          <c:orientation val="minMax"/>
+        </c:scaling>
+        <c:delete val="1"/>
+        <c:axPos val="b"/>
         <c:numFmt formatCode="General" sourceLinked="1"/>
         <c:majorTickMark val="out"/>
         <c:minorTickMark val="none"/>
         <c:tickLblPos val="nextTo"/>
-        <c:spPr>
-          <a:noFill/>
-          <a:ln w="9525" cap="flat" cmpd="sng" algn="ctr">
-            <a:solidFill>
-              <a:schemeClr val="tx1">
-                <a:lumMod val="15000"/>
-                <a:lumOff val="85000"/>
-              </a:schemeClr>
-            </a:solidFill>
-            <a:round/>
-          </a:ln>
-          <a:effectLst/>
-        </c:spPr>
-        <c:txPr>
-          <a:bodyPr rot="0" spcFirstLastPara="1" vertOverflow="ellipsis" wrap="square" anchor="ctr" anchorCtr="1"/>
-          <a:lstStyle/>
-          <a:p>
-            <a:pPr>
-              <a:defRPr sz="2400" b="0" i="0" u="none" strike="noStrike" kern="1200" baseline="0">
-                <a:solidFill>
-                  <a:schemeClr val="tx1"/>
-                </a:solidFill>
-                <a:latin typeface="+mn-lt"/>
-                <a:ea typeface="+mn-ea"/>
-                <a:cs typeface="+mn-cs"/>
-              </a:defRPr>
-            </a:pPr>
-            <a:endParaRPr lang="en-US"/>
-          </a:p>
-        </c:txPr>
-        <c:crossAx val="1176036400"/>
+        <c:crossAx val="552598528"/>
         <c:crosses val="autoZero"/>
         <c:auto val="1"/>
         <c:lblAlgn val="ctr"/>
-        <c:lblOffset val="0"/>
+        <c:lblOffset val="100"/>
         <c:noMultiLvlLbl val="0"/>
       </c:catAx>
       <c:valAx>
-        <c:axId val="1176036400"/>
+        <c:axId val="552598528"/>
         <c:scaling>
           <c:orientation val="minMax"/>
-          <c:max val="105"/>
+          <c:max val="110"/>
           <c:min val="0"/>
         </c:scaling>
         <c:delete val="0"/>
         <c:axPos val="l"/>
+        <c:majorGridlines>
+          <c:spPr>
+            <a:ln w="9525" cap="flat" cmpd="sng" algn="ctr">
+              <a:solidFill>
+                <a:schemeClr val="tx1">
+                  <a:lumMod val="15000"/>
+                  <a:lumOff val="85000"/>
+                </a:schemeClr>
+              </a:solidFill>
+              <a:round/>
+            </a:ln>
+            <a:effectLst/>
+          </c:spPr>
+        </c:majorGridlines>
         <c:title>
           <c:tx>
             <c:rich>
@@ -544,7 +3554,7 @@
             </a:p>
           </c:txPr>
         </c:title>
-        <c:numFmt formatCode="0" sourceLinked="1"/>
+        <c:numFmt formatCode="General" sourceLinked="1"/>
         <c:majorTickMark val="none"/>
         <c:minorTickMark val="none"/>
         <c:tickLblPos val="nextTo"/>
@@ -572,11 +3582,10 @@
             <a:endParaRPr lang="en-US"/>
           </a:p>
         </c:txPr>
-        <c:crossAx val="840044448"/>
+        <c:crossAx val="781375232"/>
         <c:crosses val="autoZero"/>
         <c:crossBetween val="between"/>
-        <c:majorUnit val="35"/>
-        <c:minorUnit val="5"/>
+        <c:majorUnit val="25"/>
       </c:valAx>
       <c:spPr>
         <a:solidFill>
@@ -590,34 +3599,6 @@
         <a:effectLst/>
       </c:spPr>
     </c:plotArea>
-    <c:legend>
-      <c:legendPos val="t"/>
-      <c:overlay val="0"/>
-      <c:spPr>
-        <a:noFill/>
-        <a:ln>
-          <a:noFill/>
-        </a:ln>
-        <a:effectLst/>
-      </c:spPr>
-      <c:txPr>
-        <a:bodyPr rot="0" spcFirstLastPara="1" vertOverflow="ellipsis" vert="horz" wrap="square" anchor="ctr" anchorCtr="1"/>
-        <a:lstStyle/>
-        <a:p>
-          <a:pPr>
-            <a:defRPr sz="2800" b="0" i="0" u="none" strike="noStrike" kern="1200" baseline="0">
-              <a:solidFill>
-                <a:schemeClr val="tx1"/>
-              </a:solidFill>
-              <a:latin typeface="+mn-lt"/>
-              <a:ea typeface="+mn-ea"/>
-              <a:cs typeface="+mn-cs"/>
-            </a:defRPr>
-          </a:pPr>
-          <a:endParaRPr lang="en-US"/>
-        </a:p>
-      </c:txPr>
-    </c:legend>
     <c:plotVisOnly val="1"/>
     <c:dispBlanksAs val="gap"/>
     <c:showDLblsOverMax val="0"/>
@@ -1221,15 +4202,15 @@
         </p:nvSpPr>
         <p:spPr>
           <a:xfrm>
-            <a:off x="1428750" y="523770"/>
-            <a:ext cx="8572500" cy="1114213"/>
+            <a:off x="1428750" y="448945"/>
+            <a:ext cx="8572500" cy="955040"/>
           </a:xfrm>
         </p:spPr>
         <p:txBody>
           <a:bodyPr anchor="b"/>
           <a:lstStyle>
             <a:lvl1pPr algn="ctr">
-              <a:defRPr sz="2800"/>
+              <a:defRPr sz="2400"/>
             </a:lvl1pPr>
           </a:lstStyle>
           <a:p>
@@ -1253,8 +4234,8 @@
         </p:nvSpPr>
         <p:spPr>
           <a:xfrm>
-            <a:off x="1428750" y="1680951"/>
-            <a:ext cx="8572500" cy="772689"/>
+            <a:off x="1428750" y="1440815"/>
+            <a:ext cx="8572500" cy="662305"/>
           </a:xfrm>
         </p:spPr>
         <p:txBody>
@@ -1262,39 +4243,39 @@
           <a:lstStyle>
             <a:lvl1pPr marL="0" indent="0" algn="ctr">
               <a:buNone/>
-              <a:defRPr sz="1120"/>
+              <a:defRPr sz="960"/>
             </a:lvl1pPr>
-            <a:lvl2pPr marL="213375" indent="0" algn="ctr">
+            <a:lvl2pPr marL="182880" indent="0" algn="ctr">
               <a:buNone/>
-              <a:defRPr sz="933"/>
+              <a:defRPr sz="800"/>
             </a:lvl2pPr>
-            <a:lvl3pPr marL="426750" indent="0" algn="ctr">
+            <a:lvl3pPr marL="365760" indent="0" algn="ctr">
               <a:buNone/>
-              <a:defRPr sz="840"/>
+              <a:defRPr sz="720"/>
             </a:lvl3pPr>
-            <a:lvl4pPr marL="640126" indent="0" algn="ctr">
+            <a:lvl4pPr marL="548640" indent="0" algn="ctr">
               <a:buNone/>
-              <a:defRPr sz="747"/>
+              <a:defRPr sz="640"/>
             </a:lvl4pPr>
-            <a:lvl5pPr marL="853501" indent="0" algn="ctr">
+            <a:lvl5pPr marL="731520" indent="0" algn="ctr">
               <a:buNone/>
-              <a:defRPr sz="747"/>
+              <a:defRPr sz="640"/>
             </a:lvl5pPr>
-            <a:lvl6pPr marL="1066876" indent="0" algn="ctr">
+            <a:lvl6pPr marL="914400" indent="0" algn="ctr">
               <a:buNone/>
-              <a:defRPr sz="747"/>
+              <a:defRPr sz="640"/>
             </a:lvl6pPr>
-            <a:lvl7pPr marL="1280251" indent="0" algn="ctr">
+            <a:lvl7pPr marL="1097280" indent="0" algn="ctr">
               <a:buNone/>
-              <a:defRPr sz="747"/>
+              <a:defRPr sz="640"/>
             </a:lvl7pPr>
-            <a:lvl8pPr marL="1493627" indent="0" algn="ctr">
+            <a:lvl8pPr marL="1280160" indent="0" algn="ctr">
               <a:buNone/>
-              <a:defRPr sz="747"/>
+              <a:defRPr sz="640"/>
             </a:lvl8pPr>
-            <a:lvl9pPr marL="1707002" indent="0" algn="ctr">
+            <a:lvl9pPr marL="1463040" indent="0" algn="ctr">
               <a:buNone/>
-              <a:defRPr sz="747"/>
+              <a:defRPr sz="640"/>
             </a:lvl9pPr>
           </a:lstStyle>
           <a:p>
@@ -1323,7 +4304,7 @@
           <a:p>
             <a:fld id="{6BC25386-7753-4509-9C73-70CC03C1D4EB}" type="datetimeFigureOut">
               <a:rPr lang="en-US" smtClean="0"/>
-              <a:t>2/15/2023</a:t>
+              <a:t>2/21/2023</a:t>
             </a:fld>
             <a:endParaRPr lang="en-US"/>
           </a:p>
@@ -1374,7 +4355,7 @@
     </p:spTree>
     <p:extLst>
       <p:ext uri="{BB962C8B-B14F-4D97-AF65-F5344CB8AC3E}">
-        <p14:creationId xmlns:p14="http://schemas.microsoft.com/office/powerpoint/2010/main" val="3610240929"/>
+        <p14:creationId xmlns:p14="http://schemas.microsoft.com/office/powerpoint/2010/main" val="2692267232"/>
       </p:ext>
     </p:extLst>
   </p:cSld>
@@ -1493,7 +4474,7 @@
           <a:p>
             <a:fld id="{6BC25386-7753-4509-9C73-70CC03C1D4EB}" type="datetimeFigureOut">
               <a:rPr lang="en-US" smtClean="0"/>
-              <a:t>2/15/2023</a:t>
+              <a:t>2/21/2023</a:t>
             </a:fld>
             <a:endParaRPr lang="en-US"/>
           </a:p>
@@ -1544,7 +4525,7 @@
     </p:spTree>
     <p:extLst>
       <p:ext uri="{BB962C8B-B14F-4D97-AF65-F5344CB8AC3E}">
-        <p14:creationId xmlns:p14="http://schemas.microsoft.com/office/powerpoint/2010/main" val="1280893568"/>
+        <p14:creationId xmlns:p14="http://schemas.microsoft.com/office/powerpoint/2010/main" val="408151258"/>
       </p:ext>
     </p:extLst>
   </p:cSld>
@@ -1583,8 +4564,8 @@
         </p:nvSpPr>
         <p:spPr>
           <a:xfrm>
-            <a:off x="8179594" y="170392"/>
-            <a:ext cx="2464594" cy="2712191"/>
+            <a:off x="8179594" y="146050"/>
+            <a:ext cx="2464594" cy="2324735"/>
           </a:xfrm>
         </p:spPr>
         <p:txBody>
@@ -1611,8 +4592,8 @@
         </p:nvSpPr>
         <p:spPr>
           <a:xfrm>
-            <a:off x="785813" y="170392"/>
-            <a:ext cx="7250906" cy="2712191"/>
+            <a:off x="785813" y="146050"/>
+            <a:ext cx="7250906" cy="2324735"/>
           </a:xfrm>
         </p:spPr>
         <p:txBody>
@@ -1673,7 +4654,7 @@
           <a:p>
             <a:fld id="{6BC25386-7753-4509-9C73-70CC03C1D4EB}" type="datetimeFigureOut">
               <a:rPr lang="en-US" smtClean="0"/>
-              <a:t>2/15/2023</a:t>
+              <a:t>2/21/2023</a:t>
             </a:fld>
             <a:endParaRPr lang="en-US"/>
           </a:p>
@@ -1724,7 +4705,7 @@
     </p:spTree>
     <p:extLst>
       <p:ext uri="{BB962C8B-B14F-4D97-AF65-F5344CB8AC3E}">
-        <p14:creationId xmlns:p14="http://schemas.microsoft.com/office/powerpoint/2010/main" val="933684812"/>
+        <p14:creationId xmlns:p14="http://schemas.microsoft.com/office/powerpoint/2010/main" val="3704708321"/>
       </p:ext>
     </p:extLst>
   </p:cSld>
@@ -1843,7 +4824,7 @@
           <a:p>
             <a:fld id="{6BC25386-7753-4509-9C73-70CC03C1D4EB}" type="datetimeFigureOut">
               <a:rPr lang="en-US" smtClean="0"/>
-              <a:t>2/15/2023</a:t>
+              <a:t>2/21/2023</a:t>
             </a:fld>
             <a:endParaRPr lang="en-US"/>
           </a:p>
@@ -1894,7 +4875,7 @@
     </p:spTree>
     <p:extLst>
       <p:ext uri="{BB962C8B-B14F-4D97-AF65-F5344CB8AC3E}">
-        <p14:creationId xmlns:p14="http://schemas.microsoft.com/office/powerpoint/2010/main" val="1660552503"/>
+        <p14:creationId xmlns:p14="http://schemas.microsoft.com/office/powerpoint/2010/main" val="2514859683"/>
       </p:ext>
     </p:extLst>
   </p:cSld>
@@ -1933,15 +4914,15 @@
         </p:nvSpPr>
         <p:spPr>
           <a:xfrm>
-            <a:off x="779859" y="797878"/>
-            <a:ext cx="9858375" cy="1331277"/>
+            <a:off x="779859" y="683895"/>
+            <a:ext cx="9858375" cy="1141095"/>
           </a:xfrm>
         </p:spPr>
         <p:txBody>
           <a:bodyPr anchor="b"/>
           <a:lstStyle>
             <a:lvl1pPr>
-              <a:defRPr sz="2800"/>
+              <a:defRPr sz="2400"/>
             </a:lvl1pPr>
           </a:lstStyle>
           <a:p>
@@ -1965,8 +4946,8 @@
         </p:nvSpPr>
         <p:spPr>
           <a:xfrm>
-            <a:off x="779859" y="2141750"/>
-            <a:ext cx="9858375" cy="700087"/>
+            <a:off x="779859" y="1835785"/>
+            <a:ext cx="9858375" cy="600075"/>
           </a:xfrm>
         </p:spPr>
         <p:txBody>
@@ -1974,7 +4955,7 @@
           <a:lstStyle>
             <a:lvl1pPr marL="0" indent="0">
               <a:buNone/>
-              <a:defRPr sz="1120">
+              <a:defRPr sz="960">
                 <a:solidFill>
                   <a:schemeClr val="tx1">
                     <a:tint val="75000"/>
@@ -1982,9 +4963,9 @@
                 </a:solidFill>
               </a:defRPr>
             </a:lvl1pPr>
-            <a:lvl2pPr marL="213375" indent="0">
+            <a:lvl2pPr marL="182880" indent="0">
               <a:buNone/>
-              <a:defRPr sz="933">
+              <a:defRPr sz="800">
                 <a:solidFill>
                   <a:schemeClr val="tx1">
                     <a:tint val="75000"/>
@@ -1992,9 +4973,9 @@
                 </a:solidFill>
               </a:defRPr>
             </a:lvl2pPr>
-            <a:lvl3pPr marL="426750" indent="0">
+            <a:lvl3pPr marL="365760" indent="0">
               <a:buNone/>
-              <a:defRPr sz="840">
+              <a:defRPr sz="720">
                 <a:solidFill>
                   <a:schemeClr val="tx1">
                     <a:tint val="75000"/>
@@ -2002,9 +4983,9 @@
                 </a:solidFill>
               </a:defRPr>
             </a:lvl3pPr>
-            <a:lvl4pPr marL="640126" indent="0">
+            <a:lvl4pPr marL="548640" indent="0">
               <a:buNone/>
-              <a:defRPr sz="747">
+              <a:defRPr sz="640">
                 <a:solidFill>
                   <a:schemeClr val="tx1">
                     <a:tint val="75000"/>
@@ -2012,9 +4993,9 @@
                 </a:solidFill>
               </a:defRPr>
             </a:lvl4pPr>
-            <a:lvl5pPr marL="853501" indent="0">
+            <a:lvl5pPr marL="731520" indent="0">
               <a:buNone/>
-              <a:defRPr sz="747">
+              <a:defRPr sz="640">
                 <a:solidFill>
                   <a:schemeClr val="tx1">
                     <a:tint val="75000"/>
@@ -2022,9 +5003,9 @@
                 </a:solidFill>
               </a:defRPr>
             </a:lvl5pPr>
-            <a:lvl6pPr marL="1066876" indent="0">
+            <a:lvl6pPr marL="914400" indent="0">
               <a:buNone/>
-              <a:defRPr sz="747">
+              <a:defRPr sz="640">
                 <a:solidFill>
                   <a:schemeClr val="tx1">
                     <a:tint val="75000"/>
@@ -2032,9 +5013,9 @@
                 </a:solidFill>
               </a:defRPr>
             </a:lvl6pPr>
-            <a:lvl7pPr marL="1280251" indent="0">
+            <a:lvl7pPr marL="1097280" indent="0">
               <a:buNone/>
-              <a:defRPr sz="747">
+              <a:defRPr sz="640">
                 <a:solidFill>
                   <a:schemeClr val="tx1">
                     <a:tint val="75000"/>
@@ -2042,9 +5023,9 @@
                 </a:solidFill>
               </a:defRPr>
             </a:lvl7pPr>
-            <a:lvl8pPr marL="1493627" indent="0">
+            <a:lvl8pPr marL="1280160" indent="0">
               <a:buNone/>
-              <a:defRPr sz="747">
+              <a:defRPr sz="640">
                 <a:solidFill>
                   <a:schemeClr val="tx1">
                     <a:tint val="75000"/>
@@ -2052,9 +5033,9 @@
                 </a:solidFill>
               </a:defRPr>
             </a:lvl8pPr>
-            <a:lvl9pPr marL="1707002" indent="0">
+            <a:lvl9pPr marL="1463040" indent="0">
               <a:buNone/>
-              <a:defRPr sz="747">
+              <a:defRPr sz="640">
                 <a:solidFill>
                   <a:schemeClr val="tx1">
                     <a:tint val="75000"/>
@@ -2089,7 +5070,7 @@
           <a:p>
             <a:fld id="{6BC25386-7753-4509-9C73-70CC03C1D4EB}" type="datetimeFigureOut">
               <a:rPr lang="en-US" smtClean="0"/>
-              <a:t>2/15/2023</a:t>
+              <a:t>2/21/2023</a:t>
             </a:fld>
             <a:endParaRPr lang="en-US"/>
           </a:p>
@@ -2140,7 +5121,7 @@
     </p:spTree>
     <p:extLst>
       <p:ext uri="{BB962C8B-B14F-4D97-AF65-F5344CB8AC3E}">
-        <p14:creationId xmlns:p14="http://schemas.microsoft.com/office/powerpoint/2010/main" val="2656880857"/>
+        <p14:creationId xmlns:p14="http://schemas.microsoft.com/office/powerpoint/2010/main" val="2772342648"/>
       </p:ext>
     </p:extLst>
   </p:cSld>
@@ -2202,8 +5183,8 @@
         </p:nvSpPr>
         <p:spPr>
           <a:xfrm>
-            <a:off x="785813" y="851959"/>
-            <a:ext cx="4857750" cy="2030624"/>
+            <a:off x="785813" y="730250"/>
+            <a:ext cx="4857750" cy="1740535"/>
           </a:xfrm>
         </p:spPr>
         <p:txBody>
@@ -2259,8 +5240,8 @@
         </p:nvSpPr>
         <p:spPr>
           <a:xfrm>
-            <a:off x="5786438" y="851959"/>
-            <a:ext cx="4857750" cy="2030624"/>
+            <a:off x="5786438" y="730250"/>
+            <a:ext cx="4857750" cy="1740535"/>
           </a:xfrm>
         </p:spPr>
         <p:txBody>
@@ -2321,7 +5302,7 @@
           <a:p>
             <a:fld id="{6BC25386-7753-4509-9C73-70CC03C1D4EB}" type="datetimeFigureOut">
               <a:rPr lang="en-US" smtClean="0"/>
-              <a:t>2/15/2023</a:t>
+              <a:t>2/21/2023</a:t>
             </a:fld>
             <a:endParaRPr lang="en-US"/>
           </a:p>
@@ -2372,7 +5353,7 @@
     </p:spTree>
     <p:extLst>
       <p:ext uri="{BB962C8B-B14F-4D97-AF65-F5344CB8AC3E}">
-        <p14:creationId xmlns:p14="http://schemas.microsoft.com/office/powerpoint/2010/main" val="1712180308"/>
+        <p14:creationId xmlns:p14="http://schemas.microsoft.com/office/powerpoint/2010/main" val="3425710579"/>
       </p:ext>
     </p:extLst>
   </p:cSld>
@@ -2411,8 +5392,8 @@
         </p:nvSpPr>
         <p:spPr>
           <a:xfrm>
-            <a:off x="787301" y="170392"/>
-            <a:ext cx="9858375" cy="618596"/>
+            <a:off x="787301" y="146050"/>
+            <a:ext cx="9858375" cy="530225"/>
           </a:xfrm>
         </p:spPr>
         <p:txBody>
@@ -2439,8 +5420,8 @@
         </p:nvSpPr>
         <p:spPr>
           <a:xfrm>
-            <a:off x="787302" y="784543"/>
-            <a:ext cx="4835425" cy="384492"/>
+            <a:off x="787302" y="672465"/>
+            <a:ext cx="4835425" cy="329565"/>
           </a:xfrm>
         </p:spPr>
         <p:txBody>
@@ -2448,39 +5429,39 @@
           <a:lstStyle>
             <a:lvl1pPr marL="0" indent="0">
               <a:buNone/>
-              <a:defRPr sz="1120" b="1"/>
+              <a:defRPr sz="960" b="1"/>
             </a:lvl1pPr>
-            <a:lvl2pPr marL="213375" indent="0">
+            <a:lvl2pPr marL="182880" indent="0">
               <a:buNone/>
-              <a:defRPr sz="933" b="1"/>
+              <a:defRPr sz="800" b="1"/>
             </a:lvl2pPr>
-            <a:lvl3pPr marL="426750" indent="0">
+            <a:lvl3pPr marL="365760" indent="0">
               <a:buNone/>
-              <a:defRPr sz="840" b="1"/>
+              <a:defRPr sz="720" b="1"/>
             </a:lvl3pPr>
-            <a:lvl4pPr marL="640126" indent="0">
+            <a:lvl4pPr marL="548640" indent="0">
               <a:buNone/>
-              <a:defRPr sz="747" b="1"/>
+              <a:defRPr sz="640" b="1"/>
             </a:lvl4pPr>
-            <a:lvl5pPr marL="853501" indent="0">
+            <a:lvl5pPr marL="731520" indent="0">
               <a:buNone/>
-              <a:defRPr sz="747" b="1"/>
+              <a:defRPr sz="640" b="1"/>
             </a:lvl5pPr>
-            <a:lvl6pPr marL="1066876" indent="0">
+            <a:lvl6pPr marL="914400" indent="0">
               <a:buNone/>
-              <a:defRPr sz="747" b="1"/>
+              <a:defRPr sz="640" b="1"/>
             </a:lvl6pPr>
-            <a:lvl7pPr marL="1280251" indent="0">
+            <a:lvl7pPr marL="1097280" indent="0">
               <a:buNone/>
-              <a:defRPr sz="747" b="1"/>
+              <a:defRPr sz="640" b="1"/>
             </a:lvl7pPr>
-            <a:lvl8pPr marL="1493627" indent="0">
+            <a:lvl8pPr marL="1280160" indent="0">
               <a:buNone/>
-              <a:defRPr sz="747" b="1"/>
+              <a:defRPr sz="640" b="1"/>
             </a:lvl8pPr>
-            <a:lvl9pPr marL="1707002" indent="0">
+            <a:lvl9pPr marL="1463040" indent="0">
               <a:buNone/>
-              <a:defRPr sz="747" b="1"/>
+              <a:defRPr sz="640" b="1"/>
             </a:lvl9pPr>
           </a:lstStyle>
           <a:p>
@@ -2504,8 +5485,8 @@
         </p:nvSpPr>
         <p:spPr>
           <a:xfrm>
-            <a:off x="787302" y="1169035"/>
-            <a:ext cx="4835425" cy="1719474"/>
+            <a:off x="787302" y="1002030"/>
+            <a:ext cx="4835425" cy="1473835"/>
           </a:xfrm>
         </p:spPr>
         <p:txBody>
@@ -2561,8 +5542,8 @@
         </p:nvSpPr>
         <p:spPr>
           <a:xfrm>
-            <a:off x="5786437" y="784543"/>
-            <a:ext cx="4859239" cy="384492"/>
+            <a:off x="5786437" y="672465"/>
+            <a:ext cx="4859239" cy="329565"/>
           </a:xfrm>
         </p:spPr>
         <p:txBody>
@@ -2570,39 +5551,39 @@
           <a:lstStyle>
             <a:lvl1pPr marL="0" indent="0">
               <a:buNone/>
-              <a:defRPr sz="1120" b="1"/>
+              <a:defRPr sz="960" b="1"/>
             </a:lvl1pPr>
-            <a:lvl2pPr marL="213375" indent="0">
+            <a:lvl2pPr marL="182880" indent="0">
               <a:buNone/>
-              <a:defRPr sz="933" b="1"/>
+              <a:defRPr sz="800" b="1"/>
             </a:lvl2pPr>
-            <a:lvl3pPr marL="426750" indent="0">
+            <a:lvl3pPr marL="365760" indent="0">
               <a:buNone/>
-              <a:defRPr sz="840" b="1"/>
+              <a:defRPr sz="720" b="1"/>
             </a:lvl3pPr>
-            <a:lvl4pPr marL="640126" indent="0">
+            <a:lvl4pPr marL="548640" indent="0">
               <a:buNone/>
-              <a:defRPr sz="747" b="1"/>
+              <a:defRPr sz="640" b="1"/>
             </a:lvl4pPr>
-            <a:lvl5pPr marL="853501" indent="0">
+            <a:lvl5pPr marL="731520" indent="0">
               <a:buNone/>
-              <a:defRPr sz="747" b="1"/>
+              <a:defRPr sz="640" b="1"/>
             </a:lvl5pPr>
-            <a:lvl6pPr marL="1066876" indent="0">
+            <a:lvl6pPr marL="914400" indent="0">
               <a:buNone/>
-              <a:defRPr sz="747" b="1"/>
+              <a:defRPr sz="640" b="1"/>
             </a:lvl6pPr>
-            <a:lvl7pPr marL="1280251" indent="0">
+            <a:lvl7pPr marL="1097280" indent="0">
               <a:buNone/>
-              <a:defRPr sz="747" b="1"/>
+              <a:defRPr sz="640" b="1"/>
             </a:lvl7pPr>
-            <a:lvl8pPr marL="1493627" indent="0">
+            <a:lvl8pPr marL="1280160" indent="0">
               <a:buNone/>
-              <a:defRPr sz="747" b="1"/>
+              <a:defRPr sz="640" b="1"/>
             </a:lvl8pPr>
-            <a:lvl9pPr marL="1707002" indent="0">
+            <a:lvl9pPr marL="1463040" indent="0">
               <a:buNone/>
-              <a:defRPr sz="747" b="1"/>
+              <a:defRPr sz="640" b="1"/>
             </a:lvl9pPr>
           </a:lstStyle>
           <a:p>
@@ -2626,8 +5607,8 @@
         </p:nvSpPr>
         <p:spPr>
           <a:xfrm>
-            <a:off x="5786437" y="1169035"/>
-            <a:ext cx="4859239" cy="1719474"/>
+            <a:off x="5786437" y="1002030"/>
+            <a:ext cx="4859239" cy="1473835"/>
           </a:xfrm>
         </p:spPr>
         <p:txBody>
@@ -2688,7 +5669,7 @@
           <a:p>
             <a:fld id="{6BC25386-7753-4509-9C73-70CC03C1D4EB}" type="datetimeFigureOut">
               <a:rPr lang="en-US" smtClean="0"/>
-              <a:t>2/15/2023</a:t>
+              <a:t>2/21/2023</a:t>
             </a:fld>
             <a:endParaRPr lang="en-US"/>
           </a:p>
@@ -2739,7 +5720,7 @@
     </p:spTree>
     <p:extLst>
       <p:ext uri="{BB962C8B-B14F-4D97-AF65-F5344CB8AC3E}">
-        <p14:creationId xmlns:p14="http://schemas.microsoft.com/office/powerpoint/2010/main" val="3802340228"/>
+        <p14:creationId xmlns:p14="http://schemas.microsoft.com/office/powerpoint/2010/main" val="1627731939"/>
       </p:ext>
     </p:extLst>
   </p:cSld>
@@ -2806,7 +5787,7 @@
           <a:p>
             <a:fld id="{6BC25386-7753-4509-9C73-70CC03C1D4EB}" type="datetimeFigureOut">
               <a:rPr lang="en-US" smtClean="0"/>
-              <a:t>2/15/2023</a:t>
+              <a:t>2/21/2023</a:t>
             </a:fld>
             <a:endParaRPr lang="en-US"/>
           </a:p>
@@ -2857,7 +5838,7 @@
     </p:spTree>
     <p:extLst>
       <p:ext uri="{BB962C8B-B14F-4D97-AF65-F5344CB8AC3E}">
-        <p14:creationId xmlns:p14="http://schemas.microsoft.com/office/powerpoint/2010/main" val="3002746786"/>
+        <p14:creationId xmlns:p14="http://schemas.microsoft.com/office/powerpoint/2010/main" val="1525638360"/>
       </p:ext>
     </p:extLst>
   </p:cSld>
@@ -2901,7 +5882,7 @@
           <a:p>
             <a:fld id="{6BC25386-7753-4509-9C73-70CC03C1D4EB}" type="datetimeFigureOut">
               <a:rPr lang="en-US" smtClean="0"/>
-              <a:t>2/15/2023</a:t>
+              <a:t>2/21/2023</a:t>
             </a:fld>
             <a:endParaRPr lang="en-US"/>
           </a:p>
@@ -2952,7 +5933,7 @@
     </p:spTree>
     <p:extLst>
       <p:ext uri="{BB962C8B-B14F-4D97-AF65-F5344CB8AC3E}">
-        <p14:creationId xmlns:p14="http://schemas.microsoft.com/office/powerpoint/2010/main" val="541531007"/>
+        <p14:creationId xmlns:p14="http://schemas.microsoft.com/office/powerpoint/2010/main" val="2095362818"/>
       </p:ext>
     </p:extLst>
   </p:cSld>
@@ -2991,15 +5972,15 @@
         </p:nvSpPr>
         <p:spPr>
           <a:xfrm>
-            <a:off x="787302" y="213360"/>
-            <a:ext cx="3686472" cy="746760"/>
+            <a:off x="787302" y="182880"/>
+            <a:ext cx="3686472" cy="640080"/>
           </a:xfrm>
         </p:spPr>
         <p:txBody>
           <a:bodyPr anchor="b"/>
           <a:lstStyle>
             <a:lvl1pPr>
-              <a:defRPr sz="1493"/>
+              <a:defRPr sz="1280"/>
             </a:lvl1pPr>
           </a:lstStyle>
           <a:p>
@@ -3023,39 +6004,39 @@
         </p:nvSpPr>
         <p:spPr>
           <a:xfrm>
-            <a:off x="4859238" y="460799"/>
-            <a:ext cx="5786438" cy="2274358"/>
+            <a:off x="4859238" y="394970"/>
+            <a:ext cx="5786438" cy="1949450"/>
           </a:xfrm>
         </p:spPr>
         <p:txBody>
           <a:bodyPr/>
           <a:lstStyle>
             <a:lvl1pPr>
-              <a:defRPr sz="1493"/>
+              <a:defRPr sz="1280"/>
             </a:lvl1pPr>
             <a:lvl2pPr>
-              <a:defRPr sz="1307"/>
+              <a:defRPr sz="1120"/>
             </a:lvl2pPr>
             <a:lvl3pPr>
-              <a:defRPr sz="1120"/>
+              <a:defRPr sz="960"/>
             </a:lvl3pPr>
             <a:lvl4pPr>
-              <a:defRPr sz="933"/>
+              <a:defRPr sz="800"/>
             </a:lvl4pPr>
             <a:lvl5pPr>
-              <a:defRPr sz="933"/>
+              <a:defRPr sz="800"/>
             </a:lvl5pPr>
             <a:lvl6pPr>
-              <a:defRPr sz="933"/>
+              <a:defRPr sz="800"/>
             </a:lvl6pPr>
             <a:lvl7pPr>
-              <a:defRPr sz="933"/>
+              <a:defRPr sz="800"/>
             </a:lvl7pPr>
             <a:lvl8pPr>
-              <a:defRPr sz="933"/>
+              <a:defRPr sz="800"/>
             </a:lvl8pPr>
             <a:lvl9pPr>
-              <a:defRPr sz="933"/>
+              <a:defRPr sz="800"/>
             </a:lvl9pPr>
           </a:lstStyle>
           <a:p>
@@ -3108,8 +6089,8 @@
         </p:nvSpPr>
         <p:spPr>
           <a:xfrm>
-            <a:off x="787302" y="960120"/>
-            <a:ext cx="3686472" cy="1778741"/>
+            <a:off x="787302" y="822960"/>
+            <a:ext cx="3686472" cy="1524635"/>
           </a:xfrm>
         </p:spPr>
         <p:txBody>
@@ -3117,39 +6098,39 @@
           <a:lstStyle>
             <a:lvl1pPr marL="0" indent="0">
               <a:buNone/>
-              <a:defRPr sz="747"/>
+              <a:defRPr sz="640"/>
             </a:lvl1pPr>
-            <a:lvl2pPr marL="213375" indent="0">
-              <a:buNone/>
-              <a:defRPr sz="653"/>
-            </a:lvl2pPr>
-            <a:lvl3pPr marL="426750" indent="0">
+            <a:lvl2pPr marL="182880" indent="0">
               <a:buNone/>
               <a:defRPr sz="560"/>
+            </a:lvl2pPr>
+            <a:lvl3pPr marL="365760" indent="0">
+              <a:buNone/>
+              <a:defRPr sz="480"/>
             </a:lvl3pPr>
-            <a:lvl4pPr marL="640126" indent="0">
+            <a:lvl4pPr marL="548640" indent="0">
               <a:buNone/>
-              <a:defRPr sz="467"/>
+              <a:defRPr sz="400"/>
             </a:lvl4pPr>
-            <a:lvl5pPr marL="853501" indent="0">
+            <a:lvl5pPr marL="731520" indent="0">
               <a:buNone/>
-              <a:defRPr sz="467"/>
+              <a:defRPr sz="400"/>
             </a:lvl5pPr>
-            <a:lvl6pPr marL="1066876" indent="0">
+            <a:lvl6pPr marL="914400" indent="0">
               <a:buNone/>
-              <a:defRPr sz="467"/>
+              <a:defRPr sz="400"/>
             </a:lvl6pPr>
-            <a:lvl7pPr marL="1280251" indent="0">
+            <a:lvl7pPr marL="1097280" indent="0">
               <a:buNone/>
-              <a:defRPr sz="467"/>
+              <a:defRPr sz="400"/>
             </a:lvl7pPr>
-            <a:lvl8pPr marL="1493627" indent="0">
+            <a:lvl8pPr marL="1280160" indent="0">
               <a:buNone/>
-              <a:defRPr sz="467"/>
+              <a:defRPr sz="400"/>
             </a:lvl8pPr>
-            <a:lvl9pPr marL="1707002" indent="0">
+            <a:lvl9pPr marL="1463040" indent="0">
               <a:buNone/>
-              <a:defRPr sz="467"/>
+              <a:defRPr sz="400"/>
             </a:lvl9pPr>
           </a:lstStyle>
           <a:p>
@@ -3178,7 +6159,7 @@
           <a:p>
             <a:fld id="{6BC25386-7753-4509-9C73-70CC03C1D4EB}" type="datetimeFigureOut">
               <a:rPr lang="en-US" smtClean="0"/>
-              <a:t>2/15/2023</a:t>
+              <a:t>2/21/2023</a:t>
             </a:fld>
             <a:endParaRPr lang="en-US"/>
           </a:p>
@@ -3229,7 +6210,7 @@
     </p:spTree>
     <p:extLst>
       <p:ext uri="{BB962C8B-B14F-4D97-AF65-F5344CB8AC3E}">
-        <p14:creationId xmlns:p14="http://schemas.microsoft.com/office/powerpoint/2010/main" val="830596018"/>
+        <p14:creationId xmlns:p14="http://schemas.microsoft.com/office/powerpoint/2010/main" val="770032071"/>
       </p:ext>
     </p:extLst>
   </p:cSld>
@@ -3268,15 +6249,15 @@
         </p:nvSpPr>
         <p:spPr>
           <a:xfrm>
-            <a:off x="787302" y="213360"/>
-            <a:ext cx="3686472" cy="746760"/>
+            <a:off x="787302" y="182880"/>
+            <a:ext cx="3686472" cy="640080"/>
           </a:xfrm>
         </p:spPr>
         <p:txBody>
           <a:bodyPr anchor="b"/>
           <a:lstStyle>
             <a:lvl1pPr>
-              <a:defRPr sz="1493"/>
+              <a:defRPr sz="1280"/>
             </a:lvl1pPr>
           </a:lstStyle>
           <a:p>
@@ -3300,8 +6281,8 @@
         </p:nvSpPr>
         <p:spPr>
           <a:xfrm>
-            <a:off x="4859238" y="460799"/>
-            <a:ext cx="5786438" cy="2274358"/>
+            <a:off x="4859238" y="394970"/>
+            <a:ext cx="5786438" cy="1949450"/>
           </a:xfrm>
         </p:spPr>
         <p:txBody>
@@ -3309,39 +6290,39 @@
           <a:lstStyle>
             <a:lvl1pPr marL="0" indent="0">
               <a:buNone/>
-              <a:defRPr sz="1493"/>
+              <a:defRPr sz="1280"/>
             </a:lvl1pPr>
-            <a:lvl2pPr marL="213375" indent="0">
-              <a:buNone/>
-              <a:defRPr sz="1307"/>
-            </a:lvl2pPr>
-            <a:lvl3pPr marL="426750" indent="0">
+            <a:lvl2pPr marL="182880" indent="0">
               <a:buNone/>
               <a:defRPr sz="1120"/>
+            </a:lvl2pPr>
+            <a:lvl3pPr marL="365760" indent="0">
+              <a:buNone/>
+              <a:defRPr sz="960"/>
             </a:lvl3pPr>
-            <a:lvl4pPr marL="640126" indent="0">
+            <a:lvl4pPr marL="548640" indent="0">
               <a:buNone/>
-              <a:defRPr sz="933"/>
+              <a:defRPr sz="800"/>
             </a:lvl4pPr>
-            <a:lvl5pPr marL="853501" indent="0">
+            <a:lvl5pPr marL="731520" indent="0">
               <a:buNone/>
-              <a:defRPr sz="933"/>
+              <a:defRPr sz="800"/>
             </a:lvl5pPr>
-            <a:lvl6pPr marL="1066876" indent="0">
+            <a:lvl6pPr marL="914400" indent="0">
               <a:buNone/>
-              <a:defRPr sz="933"/>
+              <a:defRPr sz="800"/>
             </a:lvl6pPr>
-            <a:lvl7pPr marL="1280251" indent="0">
+            <a:lvl7pPr marL="1097280" indent="0">
               <a:buNone/>
-              <a:defRPr sz="933"/>
+              <a:defRPr sz="800"/>
             </a:lvl7pPr>
-            <a:lvl8pPr marL="1493627" indent="0">
+            <a:lvl8pPr marL="1280160" indent="0">
               <a:buNone/>
-              <a:defRPr sz="933"/>
+              <a:defRPr sz="800"/>
             </a:lvl8pPr>
-            <a:lvl9pPr marL="1707002" indent="0">
+            <a:lvl9pPr marL="1463040" indent="0">
               <a:buNone/>
-              <a:defRPr sz="933"/>
+              <a:defRPr sz="800"/>
             </a:lvl9pPr>
           </a:lstStyle>
           <a:p>
@@ -3365,8 +6346,8 @@
         </p:nvSpPr>
         <p:spPr>
           <a:xfrm>
-            <a:off x="787302" y="960120"/>
-            <a:ext cx="3686472" cy="1778741"/>
+            <a:off x="787302" y="822960"/>
+            <a:ext cx="3686472" cy="1524635"/>
           </a:xfrm>
         </p:spPr>
         <p:txBody>
@@ -3374,39 +6355,39 @@
           <a:lstStyle>
             <a:lvl1pPr marL="0" indent="0">
               <a:buNone/>
-              <a:defRPr sz="747"/>
+              <a:defRPr sz="640"/>
             </a:lvl1pPr>
-            <a:lvl2pPr marL="213375" indent="0">
-              <a:buNone/>
-              <a:defRPr sz="653"/>
-            </a:lvl2pPr>
-            <a:lvl3pPr marL="426750" indent="0">
+            <a:lvl2pPr marL="182880" indent="0">
               <a:buNone/>
               <a:defRPr sz="560"/>
+            </a:lvl2pPr>
+            <a:lvl3pPr marL="365760" indent="0">
+              <a:buNone/>
+              <a:defRPr sz="480"/>
             </a:lvl3pPr>
-            <a:lvl4pPr marL="640126" indent="0">
+            <a:lvl4pPr marL="548640" indent="0">
               <a:buNone/>
-              <a:defRPr sz="467"/>
+              <a:defRPr sz="400"/>
             </a:lvl4pPr>
-            <a:lvl5pPr marL="853501" indent="0">
+            <a:lvl5pPr marL="731520" indent="0">
               <a:buNone/>
-              <a:defRPr sz="467"/>
+              <a:defRPr sz="400"/>
             </a:lvl5pPr>
-            <a:lvl6pPr marL="1066876" indent="0">
+            <a:lvl6pPr marL="914400" indent="0">
               <a:buNone/>
-              <a:defRPr sz="467"/>
+              <a:defRPr sz="400"/>
             </a:lvl6pPr>
-            <a:lvl7pPr marL="1280251" indent="0">
+            <a:lvl7pPr marL="1097280" indent="0">
               <a:buNone/>
-              <a:defRPr sz="467"/>
+              <a:defRPr sz="400"/>
             </a:lvl7pPr>
-            <a:lvl8pPr marL="1493627" indent="0">
+            <a:lvl8pPr marL="1280160" indent="0">
               <a:buNone/>
-              <a:defRPr sz="467"/>
+              <a:defRPr sz="400"/>
             </a:lvl8pPr>
-            <a:lvl9pPr marL="1707002" indent="0">
+            <a:lvl9pPr marL="1463040" indent="0">
               <a:buNone/>
-              <a:defRPr sz="467"/>
+              <a:defRPr sz="400"/>
             </a:lvl9pPr>
           </a:lstStyle>
           <a:p>
@@ -3435,7 +6416,7 @@
           <a:p>
             <a:fld id="{6BC25386-7753-4509-9C73-70CC03C1D4EB}" type="datetimeFigureOut">
               <a:rPr lang="en-US" smtClean="0"/>
-              <a:t>2/15/2023</a:t>
+              <a:t>2/21/2023</a:t>
             </a:fld>
             <a:endParaRPr lang="en-US"/>
           </a:p>
@@ -3486,7 +6467,7 @@
     </p:spTree>
     <p:extLst>
       <p:ext uri="{BB962C8B-B14F-4D97-AF65-F5344CB8AC3E}">
-        <p14:creationId xmlns:p14="http://schemas.microsoft.com/office/powerpoint/2010/main" val="2291244455"/>
+        <p14:creationId xmlns:p14="http://schemas.microsoft.com/office/powerpoint/2010/main" val="4016794022"/>
       </p:ext>
     </p:extLst>
   </p:cSld>
@@ -3530,8 +6511,8 @@
         </p:nvSpPr>
         <p:spPr>
           <a:xfrm>
-            <a:off x="785813" y="170392"/>
-            <a:ext cx="9858375" cy="618596"/>
+            <a:off x="785813" y="146050"/>
+            <a:ext cx="9858375" cy="530225"/>
           </a:xfrm>
           <a:prstGeom prst="rect">
             <a:avLst/>
@@ -3563,8 +6544,8 @@
         </p:nvSpPr>
         <p:spPr>
           <a:xfrm>
-            <a:off x="785813" y="851959"/>
-            <a:ext cx="9858375" cy="2030624"/>
+            <a:off x="785813" y="730250"/>
+            <a:ext cx="9858375" cy="1740535"/>
           </a:xfrm>
           <a:prstGeom prst="rect">
             <a:avLst/>
@@ -3625,8 +6606,8 @@
         </p:nvSpPr>
         <p:spPr>
           <a:xfrm>
-            <a:off x="785813" y="2966297"/>
-            <a:ext cx="2571750" cy="170392"/>
+            <a:off x="785813" y="2542540"/>
+            <a:ext cx="2571750" cy="146050"/>
           </a:xfrm>
           <a:prstGeom prst="rect">
             <a:avLst/>
@@ -3636,7 +6617,7 @@
           <a:bodyPr vert="horz" lIns="91440" tIns="45720" rIns="91440" bIns="45720" rtlCol="0" anchor="ctr"/>
           <a:lstStyle>
             <a:lvl1pPr algn="l">
-              <a:defRPr sz="560">
+              <a:defRPr sz="480">
                 <a:solidFill>
                   <a:schemeClr val="tx1">
                     <a:tint val="75000"/>
@@ -3648,7 +6629,7 @@
           <a:p>
             <a:fld id="{6BC25386-7753-4509-9C73-70CC03C1D4EB}" type="datetimeFigureOut">
               <a:rPr lang="en-US" smtClean="0"/>
-              <a:t>2/15/2023</a:t>
+              <a:t>2/21/2023</a:t>
             </a:fld>
             <a:endParaRPr lang="en-US"/>
           </a:p>
@@ -3666,8 +6647,8 @@
         </p:nvSpPr>
         <p:spPr>
           <a:xfrm>
-            <a:off x="3786188" y="2966297"/>
-            <a:ext cx="3857625" cy="170392"/>
+            <a:off x="3786188" y="2542540"/>
+            <a:ext cx="3857625" cy="146050"/>
           </a:xfrm>
           <a:prstGeom prst="rect">
             <a:avLst/>
@@ -3677,7 +6658,7 @@
           <a:bodyPr vert="horz" lIns="91440" tIns="45720" rIns="91440" bIns="45720" rtlCol="0" anchor="ctr"/>
           <a:lstStyle>
             <a:lvl1pPr algn="ctr">
-              <a:defRPr sz="560">
+              <a:defRPr sz="480">
                 <a:solidFill>
                   <a:schemeClr val="tx1">
                     <a:tint val="75000"/>
@@ -3703,8 +6684,8 @@
         </p:nvSpPr>
         <p:spPr>
           <a:xfrm>
-            <a:off x="8072438" y="2966297"/>
-            <a:ext cx="2571750" cy="170392"/>
+            <a:off x="8072438" y="2542540"/>
+            <a:ext cx="2571750" cy="146050"/>
           </a:xfrm>
           <a:prstGeom prst="rect">
             <a:avLst/>
@@ -3714,7 +6695,7 @@
           <a:bodyPr vert="horz" lIns="91440" tIns="45720" rIns="91440" bIns="45720" rtlCol="0" anchor="ctr"/>
           <a:lstStyle>
             <a:lvl1pPr algn="r">
-              <a:defRPr sz="560">
+              <a:defRPr sz="480">
                 <a:solidFill>
                   <a:schemeClr val="tx1">
                     <a:tint val="75000"/>
@@ -3735,27 +6716,27 @@
     </p:spTree>
     <p:extLst>
       <p:ext uri="{BB962C8B-B14F-4D97-AF65-F5344CB8AC3E}">
-        <p14:creationId xmlns:p14="http://schemas.microsoft.com/office/powerpoint/2010/main" val="4034281375"/>
+        <p14:creationId xmlns:p14="http://schemas.microsoft.com/office/powerpoint/2010/main" val="1489211428"/>
       </p:ext>
     </p:extLst>
   </p:cSld>
   <p:clrMap bg1="lt1" tx1="dk1" bg2="lt2" tx2="dk2" accent1="accent1" accent2="accent2" accent3="accent3" accent4="accent4" accent5="accent5" accent6="accent6" hlink="hlink" folHlink="folHlink"/>
   <p:sldLayoutIdLst>
-    <p:sldLayoutId id="2147483697" r:id="rId1"/>
-    <p:sldLayoutId id="2147483698" r:id="rId2"/>
-    <p:sldLayoutId id="2147483699" r:id="rId3"/>
-    <p:sldLayoutId id="2147483700" r:id="rId4"/>
-    <p:sldLayoutId id="2147483701" r:id="rId5"/>
-    <p:sldLayoutId id="2147483702" r:id="rId6"/>
-    <p:sldLayoutId id="2147483703" r:id="rId7"/>
-    <p:sldLayoutId id="2147483704" r:id="rId8"/>
-    <p:sldLayoutId id="2147483705" r:id="rId9"/>
-    <p:sldLayoutId id="2147483706" r:id="rId10"/>
-    <p:sldLayoutId id="2147483707" r:id="rId11"/>
+    <p:sldLayoutId id="2147483721" r:id="rId1"/>
+    <p:sldLayoutId id="2147483722" r:id="rId2"/>
+    <p:sldLayoutId id="2147483723" r:id="rId3"/>
+    <p:sldLayoutId id="2147483724" r:id="rId4"/>
+    <p:sldLayoutId id="2147483725" r:id="rId5"/>
+    <p:sldLayoutId id="2147483726" r:id="rId6"/>
+    <p:sldLayoutId id="2147483727" r:id="rId7"/>
+    <p:sldLayoutId id="2147483728" r:id="rId8"/>
+    <p:sldLayoutId id="2147483729" r:id="rId9"/>
+    <p:sldLayoutId id="2147483730" r:id="rId10"/>
+    <p:sldLayoutId id="2147483731" r:id="rId11"/>
   </p:sldLayoutIdLst>
   <p:txStyles>
     <p:titleStyle>
-      <a:lvl1pPr algn="l" defTabSz="426750" rtl="0" eaLnBrk="1" latinLnBrk="0" hangingPunct="1">
+      <a:lvl1pPr algn="l" defTabSz="365760" rtl="0" eaLnBrk="1" latinLnBrk="0" hangingPunct="1">
         <a:lnSpc>
           <a:spcPct val="90000"/>
         </a:lnSpc>
@@ -3763,7 +6744,7 @@
           <a:spcPct val="0"/>
         </a:spcBef>
         <a:buNone/>
-        <a:defRPr sz="2053" kern="1200">
+        <a:defRPr sz="1760" kern="1200">
           <a:solidFill>
             <a:schemeClr val="tx1"/>
           </a:solidFill>
@@ -3774,30 +6755,12 @@
       </a:lvl1pPr>
     </p:titleStyle>
     <p:bodyStyle>
-      <a:lvl1pPr marL="106688" indent="-106688" algn="l" defTabSz="426750" rtl="0" eaLnBrk="1" latinLnBrk="0" hangingPunct="1">
+      <a:lvl1pPr marL="91440" indent="-91440" algn="l" defTabSz="365760" rtl="0" eaLnBrk="1" latinLnBrk="0" hangingPunct="1">
         <a:lnSpc>
           <a:spcPct val="90000"/>
         </a:lnSpc>
         <a:spcBef>
-          <a:spcPts val="467"/>
-        </a:spcBef>
-        <a:buFont typeface="Arial" panose="020B0604020202020204" pitchFamily="34" charset="0"/>
-        <a:buChar char="•"/>
-        <a:defRPr sz="1307" kern="1200">
-          <a:solidFill>
-            <a:schemeClr val="tx1"/>
-          </a:solidFill>
-          <a:latin typeface="+mn-lt"/>
-          <a:ea typeface="+mn-ea"/>
-          <a:cs typeface="+mn-cs"/>
-        </a:defRPr>
-      </a:lvl1pPr>
-      <a:lvl2pPr marL="320063" indent="-106688" algn="l" defTabSz="426750" rtl="0" eaLnBrk="1" latinLnBrk="0" hangingPunct="1">
-        <a:lnSpc>
-          <a:spcPct val="90000"/>
-        </a:lnSpc>
-        <a:spcBef>
-          <a:spcPts val="233"/>
+          <a:spcPts val="400"/>
         </a:spcBef>
         <a:buFont typeface="Arial" panose="020B0604020202020204" pitchFamily="34" charset="0"/>
         <a:buChar char="•"/>
@@ -3809,17 +6772,35 @@
           <a:ea typeface="+mn-ea"/>
           <a:cs typeface="+mn-cs"/>
         </a:defRPr>
-      </a:lvl2pPr>
-      <a:lvl3pPr marL="533438" indent="-106688" algn="l" defTabSz="426750" rtl="0" eaLnBrk="1" latinLnBrk="0" hangingPunct="1">
+      </a:lvl1pPr>
+      <a:lvl2pPr marL="274320" indent="-91440" algn="l" defTabSz="365760" rtl="0" eaLnBrk="1" latinLnBrk="0" hangingPunct="1">
         <a:lnSpc>
           <a:spcPct val="90000"/>
         </a:lnSpc>
         <a:spcBef>
-          <a:spcPts val="233"/>
+          <a:spcPts val="200"/>
         </a:spcBef>
         <a:buFont typeface="Arial" panose="020B0604020202020204" pitchFamily="34" charset="0"/>
         <a:buChar char="•"/>
-        <a:defRPr sz="933" kern="1200">
+        <a:defRPr sz="960" kern="1200">
+          <a:solidFill>
+            <a:schemeClr val="tx1"/>
+          </a:solidFill>
+          <a:latin typeface="+mn-lt"/>
+          <a:ea typeface="+mn-ea"/>
+          <a:cs typeface="+mn-cs"/>
+        </a:defRPr>
+      </a:lvl2pPr>
+      <a:lvl3pPr marL="457200" indent="-91440" algn="l" defTabSz="365760" rtl="0" eaLnBrk="1" latinLnBrk="0" hangingPunct="1">
+        <a:lnSpc>
+          <a:spcPct val="90000"/>
+        </a:lnSpc>
+        <a:spcBef>
+          <a:spcPts val="200"/>
+        </a:spcBef>
+        <a:buFont typeface="Arial" panose="020B0604020202020204" pitchFamily="34" charset="0"/>
+        <a:buChar char="•"/>
+        <a:defRPr sz="800" kern="1200">
           <a:solidFill>
             <a:schemeClr val="tx1"/>
           </a:solidFill>
@@ -3828,16 +6809,16 @@
           <a:cs typeface="+mn-cs"/>
         </a:defRPr>
       </a:lvl3pPr>
-      <a:lvl4pPr marL="746813" indent="-106688" algn="l" defTabSz="426750" rtl="0" eaLnBrk="1" latinLnBrk="0" hangingPunct="1">
+      <a:lvl4pPr marL="640080" indent="-91440" algn="l" defTabSz="365760" rtl="0" eaLnBrk="1" latinLnBrk="0" hangingPunct="1">
         <a:lnSpc>
           <a:spcPct val="90000"/>
         </a:lnSpc>
         <a:spcBef>
-          <a:spcPts val="233"/>
+          <a:spcPts val="200"/>
         </a:spcBef>
         <a:buFont typeface="Arial" panose="020B0604020202020204" pitchFamily="34" charset="0"/>
         <a:buChar char="•"/>
-        <a:defRPr sz="840" kern="1200">
+        <a:defRPr sz="720" kern="1200">
           <a:solidFill>
             <a:schemeClr val="tx1"/>
           </a:solidFill>
@@ -3846,16 +6827,16 @@
           <a:cs typeface="+mn-cs"/>
         </a:defRPr>
       </a:lvl4pPr>
-      <a:lvl5pPr marL="960189" indent="-106688" algn="l" defTabSz="426750" rtl="0" eaLnBrk="1" latinLnBrk="0" hangingPunct="1">
+      <a:lvl5pPr marL="822960" indent="-91440" algn="l" defTabSz="365760" rtl="0" eaLnBrk="1" latinLnBrk="0" hangingPunct="1">
         <a:lnSpc>
           <a:spcPct val="90000"/>
         </a:lnSpc>
         <a:spcBef>
-          <a:spcPts val="233"/>
+          <a:spcPts val="200"/>
         </a:spcBef>
         <a:buFont typeface="Arial" panose="020B0604020202020204" pitchFamily="34" charset="0"/>
         <a:buChar char="•"/>
-        <a:defRPr sz="840" kern="1200">
+        <a:defRPr sz="720" kern="1200">
           <a:solidFill>
             <a:schemeClr val="tx1"/>
           </a:solidFill>
@@ -3864,16 +6845,16 @@
           <a:cs typeface="+mn-cs"/>
         </a:defRPr>
       </a:lvl5pPr>
-      <a:lvl6pPr marL="1173564" indent="-106688" algn="l" defTabSz="426750" rtl="0" eaLnBrk="1" latinLnBrk="0" hangingPunct="1">
+      <a:lvl6pPr marL="1005840" indent="-91440" algn="l" defTabSz="365760" rtl="0" eaLnBrk="1" latinLnBrk="0" hangingPunct="1">
         <a:lnSpc>
           <a:spcPct val="90000"/>
         </a:lnSpc>
         <a:spcBef>
-          <a:spcPts val="233"/>
+          <a:spcPts val="200"/>
         </a:spcBef>
         <a:buFont typeface="Arial" panose="020B0604020202020204" pitchFamily="34" charset="0"/>
         <a:buChar char="•"/>
-        <a:defRPr sz="840" kern="1200">
+        <a:defRPr sz="720" kern="1200">
           <a:solidFill>
             <a:schemeClr val="tx1"/>
           </a:solidFill>
@@ -3882,16 +6863,16 @@
           <a:cs typeface="+mn-cs"/>
         </a:defRPr>
       </a:lvl6pPr>
-      <a:lvl7pPr marL="1386939" indent="-106688" algn="l" defTabSz="426750" rtl="0" eaLnBrk="1" latinLnBrk="0" hangingPunct="1">
+      <a:lvl7pPr marL="1188720" indent="-91440" algn="l" defTabSz="365760" rtl="0" eaLnBrk="1" latinLnBrk="0" hangingPunct="1">
         <a:lnSpc>
           <a:spcPct val="90000"/>
         </a:lnSpc>
         <a:spcBef>
-          <a:spcPts val="233"/>
+          <a:spcPts val="200"/>
         </a:spcBef>
         <a:buFont typeface="Arial" panose="020B0604020202020204" pitchFamily="34" charset="0"/>
         <a:buChar char="•"/>
-        <a:defRPr sz="840" kern="1200">
+        <a:defRPr sz="720" kern="1200">
           <a:solidFill>
             <a:schemeClr val="tx1"/>
           </a:solidFill>
@@ -3900,16 +6881,16 @@
           <a:cs typeface="+mn-cs"/>
         </a:defRPr>
       </a:lvl7pPr>
-      <a:lvl8pPr marL="1600314" indent="-106688" algn="l" defTabSz="426750" rtl="0" eaLnBrk="1" latinLnBrk="0" hangingPunct="1">
+      <a:lvl8pPr marL="1371600" indent="-91440" algn="l" defTabSz="365760" rtl="0" eaLnBrk="1" latinLnBrk="0" hangingPunct="1">
         <a:lnSpc>
           <a:spcPct val="90000"/>
         </a:lnSpc>
         <a:spcBef>
-          <a:spcPts val="233"/>
+          <a:spcPts val="200"/>
         </a:spcBef>
         <a:buFont typeface="Arial" panose="020B0604020202020204" pitchFamily="34" charset="0"/>
         <a:buChar char="•"/>
-        <a:defRPr sz="840" kern="1200">
+        <a:defRPr sz="720" kern="1200">
           <a:solidFill>
             <a:schemeClr val="tx1"/>
           </a:solidFill>
@@ -3918,16 +6899,16 @@
           <a:cs typeface="+mn-cs"/>
         </a:defRPr>
       </a:lvl8pPr>
-      <a:lvl9pPr marL="1813690" indent="-106688" algn="l" defTabSz="426750" rtl="0" eaLnBrk="1" latinLnBrk="0" hangingPunct="1">
+      <a:lvl9pPr marL="1554480" indent="-91440" algn="l" defTabSz="365760" rtl="0" eaLnBrk="1" latinLnBrk="0" hangingPunct="1">
         <a:lnSpc>
           <a:spcPct val="90000"/>
         </a:lnSpc>
         <a:spcBef>
-          <a:spcPts val="233"/>
+          <a:spcPts val="200"/>
         </a:spcBef>
         <a:buFont typeface="Arial" panose="020B0604020202020204" pitchFamily="34" charset="0"/>
         <a:buChar char="•"/>
-        <a:defRPr sz="840" kern="1200">
+        <a:defRPr sz="720" kern="1200">
           <a:solidFill>
             <a:schemeClr val="tx1"/>
           </a:solidFill>
@@ -3941,8 +6922,8 @@
       <a:defPPr>
         <a:defRPr lang="en-US"/>
       </a:defPPr>
-      <a:lvl1pPr marL="0" algn="l" defTabSz="426750" rtl="0" eaLnBrk="1" latinLnBrk="0" hangingPunct="1">
-        <a:defRPr sz="840" kern="1200">
+      <a:lvl1pPr marL="0" algn="l" defTabSz="365760" rtl="0" eaLnBrk="1" latinLnBrk="0" hangingPunct="1">
+        <a:defRPr sz="720" kern="1200">
           <a:solidFill>
             <a:schemeClr val="tx1"/>
           </a:solidFill>
@@ -3951,8 +6932,8 @@
           <a:cs typeface="+mn-cs"/>
         </a:defRPr>
       </a:lvl1pPr>
-      <a:lvl2pPr marL="213375" algn="l" defTabSz="426750" rtl="0" eaLnBrk="1" latinLnBrk="0" hangingPunct="1">
-        <a:defRPr sz="840" kern="1200">
+      <a:lvl2pPr marL="182880" algn="l" defTabSz="365760" rtl="0" eaLnBrk="1" latinLnBrk="0" hangingPunct="1">
+        <a:defRPr sz="720" kern="1200">
           <a:solidFill>
             <a:schemeClr val="tx1"/>
           </a:solidFill>
@@ -3961,8 +6942,8 @@
           <a:cs typeface="+mn-cs"/>
         </a:defRPr>
       </a:lvl2pPr>
-      <a:lvl3pPr marL="426750" algn="l" defTabSz="426750" rtl="0" eaLnBrk="1" latinLnBrk="0" hangingPunct="1">
-        <a:defRPr sz="840" kern="1200">
+      <a:lvl3pPr marL="365760" algn="l" defTabSz="365760" rtl="0" eaLnBrk="1" latinLnBrk="0" hangingPunct="1">
+        <a:defRPr sz="720" kern="1200">
           <a:solidFill>
             <a:schemeClr val="tx1"/>
           </a:solidFill>
@@ -3971,8 +6952,8 @@
           <a:cs typeface="+mn-cs"/>
         </a:defRPr>
       </a:lvl3pPr>
-      <a:lvl4pPr marL="640126" algn="l" defTabSz="426750" rtl="0" eaLnBrk="1" latinLnBrk="0" hangingPunct="1">
-        <a:defRPr sz="840" kern="1200">
+      <a:lvl4pPr marL="548640" algn="l" defTabSz="365760" rtl="0" eaLnBrk="1" latinLnBrk="0" hangingPunct="1">
+        <a:defRPr sz="720" kern="1200">
           <a:solidFill>
             <a:schemeClr val="tx1"/>
           </a:solidFill>
@@ -3981,8 +6962,8 @@
           <a:cs typeface="+mn-cs"/>
         </a:defRPr>
       </a:lvl4pPr>
-      <a:lvl5pPr marL="853501" algn="l" defTabSz="426750" rtl="0" eaLnBrk="1" latinLnBrk="0" hangingPunct="1">
-        <a:defRPr sz="840" kern="1200">
+      <a:lvl5pPr marL="731520" algn="l" defTabSz="365760" rtl="0" eaLnBrk="1" latinLnBrk="0" hangingPunct="1">
+        <a:defRPr sz="720" kern="1200">
           <a:solidFill>
             <a:schemeClr val="tx1"/>
           </a:solidFill>
@@ -3991,8 +6972,8 @@
           <a:cs typeface="+mn-cs"/>
         </a:defRPr>
       </a:lvl5pPr>
-      <a:lvl6pPr marL="1066876" algn="l" defTabSz="426750" rtl="0" eaLnBrk="1" latinLnBrk="0" hangingPunct="1">
-        <a:defRPr sz="840" kern="1200">
+      <a:lvl6pPr marL="914400" algn="l" defTabSz="365760" rtl="0" eaLnBrk="1" latinLnBrk="0" hangingPunct="1">
+        <a:defRPr sz="720" kern="1200">
           <a:solidFill>
             <a:schemeClr val="tx1"/>
           </a:solidFill>
@@ -4001,8 +6982,8 @@
           <a:cs typeface="+mn-cs"/>
         </a:defRPr>
       </a:lvl6pPr>
-      <a:lvl7pPr marL="1280251" algn="l" defTabSz="426750" rtl="0" eaLnBrk="1" latinLnBrk="0" hangingPunct="1">
-        <a:defRPr sz="840" kern="1200">
+      <a:lvl7pPr marL="1097280" algn="l" defTabSz="365760" rtl="0" eaLnBrk="1" latinLnBrk="0" hangingPunct="1">
+        <a:defRPr sz="720" kern="1200">
           <a:solidFill>
             <a:schemeClr val="tx1"/>
           </a:solidFill>
@@ -4011,8 +6992,8 @@
           <a:cs typeface="+mn-cs"/>
         </a:defRPr>
       </a:lvl7pPr>
-      <a:lvl8pPr marL="1493627" algn="l" defTabSz="426750" rtl="0" eaLnBrk="1" latinLnBrk="0" hangingPunct="1">
-        <a:defRPr sz="840" kern="1200">
+      <a:lvl8pPr marL="1280160" algn="l" defTabSz="365760" rtl="0" eaLnBrk="1" latinLnBrk="0" hangingPunct="1">
+        <a:defRPr sz="720" kern="1200">
           <a:solidFill>
             <a:schemeClr val="tx1"/>
           </a:solidFill>
@@ -4021,8 +7002,8 @@
           <a:cs typeface="+mn-cs"/>
         </a:defRPr>
       </a:lvl8pPr>
-      <a:lvl9pPr marL="1707002" algn="l" defTabSz="426750" rtl="0" eaLnBrk="1" latinLnBrk="0" hangingPunct="1">
-        <a:defRPr sz="840" kern="1200">
+      <a:lvl9pPr marL="1463040" algn="l" defTabSz="365760" rtl="0" eaLnBrk="1" latinLnBrk="0" hangingPunct="1">
+        <a:defRPr sz="720" kern="1200">
           <a:solidFill>
             <a:schemeClr val="tx1"/>
           </a:solidFill>
@@ -4039,6 +7020,14 @@
 <file path=ppt/slides/slide1.xml><?xml version="1.0" encoding="utf-8"?>
 <p:sld xmlns:a="http://schemas.openxmlformats.org/drawingml/2006/main" xmlns:r="http://schemas.openxmlformats.org/officeDocument/2006/relationships" xmlns:p="http://schemas.openxmlformats.org/presentationml/2006/main">
   <p:cSld>
+    <p:bg>
+      <p:bgPr>
+        <a:solidFill>
+          <a:schemeClr val="bg1"/>
+        </a:solidFill>
+        <a:effectLst/>
+      </p:bgPr>
+    </p:bg>
     <p:spTree>
       <p:nvGrpSpPr>
         <p:cNvPr id="1" name=""/>
@@ -4055,10 +7044,10 @@
       </p:grpSpPr>
       <p:graphicFrame>
         <p:nvGraphicFramePr>
-          <p:cNvPr id="4" name="Chart 3">
+          <p:cNvPr id="6" name="Chart 5">
             <a:extLst>
               <a:ext uri="{FF2B5EF4-FFF2-40B4-BE49-F238E27FC236}">
-                <a16:creationId xmlns:a16="http://schemas.microsoft.com/office/drawing/2014/main" id="{3173DB67-EA34-450D-8633-1756EB6C9DED}"/>
+                <a16:creationId xmlns:a16="http://schemas.microsoft.com/office/drawing/2014/main" id="{93D8AF5E-A52C-48CB-83FB-7263170E547C}"/>
               </a:ext>
             </a:extLst>
           </p:cNvPr>
@@ -4068,14 +7057,14 @@
           <p:nvPr>
             <p:extLst>
               <p:ext uri="{D42A27DB-BD31-4B8C-83A1-F6EECF244321}">
-                <p14:modId xmlns:p14="http://schemas.microsoft.com/office/powerpoint/2010/main" val="1519746065"/>
+                <p14:modId xmlns:p14="http://schemas.microsoft.com/office/powerpoint/2010/main" val="940893343"/>
               </p:ext>
             </p:extLst>
           </p:nvPr>
         </p:nvGraphicFramePr>
         <p:xfrm>
-          <a:off x="1" y="0"/>
-          <a:ext cx="11430000" cy="3200400"/>
+          <a:off x="0" y="0"/>
+          <a:ext cx="11430000" cy="2743200"/>
         </p:xfrm>
         <a:graphic>
           <a:graphicData uri="http://schemas.openxmlformats.org/drawingml/2006/chart">
